--- a/L9-Oct-28/fonts/FE-L9-Oct-28-fonts.pptx
+++ b/L9-Oct-28/fonts/FE-L9-Oct-28-fonts.pptx
@@ -5,20 +5,23 @@
     <p:sldMasterId id="2147483660" r:id="rId1"/>
   </p:sldMasterIdLst>
   <p:notesMasterIdLst>
-    <p:notesMasterId r:id="rId13"/>
+    <p:notesMasterId r:id="rId16"/>
   </p:notesMasterIdLst>
   <p:sldIdLst>
     <p:sldId id="256" r:id="rId2"/>
     <p:sldId id="316" r:id="rId3"/>
     <p:sldId id="317" r:id="rId4"/>
     <p:sldId id="318" r:id="rId5"/>
-    <p:sldId id="319" r:id="rId6"/>
-    <p:sldId id="325" r:id="rId7"/>
-    <p:sldId id="321" r:id="rId8"/>
-    <p:sldId id="322" r:id="rId9"/>
-    <p:sldId id="323" r:id="rId10"/>
-    <p:sldId id="326" r:id="rId11"/>
-    <p:sldId id="330" r:id="rId12"/>
+    <p:sldId id="331" r:id="rId6"/>
+    <p:sldId id="332" r:id="rId7"/>
+    <p:sldId id="333" r:id="rId8"/>
+    <p:sldId id="319" r:id="rId9"/>
+    <p:sldId id="325" r:id="rId10"/>
+    <p:sldId id="321" r:id="rId11"/>
+    <p:sldId id="322" r:id="rId12"/>
+    <p:sldId id="323" r:id="rId13"/>
+    <p:sldId id="326" r:id="rId14"/>
+    <p:sldId id="330" r:id="rId15"/>
   </p:sldIdLst>
   <p:sldSz cx="9144000" cy="5715000" type="screen16x10"/>
   <p:notesSz cx="6858000" cy="9144000"/>
@@ -3898,7 +3901,7 @@
           <a:p>
             <a:fld id="{F6D8C1CC-B947-4082-943C-2B15D0562C1D}" type="datetimeFigureOut">
               <a:rPr lang="en-US" smtClean="0"/>
-              <a:t>10/25/2019</a:t>
+              <a:t>10/28/2019</a:t>
             </a:fld>
             <a:endParaRPr lang="en-US"/>
           </a:p>
@@ -4329,6 +4332,29 @@
             </a:pPr>
             <a:endParaRPr lang="en-US" b="0" baseline="0" dirty="0"/>
           </a:p>
+          <a:p>
+            <a:pPr marL="0" marR="0" indent="0" algn="l" defTabSz="914400" rtl="0" eaLnBrk="1" fontAlgn="auto" latinLnBrk="0" hangingPunct="1">
+              <a:lnSpc>
+                <a:spcPct val="100000"/>
+              </a:lnSpc>
+              <a:spcBef>
+                <a:spcPts val="0"/>
+              </a:spcBef>
+              <a:spcAft>
+                <a:spcPts val="0"/>
+              </a:spcAft>
+              <a:buClrTx/>
+              <a:buSzTx/>
+              <a:buFontTx/>
+              <a:buNone/>
+              <a:tabLst/>
+              <a:defRPr/>
+            </a:pPr>
+            <a:r>
+              <a:rPr lang="en-US" b="0" baseline="0" dirty="0"/>
+              <a:t>Monospace – Courier, Courier New, Monaco</a:t>
+            </a:r>
+          </a:p>
         </p:txBody>
       </p:sp>
       <p:sp>
@@ -4349,6 +4375,309 @@
             <a:fld id="{8C65C300-19CC-4360-A650-4F04F63F7B82}" type="slidenum">
               <a:rPr lang="en-US" smtClean="0"/>
               <a:t>11</a:t>
+            </a:fld>
+            <a:endParaRPr lang="en-US"/>
+          </a:p>
+        </p:txBody>
+      </p:sp>
+    </p:spTree>
+    <p:extLst>
+      <p:ext uri="{BB962C8B-B14F-4D97-AF65-F5344CB8AC3E}">
+        <p14:creationId xmlns:p14="http://schemas.microsoft.com/office/powerpoint/2010/main" val="685539792"/>
+      </p:ext>
+    </p:extLst>
+  </p:cSld>
+  <p:clrMapOvr>
+    <a:masterClrMapping/>
+  </p:clrMapOvr>
+</p:notes>
+</file>
+
+<file path=ppt/notesSlides/notesSlide11.xml><?xml version="1.0" encoding="utf-8"?>
+<p:notes xmlns:a="http://schemas.openxmlformats.org/drawingml/2006/main" xmlns:r="http://schemas.openxmlformats.org/officeDocument/2006/relationships" xmlns:p="http://schemas.openxmlformats.org/presentationml/2006/main">
+  <p:cSld>
+    <p:spTree>
+      <p:nvGrpSpPr>
+        <p:cNvPr id="1" name=""/>
+        <p:cNvGrpSpPr/>
+        <p:nvPr/>
+      </p:nvGrpSpPr>
+      <p:grpSpPr>
+        <a:xfrm>
+          <a:off x="0" y="0"/>
+          <a:ext cx="0" cy="0"/>
+          <a:chOff x="0" y="0"/>
+          <a:chExt cx="0" cy="0"/>
+        </a:xfrm>
+      </p:grpSpPr>
+      <p:sp>
+        <p:nvSpPr>
+          <p:cNvPr id="2" name="Slide Image Placeholder 1"/>
+          <p:cNvSpPr>
+            <a:spLocks noGrp="1" noRot="1" noChangeAspect="1"/>
+          </p:cNvSpPr>
+          <p:nvPr>
+            <p:ph type="sldImg"/>
+          </p:nvPr>
+        </p:nvSpPr>
+        <p:spPr/>
+      </p:sp>
+      <p:sp>
+        <p:nvSpPr>
+          <p:cNvPr id="3" name="Notes Placeholder 2"/>
+          <p:cNvSpPr>
+            <a:spLocks noGrp="1"/>
+          </p:cNvSpPr>
+          <p:nvPr>
+            <p:ph type="body" idx="1"/>
+          </p:nvPr>
+        </p:nvSpPr>
+        <p:spPr/>
+        <p:txBody>
+          <a:bodyPr/>
+          <a:lstStyle/>
+          <a:p>
+            <a:pPr marL="0" marR="0" indent="0" algn="l" defTabSz="914400" rtl="0" eaLnBrk="1" fontAlgn="auto" latinLnBrk="0" hangingPunct="1">
+              <a:lnSpc>
+                <a:spcPct val="100000"/>
+              </a:lnSpc>
+              <a:spcBef>
+                <a:spcPts val="0"/>
+              </a:spcBef>
+              <a:spcAft>
+                <a:spcPts val="0"/>
+              </a:spcAft>
+              <a:buClrTx/>
+              <a:buSzTx/>
+              <a:buFontTx/>
+              <a:buNone/>
+              <a:tabLst/>
+              <a:defRPr/>
+            </a:pPr>
+            <a:endParaRPr lang="en-US" b="0" baseline="0" dirty="0"/>
+          </a:p>
+        </p:txBody>
+      </p:sp>
+      <p:sp>
+        <p:nvSpPr>
+          <p:cNvPr id="4" name="Slide Number Placeholder 3"/>
+          <p:cNvSpPr>
+            <a:spLocks noGrp="1"/>
+          </p:cNvSpPr>
+          <p:nvPr>
+            <p:ph type="sldNum" sz="quarter" idx="10"/>
+          </p:nvPr>
+        </p:nvSpPr>
+        <p:spPr/>
+        <p:txBody>
+          <a:bodyPr/>
+          <a:lstStyle/>
+          <a:p>
+            <a:fld id="{8C65C300-19CC-4360-A650-4F04F63F7B82}" type="slidenum">
+              <a:rPr lang="en-US" smtClean="0"/>
+              <a:t>12</a:t>
+            </a:fld>
+            <a:endParaRPr lang="en-US"/>
+          </a:p>
+        </p:txBody>
+      </p:sp>
+    </p:spTree>
+    <p:extLst>
+      <p:ext uri="{BB962C8B-B14F-4D97-AF65-F5344CB8AC3E}">
+        <p14:creationId xmlns:p14="http://schemas.microsoft.com/office/powerpoint/2010/main" val="3487432805"/>
+      </p:ext>
+    </p:extLst>
+  </p:cSld>
+  <p:clrMapOvr>
+    <a:masterClrMapping/>
+  </p:clrMapOvr>
+</p:notes>
+</file>
+
+<file path=ppt/notesSlides/notesSlide12.xml><?xml version="1.0" encoding="utf-8"?>
+<p:notes xmlns:a="http://schemas.openxmlformats.org/drawingml/2006/main" xmlns:r="http://schemas.openxmlformats.org/officeDocument/2006/relationships" xmlns:p="http://schemas.openxmlformats.org/presentationml/2006/main">
+  <p:cSld>
+    <p:spTree>
+      <p:nvGrpSpPr>
+        <p:cNvPr id="1" name=""/>
+        <p:cNvGrpSpPr/>
+        <p:nvPr/>
+      </p:nvGrpSpPr>
+      <p:grpSpPr>
+        <a:xfrm>
+          <a:off x="0" y="0"/>
+          <a:ext cx="0" cy="0"/>
+          <a:chOff x="0" y="0"/>
+          <a:chExt cx="0" cy="0"/>
+        </a:xfrm>
+      </p:grpSpPr>
+      <p:sp>
+        <p:nvSpPr>
+          <p:cNvPr id="2" name="Slide Image Placeholder 1"/>
+          <p:cNvSpPr>
+            <a:spLocks noGrp="1" noRot="1" noChangeAspect="1"/>
+          </p:cNvSpPr>
+          <p:nvPr>
+            <p:ph type="sldImg"/>
+          </p:nvPr>
+        </p:nvSpPr>
+        <p:spPr/>
+      </p:sp>
+      <p:sp>
+        <p:nvSpPr>
+          <p:cNvPr id="3" name="Notes Placeholder 2"/>
+          <p:cNvSpPr>
+            <a:spLocks noGrp="1"/>
+          </p:cNvSpPr>
+          <p:nvPr>
+            <p:ph type="body" idx="1"/>
+          </p:nvPr>
+        </p:nvSpPr>
+        <p:spPr/>
+        <p:txBody>
+          <a:bodyPr/>
+          <a:lstStyle/>
+          <a:p>
+            <a:pPr marL="0" marR="0" indent="0" algn="l" defTabSz="914400" rtl="0" eaLnBrk="1" fontAlgn="auto" latinLnBrk="0" hangingPunct="1">
+              <a:lnSpc>
+                <a:spcPct val="100000"/>
+              </a:lnSpc>
+              <a:spcBef>
+                <a:spcPts val="0"/>
+              </a:spcBef>
+              <a:spcAft>
+                <a:spcPts val="0"/>
+              </a:spcAft>
+              <a:buClrTx/>
+              <a:buSzTx/>
+              <a:buFontTx/>
+              <a:buNone/>
+              <a:tabLst/>
+              <a:defRPr/>
+            </a:pPr>
+            <a:endParaRPr lang="en-US" b="0" baseline="0" dirty="0"/>
+          </a:p>
+        </p:txBody>
+      </p:sp>
+      <p:sp>
+        <p:nvSpPr>
+          <p:cNvPr id="4" name="Slide Number Placeholder 3"/>
+          <p:cNvSpPr>
+            <a:spLocks noGrp="1"/>
+          </p:cNvSpPr>
+          <p:nvPr>
+            <p:ph type="sldNum" sz="quarter" idx="10"/>
+          </p:nvPr>
+        </p:nvSpPr>
+        <p:spPr/>
+        <p:txBody>
+          <a:bodyPr/>
+          <a:lstStyle/>
+          <a:p>
+            <a:fld id="{8C65C300-19CC-4360-A650-4F04F63F7B82}" type="slidenum">
+              <a:rPr lang="en-US" smtClean="0"/>
+              <a:t>13</a:t>
+            </a:fld>
+            <a:endParaRPr lang="en-US"/>
+          </a:p>
+        </p:txBody>
+      </p:sp>
+    </p:spTree>
+    <p:extLst>
+      <p:ext uri="{BB962C8B-B14F-4D97-AF65-F5344CB8AC3E}">
+        <p14:creationId xmlns:p14="http://schemas.microsoft.com/office/powerpoint/2010/main" val="3920202144"/>
+      </p:ext>
+    </p:extLst>
+  </p:cSld>
+  <p:clrMapOvr>
+    <a:masterClrMapping/>
+  </p:clrMapOvr>
+</p:notes>
+</file>
+
+<file path=ppt/notesSlides/notesSlide13.xml><?xml version="1.0" encoding="utf-8"?>
+<p:notes xmlns:a="http://schemas.openxmlformats.org/drawingml/2006/main" xmlns:r="http://schemas.openxmlformats.org/officeDocument/2006/relationships" xmlns:p="http://schemas.openxmlformats.org/presentationml/2006/main">
+  <p:cSld>
+    <p:spTree>
+      <p:nvGrpSpPr>
+        <p:cNvPr id="1" name=""/>
+        <p:cNvGrpSpPr/>
+        <p:nvPr/>
+      </p:nvGrpSpPr>
+      <p:grpSpPr>
+        <a:xfrm>
+          <a:off x="0" y="0"/>
+          <a:ext cx="0" cy="0"/>
+          <a:chOff x="0" y="0"/>
+          <a:chExt cx="0" cy="0"/>
+        </a:xfrm>
+      </p:grpSpPr>
+      <p:sp>
+        <p:nvSpPr>
+          <p:cNvPr id="2" name="Slide Image Placeholder 1"/>
+          <p:cNvSpPr>
+            <a:spLocks noGrp="1" noRot="1" noChangeAspect="1"/>
+          </p:cNvSpPr>
+          <p:nvPr>
+            <p:ph type="sldImg"/>
+          </p:nvPr>
+        </p:nvSpPr>
+        <p:spPr/>
+      </p:sp>
+      <p:sp>
+        <p:nvSpPr>
+          <p:cNvPr id="3" name="Notes Placeholder 2"/>
+          <p:cNvSpPr>
+            <a:spLocks noGrp="1"/>
+          </p:cNvSpPr>
+          <p:nvPr>
+            <p:ph type="body" idx="1"/>
+          </p:nvPr>
+        </p:nvSpPr>
+        <p:spPr/>
+        <p:txBody>
+          <a:bodyPr/>
+          <a:lstStyle/>
+          <a:p>
+            <a:pPr marL="0" marR="0" indent="0" algn="l" defTabSz="914400" rtl="0" eaLnBrk="1" fontAlgn="auto" latinLnBrk="0" hangingPunct="1">
+              <a:lnSpc>
+                <a:spcPct val="100000"/>
+              </a:lnSpc>
+              <a:spcBef>
+                <a:spcPts val="0"/>
+              </a:spcBef>
+              <a:spcAft>
+                <a:spcPts val="0"/>
+              </a:spcAft>
+              <a:buClrTx/>
+              <a:buSzTx/>
+              <a:buFontTx/>
+              <a:buNone/>
+              <a:tabLst/>
+              <a:defRPr/>
+            </a:pPr>
+            <a:endParaRPr lang="en-US" b="0" baseline="0" dirty="0"/>
+          </a:p>
+        </p:txBody>
+      </p:sp>
+      <p:sp>
+        <p:nvSpPr>
+          <p:cNvPr id="4" name="Slide Number Placeholder 3"/>
+          <p:cNvSpPr>
+            <a:spLocks noGrp="1"/>
+          </p:cNvSpPr>
+          <p:nvPr>
+            <p:ph type="sldNum" sz="quarter" idx="10"/>
+          </p:nvPr>
+        </p:nvSpPr>
+        <p:spPr/>
+        <p:txBody>
+          <a:bodyPr/>
+          <a:lstStyle/>
+          <a:p>
+            <a:fld id="{8C65C300-19CC-4360-A650-4F04F63F7B82}" type="slidenum">
+              <a:rPr lang="en-US" smtClean="0"/>
+              <a:t>14</a:t>
             </a:fld>
             <a:endParaRPr lang="en-US"/>
           </a:p>
@@ -4709,73 +5038,100 @@
                 <a:ea typeface="+mn-ea"/>
                 <a:cs typeface="+mn-cs"/>
               </a:rPr>
-              <a:t>http://shyfonts.com/when-to-use-serif-vs-sans-serif-fonts/</a:t>
-            </a:r>
-            <a:endParaRPr lang="bg-BG" sz="1200" kern="1200" dirty="0">
-              <a:solidFill>
-                <a:schemeClr val="tx1"/>
-              </a:solidFill>
-              <a:effectLst/>
-              <a:latin typeface="+mn-lt"/>
-              <a:ea typeface="+mn-ea"/>
-              <a:cs typeface="+mn-cs"/>
-            </a:endParaRPr>
-          </a:p>
-          <a:p>
-            <a:endParaRPr lang="bg-BG" sz="1200" kern="1200" dirty="0">
-              <a:solidFill>
-                <a:schemeClr val="tx1"/>
-              </a:solidFill>
-              <a:effectLst/>
-              <a:latin typeface="+mn-lt"/>
-              <a:ea typeface="+mn-ea"/>
-              <a:cs typeface="+mn-cs"/>
-            </a:endParaRPr>
-          </a:p>
-          <a:p>
-            <a:r>
-              <a:rPr lang="en-US" sz="1200" kern="1200" dirty="0">
-                <a:solidFill>
-                  <a:schemeClr val="tx1"/>
-                </a:solidFill>
-                <a:effectLst/>
-                <a:latin typeface="+mn-lt"/>
-                <a:ea typeface="+mn-ea"/>
-                <a:cs typeface="+mn-cs"/>
+              <a:t>https://websitesetup.org/web-safe-fonts-html-css/</a:t>
+            </a:r>
+          </a:p>
+          <a:p>
+            <a:pPr marL="0" marR="0" indent="0" algn="l" defTabSz="914400" rtl="0" eaLnBrk="1" fontAlgn="auto" latinLnBrk="0" hangingPunct="1">
+              <a:lnSpc>
+                <a:spcPct val="100000"/>
+              </a:lnSpc>
+              <a:spcBef>
+                <a:spcPts val="0"/>
+              </a:spcBef>
+              <a:spcAft>
+                <a:spcPts val="0"/>
+              </a:spcAft>
+              <a:buClrTx/>
+              <a:buSzTx/>
+              <a:buFontTx/>
+              <a:buNone/>
+              <a:tabLst/>
+              <a:defRPr/>
+            </a:pPr>
+            <a:endParaRPr lang="en-US" b="0" baseline="0" dirty="0"/>
+          </a:p>
+          <a:p>
+            <a:pPr marL="0" marR="0" indent="0" algn="l" defTabSz="914400" rtl="0" eaLnBrk="1" fontAlgn="auto" latinLnBrk="0" hangingPunct="1">
+              <a:lnSpc>
+                <a:spcPct val="100000"/>
+              </a:lnSpc>
+              <a:spcBef>
+                <a:spcPts val="0"/>
+              </a:spcBef>
+              <a:spcAft>
+                <a:spcPts val="0"/>
+              </a:spcAft>
+              <a:buClrTx/>
+              <a:buSzTx/>
+              <a:buFontTx/>
+              <a:buNone/>
+              <a:tabLst/>
+              <a:defRPr/>
+            </a:pPr>
+            <a:r>
+              <a:rPr lang="en-US" dirty="0">
+                <a:hlinkClick r:id="rId3"/>
               </a:rPr>
-              <a:t>https://www.webdesignerdepot.com/2013/03/serif-vs-sans-the-final-battle/</a:t>
-            </a:r>
-            <a:endParaRPr lang="bg-BG" sz="1200" kern="1200" dirty="0">
-              <a:solidFill>
-                <a:schemeClr val="tx1"/>
-              </a:solidFill>
-              <a:effectLst/>
-              <a:latin typeface="+mn-lt"/>
-              <a:ea typeface="+mn-ea"/>
-              <a:cs typeface="+mn-cs"/>
-            </a:endParaRPr>
-          </a:p>
-          <a:p>
-            <a:endParaRPr lang="bg-BG" sz="1200" kern="1200" dirty="0">
-              <a:solidFill>
-                <a:schemeClr val="tx1"/>
-              </a:solidFill>
-              <a:effectLst/>
-              <a:latin typeface="+mn-lt"/>
-              <a:ea typeface="+mn-ea"/>
-              <a:cs typeface="+mn-cs"/>
-            </a:endParaRPr>
-          </a:p>
-          <a:p>
-            <a:endParaRPr lang="en-US" sz="1200" kern="1200" dirty="0">
-              <a:solidFill>
-                <a:schemeClr val="tx1"/>
-              </a:solidFill>
-              <a:effectLst/>
-              <a:latin typeface="+mn-lt"/>
-              <a:ea typeface="+mn-ea"/>
-              <a:cs typeface="+mn-cs"/>
-            </a:endParaRPr>
+              <a:t>https://en.m.wikipedia.org/wiki/Font_family_(HTML)</a:t>
+            </a:r>
+            <a:endParaRPr lang="en-US" dirty="0"/>
+          </a:p>
+          <a:p>
+            <a:pPr marL="0" marR="0" indent="0" algn="l" defTabSz="914400" rtl="0" eaLnBrk="1" fontAlgn="auto" latinLnBrk="0" hangingPunct="1">
+              <a:lnSpc>
+                <a:spcPct val="100000"/>
+              </a:lnSpc>
+              <a:spcBef>
+                <a:spcPts val="0"/>
+              </a:spcBef>
+              <a:spcAft>
+                <a:spcPts val="0"/>
+              </a:spcAft>
+              <a:buClrTx/>
+              <a:buSzTx/>
+              <a:buFontTx/>
+              <a:buNone/>
+              <a:tabLst/>
+              <a:defRPr/>
+            </a:pPr>
+            <a:endParaRPr lang="en-US" b="0" baseline="0" dirty="0"/>
+          </a:p>
+          <a:p>
+            <a:pPr marL="0" marR="0" indent="0" algn="l" defTabSz="914400" rtl="0" eaLnBrk="1" fontAlgn="auto" latinLnBrk="0" hangingPunct="1">
+              <a:lnSpc>
+                <a:spcPct val="100000"/>
+              </a:lnSpc>
+              <a:spcBef>
+                <a:spcPts val="0"/>
+              </a:spcBef>
+              <a:spcAft>
+                <a:spcPts val="0"/>
+              </a:spcAft>
+              <a:buClrTx/>
+              <a:buSzTx/>
+              <a:buFontTx/>
+              <a:buNone/>
+              <a:tabLst/>
+              <a:defRPr/>
+            </a:pPr>
+            <a:r>
+              <a:rPr lang="en-US" dirty="0">
+                <a:hlinkClick r:id="rId4"/>
+              </a:rPr>
+              <a:t>https://css-tricks.com/snippets/css/using-font-face/</a:t>
+            </a:r>
+            <a:endParaRPr lang="en-US" b="0" baseline="0" dirty="0"/>
           </a:p>
         </p:txBody>
       </p:sp>
@@ -4805,7 +5161,7 @@
     </p:spTree>
     <p:extLst>
       <p:ext uri="{BB962C8B-B14F-4D97-AF65-F5344CB8AC3E}">
-        <p14:creationId xmlns:p14="http://schemas.microsoft.com/office/powerpoint/2010/main" val="1116639997"/>
+        <p14:creationId xmlns:p14="http://schemas.microsoft.com/office/powerpoint/2010/main" val="3906889493"/>
       </p:ext>
     </p:extLst>
   </p:cSld>
@@ -4860,7 +5216,7 @@
           <a:lstStyle/>
           <a:p>
             <a:r>
-              <a:rPr lang="bg-BG" sz="1200" kern="1200" dirty="0">
+              <a:rPr lang="en-US" sz="1200" kern="1200" dirty="0">
                 <a:solidFill>
                   <a:schemeClr val="tx1"/>
                 </a:solidFill>
@@ -4869,109 +5225,100 @@
                 <a:ea typeface="+mn-ea"/>
                 <a:cs typeface="+mn-cs"/>
               </a:rPr>
-              <a:t>https://www.cssfontstack.com/</a:t>
-            </a:r>
-            <a:endParaRPr lang="en-US" sz="1200" kern="1200" dirty="0">
-              <a:solidFill>
-                <a:schemeClr val="tx1"/>
-              </a:solidFill>
-              <a:effectLst/>
-              <a:latin typeface="+mn-lt"/>
-              <a:ea typeface="+mn-ea"/>
-              <a:cs typeface="+mn-cs"/>
-            </a:endParaRPr>
-          </a:p>
-          <a:p>
-            <a:endParaRPr lang="en-US" sz="1200" kern="1200" dirty="0">
-              <a:solidFill>
-                <a:schemeClr val="tx1"/>
-              </a:solidFill>
-              <a:effectLst/>
-              <a:latin typeface="+mn-lt"/>
-              <a:ea typeface="+mn-ea"/>
-              <a:cs typeface="+mn-cs"/>
-            </a:endParaRPr>
-          </a:p>
-          <a:p>
-            <a:r>
-              <a:rPr lang="en-US" sz="1200" b="0" i="0" kern="1200" dirty="0">
-                <a:solidFill>
-                  <a:schemeClr val="tx1"/>
-                </a:solidFill>
-                <a:effectLst/>
-                <a:latin typeface="+mn-lt"/>
-                <a:ea typeface="+mn-ea"/>
-                <a:cs typeface="+mn-cs"/>
+              <a:t>https://websitesetup.org/web-safe-fonts-html-css/</a:t>
+            </a:r>
+          </a:p>
+          <a:p>
+            <a:pPr marL="0" marR="0" indent="0" algn="l" defTabSz="914400" rtl="0" eaLnBrk="1" fontAlgn="auto" latinLnBrk="0" hangingPunct="1">
+              <a:lnSpc>
+                <a:spcPct val="100000"/>
+              </a:lnSpc>
+              <a:spcBef>
+                <a:spcPts val="0"/>
+              </a:spcBef>
+              <a:spcAft>
+                <a:spcPts val="0"/>
+              </a:spcAft>
+              <a:buClrTx/>
+              <a:buSzTx/>
+              <a:buFontTx/>
+              <a:buNone/>
+              <a:tabLst/>
+              <a:defRPr/>
+            </a:pPr>
+            <a:endParaRPr lang="en-US" b="0" baseline="0" dirty="0"/>
+          </a:p>
+          <a:p>
+            <a:pPr marL="0" marR="0" indent="0" algn="l" defTabSz="914400" rtl="0" eaLnBrk="1" fontAlgn="auto" latinLnBrk="0" hangingPunct="1">
+              <a:lnSpc>
+                <a:spcPct val="100000"/>
+              </a:lnSpc>
+              <a:spcBef>
+                <a:spcPts val="0"/>
+              </a:spcBef>
+              <a:spcAft>
+                <a:spcPts val="0"/>
+              </a:spcAft>
+              <a:buClrTx/>
+              <a:buSzTx/>
+              <a:buFontTx/>
+              <a:buNone/>
+              <a:tabLst/>
+              <a:defRPr/>
+            </a:pPr>
+            <a:r>
+              <a:rPr lang="en-US" dirty="0">
+                <a:hlinkClick r:id="rId3"/>
               </a:rPr>
-              <a:t>Arial</a:t>
-            </a:r>
-          </a:p>
-          <a:p>
-            <a:r>
-              <a:rPr lang="en-US" sz="1200" b="0" i="0" kern="1200" dirty="0">
-                <a:solidFill>
-                  <a:schemeClr val="tx1"/>
-                </a:solidFill>
-                <a:effectLst/>
-                <a:latin typeface="+mn-lt"/>
-                <a:ea typeface="+mn-ea"/>
-                <a:cs typeface="+mn-cs"/>
+              <a:t>https://en.m.wikipedia.org/wiki/Font_family_(HTML)</a:t>
+            </a:r>
+            <a:endParaRPr lang="en-US" dirty="0"/>
+          </a:p>
+          <a:p>
+            <a:pPr marL="0" marR="0" indent="0" algn="l" defTabSz="914400" rtl="0" eaLnBrk="1" fontAlgn="auto" latinLnBrk="0" hangingPunct="1">
+              <a:lnSpc>
+                <a:spcPct val="100000"/>
+              </a:lnSpc>
+              <a:spcBef>
+                <a:spcPts val="0"/>
+              </a:spcBef>
+              <a:spcAft>
+                <a:spcPts val="0"/>
+              </a:spcAft>
+              <a:buClrTx/>
+              <a:buSzTx/>
+              <a:buFontTx/>
+              <a:buNone/>
+              <a:tabLst/>
+              <a:defRPr/>
+            </a:pPr>
+            <a:endParaRPr lang="en-US" b="0" baseline="0" dirty="0"/>
+          </a:p>
+          <a:p>
+            <a:pPr marL="0" marR="0" indent="0" algn="l" defTabSz="914400" rtl="0" eaLnBrk="1" fontAlgn="auto" latinLnBrk="0" hangingPunct="1">
+              <a:lnSpc>
+                <a:spcPct val="100000"/>
+              </a:lnSpc>
+              <a:spcBef>
+                <a:spcPts val="0"/>
+              </a:spcBef>
+              <a:spcAft>
+                <a:spcPts val="0"/>
+              </a:spcAft>
+              <a:buClrTx/>
+              <a:buSzTx/>
+              <a:buFontTx/>
+              <a:buNone/>
+              <a:tabLst/>
+              <a:defRPr/>
+            </a:pPr>
+            <a:r>
+              <a:rPr lang="en-US" dirty="0">
+                <a:hlinkClick r:id="rId4"/>
               </a:rPr>
-              <a:t>Helvetica</a:t>
-            </a:r>
-          </a:p>
-          <a:p>
-            <a:r>
-              <a:rPr lang="en-US" sz="1200" b="0" i="0" kern="1200" dirty="0">
-                <a:solidFill>
-                  <a:schemeClr val="tx1"/>
-                </a:solidFill>
-                <a:effectLst/>
-                <a:latin typeface="+mn-lt"/>
-                <a:ea typeface="+mn-ea"/>
-                <a:cs typeface="+mn-cs"/>
-              </a:rPr>
-              <a:t>Tahoma</a:t>
-            </a:r>
-          </a:p>
-          <a:p>
-            <a:r>
-              <a:rPr lang="en-US" sz="1200" b="0" i="0" kern="1200" dirty="0">
-                <a:solidFill>
-                  <a:schemeClr val="tx1"/>
-                </a:solidFill>
-                <a:effectLst/>
-                <a:latin typeface="+mn-lt"/>
-                <a:ea typeface="+mn-ea"/>
-                <a:cs typeface="+mn-cs"/>
-              </a:rPr>
-              <a:t>Verdana</a:t>
-            </a:r>
-          </a:p>
-          <a:p>
-            <a:r>
-              <a:rPr lang="en-US" sz="1200" b="0" i="0" kern="1200" dirty="0">
-                <a:solidFill>
-                  <a:schemeClr val="tx1"/>
-                </a:solidFill>
-                <a:effectLst/>
-                <a:latin typeface="+mn-lt"/>
-                <a:ea typeface="+mn-ea"/>
-                <a:cs typeface="+mn-cs"/>
-              </a:rPr>
-              <a:t>MS Sans Serif</a:t>
-            </a:r>
-          </a:p>
-          <a:p>
-            <a:endParaRPr lang="en-US" sz="1200" kern="1200" dirty="0">
-              <a:solidFill>
-                <a:schemeClr val="tx1"/>
-              </a:solidFill>
-              <a:effectLst/>
-              <a:latin typeface="+mn-lt"/>
-              <a:ea typeface="+mn-ea"/>
-              <a:cs typeface="+mn-cs"/>
-            </a:endParaRPr>
+              <a:t>https://css-tricks.com/snippets/css/using-font-face/</a:t>
+            </a:r>
+            <a:endParaRPr lang="en-US" b="0" baseline="0" dirty="0"/>
           </a:p>
         </p:txBody>
       </p:sp>
@@ -5001,7 +5348,7 @@
     </p:spTree>
     <p:extLst>
       <p:ext uri="{BB962C8B-B14F-4D97-AF65-F5344CB8AC3E}">
-        <p14:creationId xmlns:p14="http://schemas.microsoft.com/office/powerpoint/2010/main" val="3032381441"/>
+        <p14:creationId xmlns:p14="http://schemas.microsoft.com/office/powerpoint/2010/main" val="512832798"/>
       </p:ext>
     </p:extLst>
   </p:cSld>
@@ -5056,7 +5403,7 @@
           <a:lstStyle/>
           <a:p>
             <a:r>
-              <a:rPr lang="bg-BG" sz="1200" kern="1200" dirty="0">
+              <a:rPr lang="en-US" sz="1200" kern="1200" dirty="0">
                 <a:solidFill>
                   <a:schemeClr val="tx1"/>
                 </a:solidFill>
@@ -5065,95 +5412,100 @@
                 <a:ea typeface="+mn-ea"/>
                 <a:cs typeface="+mn-cs"/>
               </a:rPr>
-              <a:t>https://www.cssfontstack.com/</a:t>
-            </a:r>
-            <a:endParaRPr lang="en-US" sz="1200" kern="1200" dirty="0">
-              <a:solidFill>
-                <a:schemeClr val="tx1"/>
-              </a:solidFill>
-              <a:effectLst/>
-              <a:latin typeface="+mn-lt"/>
-              <a:ea typeface="+mn-ea"/>
-              <a:cs typeface="+mn-cs"/>
-            </a:endParaRPr>
-          </a:p>
-          <a:p>
-            <a:endParaRPr lang="en-US" sz="1200" kern="1200" dirty="0">
-              <a:solidFill>
-                <a:schemeClr val="tx1"/>
-              </a:solidFill>
-              <a:effectLst/>
-              <a:latin typeface="+mn-lt"/>
-              <a:ea typeface="+mn-ea"/>
-              <a:cs typeface="+mn-cs"/>
-            </a:endParaRPr>
-          </a:p>
-          <a:p>
-            <a:r>
-              <a:rPr lang="en-US" sz="1200" b="0" i="0" kern="1200" dirty="0">
-                <a:solidFill>
-                  <a:schemeClr val="tx1"/>
-                </a:solidFill>
-                <a:effectLst/>
-                <a:latin typeface="+mn-lt"/>
-                <a:ea typeface="+mn-ea"/>
-                <a:cs typeface="+mn-cs"/>
+              <a:t>https://websitesetup.org/web-safe-fonts-html-css/</a:t>
+            </a:r>
+          </a:p>
+          <a:p>
+            <a:pPr marL="0" marR="0" indent="0" algn="l" defTabSz="914400" rtl="0" eaLnBrk="1" fontAlgn="auto" latinLnBrk="0" hangingPunct="1">
+              <a:lnSpc>
+                <a:spcPct val="100000"/>
+              </a:lnSpc>
+              <a:spcBef>
+                <a:spcPts val="0"/>
+              </a:spcBef>
+              <a:spcAft>
+                <a:spcPts val="0"/>
+              </a:spcAft>
+              <a:buClrTx/>
+              <a:buSzTx/>
+              <a:buFontTx/>
+              <a:buNone/>
+              <a:tabLst/>
+              <a:defRPr/>
+            </a:pPr>
+            <a:endParaRPr lang="en-US" b="0" baseline="0" dirty="0"/>
+          </a:p>
+          <a:p>
+            <a:pPr marL="0" marR="0" indent="0" algn="l" defTabSz="914400" rtl="0" eaLnBrk="1" fontAlgn="auto" latinLnBrk="0" hangingPunct="1">
+              <a:lnSpc>
+                <a:spcPct val="100000"/>
+              </a:lnSpc>
+              <a:spcBef>
+                <a:spcPts val="0"/>
+              </a:spcBef>
+              <a:spcAft>
+                <a:spcPts val="0"/>
+              </a:spcAft>
+              <a:buClrTx/>
+              <a:buSzTx/>
+              <a:buFontTx/>
+              <a:buNone/>
+              <a:tabLst/>
+              <a:defRPr/>
+            </a:pPr>
+            <a:r>
+              <a:rPr lang="en-US" dirty="0">
+                <a:hlinkClick r:id="rId3"/>
               </a:rPr>
-              <a:t>Times, Times New Roman</a:t>
-            </a:r>
-          </a:p>
-          <a:p>
-            <a:r>
-              <a:rPr lang="en-US" sz="1200" b="0" i="0" kern="1200" dirty="0">
-                <a:solidFill>
-                  <a:schemeClr val="tx1"/>
-                </a:solidFill>
-                <a:effectLst/>
-                <a:latin typeface="+mn-lt"/>
-                <a:ea typeface="+mn-ea"/>
-                <a:cs typeface="+mn-cs"/>
+              <a:t>https://en.m.wikipedia.org/wiki/Font_family_(HTML)</a:t>
+            </a:r>
+            <a:endParaRPr lang="en-US" dirty="0"/>
+          </a:p>
+          <a:p>
+            <a:pPr marL="0" marR="0" indent="0" algn="l" defTabSz="914400" rtl="0" eaLnBrk="1" fontAlgn="auto" latinLnBrk="0" hangingPunct="1">
+              <a:lnSpc>
+                <a:spcPct val="100000"/>
+              </a:lnSpc>
+              <a:spcBef>
+                <a:spcPts val="0"/>
+              </a:spcBef>
+              <a:spcAft>
+                <a:spcPts val="0"/>
+              </a:spcAft>
+              <a:buClrTx/>
+              <a:buSzTx/>
+              <a:buFontTx/>
+              <a:buNone/>
+              <a:tabLst/>
+              <a:defRPr/>
+            </a:pPr>
+            <a:endParaRPr lang="en-US" b="0" baseline="0" dirty="0"/>
+          </a:p>
+          <a:p>
+            <a:pPr marL="0" marR="0" indent="0" algn="l" defTabSz="914400" rtl="0" eaLnBrk="1" fontAlgn="auto" latinLnBrk="0" hangingPunct="1">
+              <a:lnSpc>
+                <a:spcPct val="100000"/>
+              </a:lnSpc>
+              <a:spcBef>
+                <a:spcPts val="0"/>
+              </a:spcBef>
+              <a:spcAft>
+                <a:spcPts val="0"/>
+              </a:spcAft>
+              <a:buClrTx/>
+              <a:buSzTx/>
+              <a:buFontTx/>
+              <a:buNone/>
+              <a:tabLst/>
+              <a:defRPr/>
+            </a:pPr>
+            <a:r>
+              <a:rPr lang="en-US" dirty="0">
+                <a:hlinkClick r:id="rId4"/>
               </a:rPr>
-              <a:t>Courier, Courier New</a:t>
-            </a:r>
-          </a:p>
-          <a:p>
-            <a:r>
-              <a:rPr lang="en-US" sz="1200" b="0" i="0" kern="1200" dirty="0">
-                <a:solidFill>
-                  <a:schemeClr val="tx1"/>
-                </a:solidFill>
-                <a:effectLst/>
-                <a:latin typeface="+mn-lt"/>
-                <a:ea typeface="+mn-ea"/>
-                <a:cs typeface="+mn-cs"/>
-              </a:rPr>
-              <a:t>Georgia</a:t>
-            </a:r>
-          </a:p>
-          <a:p>
-            <a:r>
-              <a:rPr lang="en-US" sz="1200" b="0" i="0" kern="1200" dirty="0">
-                <a:solidFill>
-                  <a:schemeClr val="tx1"/>
-                </a:solidFill>
-                <a:effectLst/>
-                <a:latin typeface="+mn-lt"/>
-                <a:ea typeface="+mn-ea"/>
-                <a:cs typeface="+mn-cs"/>
-              </a:rPr>
-              <a:t>MS Serif</a:t>
-            </a:r>
-          </a:p>
-          <a:p>
-            <a:endParaRPr lang="en-US" sz="1200" kern="1200" dirty="0">
-              <a:solidFill>
-                <a:schemeClr val="tx1"/>
-              </a:solidFill>
-              <a:effectLst/>
-              <a:latin typeface="+mn-lt"/>
-              <a:ea typeface="+mn-ea"/>
-              <a:cs typeface="+mn-cs"/>
-            </a:endParaRPr>
+              <a:t>https://css-tricks.com/snippets/css/using-font-face/</a:t>
+            </a:r>
+            <a:endParaRPr lang="en-US" b="0" baseline="0" dirty="0"/>
           </a:p>
         </p:txBody>
       </p:sp>
@@ -5183,7 +5535,7 @@
     </p:spTree>
     <p:extLst>
       <p:ext uri="{BB962C8B-B14F-4D97-AF65-F5344CB8AC3E}">
-        <p14:creationId xmlns:p14="http://schemas.microsoft.com/office/powerpoint/2010/main" val="4010198963"/>
+        <p14:creationId xmlns:p14="http://schemas.microsoft.com/office/powerpoint/2010/main" val="3508667436"/>
       </p:ext>
     </p:extLst>
   </p:cSld>
@@ -5237,7 +5589,75 @@
           <a:bodyPr/>
           <a:lstStyle/>
           <a:p>
-            <a:pPr marL="0" marR="0" indent="0" algn="l" defTabSz="914400" rtl="0" eaLnBrk="1" fontAlgn="auto" latinLnBrk="0" hangingPunct="1">
+            <a:r>
+              <a:rPr lang="en-US" sz="1200" kern="1200" dirty="0">
+                <a:solidFill>
+                  <a:schemeClr val="tx1"/>
+                </a:solidFill>
+                <a:effectLst/>
+                <a:latin typeface="+mn-lt"/>
+                <a:ea typeface="+mn-ea"/>
+                <a:cs typeface="+mn-cs"/>
+              </a:rPr>
+              <a:t>http://shyfonts.com/when-to-use-serif-vs-sans-serif-fonts/</a:t>
+            </a:r>
+            <a:endParaRPr lang="bg-BG" sz="1200" kern="1200" dirty="0">
+              <a:solidFill>
+                <a:schemeClr val="tx1"/>
+              </a:solidFill>
+              <a:effectLst/>
+              <a:latin typeface="+mn-lt"/>
+              <a:ea typeface="+mn-ea"/>
+              <a:cs typeface="+mn-cs"/>
+            </a:endParaRPr>
+          </a:p>
+          <a:p>
+            <a:endParaRPr lang="bg-BG" sz="1200" kern="1200" dirty="0">
+              <a:solidFill>
+                <a:schemeClr val="tx1"/>
+              </a:solidFill>
+              <a:effectLst/>
+              <a:latin typeface="+mn-lt"/>
+              <a:ea typeface="+mn-ea"/>
+              <a:cs typeface="+mn-cs"/>
+            </a:endParaRPr>
+          </a:p>
+          <a:p>
+            <a:r>
+              <a:rPr lang="en-US" sz="1200" kern="1200" dirty="0">
+                <a:solidFill>
+                  <a:schemeClr val="tx1"/>
+                </a:solidFill>
+                <a:effectLst/>
+                <a:latin typeface="+mn-lt"/>
+                <a:ea typeface="+mn-ea"/>
+                <a:cs typeface="+mn-cs"/>
+              </a:rPr>
+              <a:t>https://www.webdesignerdepot.com/2013/03/serif-vs-sans-the-final-battle/</a:t>
+            </a:r>
+            <a:endParaRPr lang="bg-BG" sz="1200" kern="1200" dirty="0">
+              <a:solidFill>
+                <a:schemeClr val="tx1"/>
+              </a:solidFill>
+              <a:effectLst/>
+              <a:latin typeface="+mn-lt"/>
+              <a:ea typeface="+mn-ea"/>
+              <a:cs typeface="+mn-cs"/>
+            </a:endParaRPr>
+          </a:p>
+          <a:p>
+            <a:endParaRPr lang="en-US" sz="1200" kern="1200" dirty="0">
+              <a:solidFill>
+                <a:schemeClr val="tx1"/>
+              </a:solidFill>
+              <a:effectLst/>
+              <a:latin typeface="+mn-lt"/>
+              <a:ea typeface="+mn-ea"/>
+              <a:cs typeface="+mn-cs"/>
+            </a:endParaRPr>
+          </a:p>
+          <a:p>
+            <a:pPr marL="0" marR="0" lvl="0" indent="0" algn="l" defTabSz="914400" rtl="0" eaLnBrk="1" fontAlgn="auto" latinLnBrk="0" hangingPunct="1">
               <a:lnSpc>
                 <a:spcPct val="100000"/>
               </a:lnSpc>
@@ -5254,7 +5674,51 @@
               <a:tabLst/>
               <a:defRPr/>
             </a:pPr>
-            <a:endParaRPr lang="en-US" b="0" baseline="0" dirty="0"/>
+            <a:r>
+              <a:rPr lang="en-US" b="0" baseline="0" dirty="0"/>
+              <a:t>Sans-serif – </a:t>
+            </a:r>
+            <a:r>
+              <a:rPr lang="en-US" sz="1200" b="0" i="0" kern="1200" dirty="0">
+                <a:solidFill>
+                  <a:schemeClr val="tx1"/>
+                </a:solidFill>
+                <a:effectLst/>
+                <a:latin typeface="+mn-lt"/>
+                <a:ea typeface="+mn-ea"/>
+                <a:cs typeface="+mn-cs"/>
+              </a:rPr>
+              <a:t>Arial, Geneva, Helvetica, Lucida Sans, Trebuchet</a:t>
+            </a:r>
+            <a:br>
+              <a:rPr lang="en-US" dirty="0"/>
+            </a:br>
+            <a:r>
+              <a:rPr lang="en-US" dirty="0"/>
+              <a:t>Serif – Garamond, Georgia, Times, Times New Roman</a:t>
+            </a:r>
+          </a:p>
+          <a:p>
+            <a:endParaRPr lang="bg-BG" sz="1200" kern="1200" dirty="0">
+              <a:solidFill>
+                <a:schemeClr val="tx1"/>
+              </a:solidFill>
+              <a:effectLst/>
+              <a:latin typeface="+mn-lt"/>
+              <a:ea typeface="+mn-ea"/>
+              <a:cs typeface="+mn-cs"/>
+            </a:endParaRPr>
+          </a:p>
+          <a:p>
+            <a:endParaRPr lang="en-US" sz="1200" kern="1200" dirty="0">
+              <a:solidFill>
+                <a:schemeClr val="tx1"/>
+              </a:solidFill>
+              <a:effectLst/>
+              <a:latin typeface="+mn-lt"/>
+              <a:ea typeface="+mn-ea"/>
+              <a:cs typeface="+mn-cs"/>
+            </a:endParaRPr>
           </a:p>
         </p:txBody>
       </p:sp>
@@ -5284,7 +5748,7 @@
     </p:spTree>
     <p:extLst>
       <p:ext uri="{BB962C8B-B14F-4D97-AF65-F5344CB8AC3E}">
-        <p14:creationId xmlns:p14="http://schemas.microsoft.com/office/powerpoint/2010/main" val="685539792"/>
+        <p14:creationId xmlns:p14="http://schemas.microsoft.com/office/powerpoint/2010/main" val="1116639997"/>
       </p:ext>
     </p:extLst>
   </p:cSld>
@@ -5338,28 +5802,119 @@
           <a:bodyPr/>
           <a:lstStyle/>
           <a:p>
-            <a:pPr marL="0" marR="0" indent="0" algn="l" defTabSz="914400" rtl="0" eaLnBrk="1" fontAlgn="auto" latinLnBrk="0" hangingPunct="1">
-              <a:lnSpc>
-                <a:spcPct val="100000"/>
-              </a:lnSpc>
-              <a:spcBef>
-                <a:spcPts val="0"/>
-              </a:spcBef>
-              <a:spcAft>
-                <a:spcPts val="0"/>
-              </a:spcAft>
-              <a:buClrTx/>
-              <a:buSzTx/>
-              <a:buFontTx/>
-              <a:buNone/>
-              <a:tabLst/>
-              <a:defRPr/>
-            </a:pPr>
-            <a:r>
-              <a:rPr lang="bg-BG" b="0" baseline="0" dirty="0"/>
-              <a:t>1. Ако юзера сложи свой размер на шрифта!?</a:t>
-            </a:r>
-            <a:endParaRPr lang="en-US" b="0" baseline="0" dirty="0"/>
+            <a:r>
+              <a:rPr lang="bg-BG" sz="1200" kern="1200" dirty="0">
+                <a:solidFill>
+                  <a:schemeClr val="tx1"/>
+                </a:solidFill>
+                <a:effectLst/>
+                <a:latin typeface="+mn-lt"/>
+                <a:ea typeface="+mn-ea"/>
+                <a:cs typeface="+mn-cs"/>
+              </a:rPr>
+              <a:t>https://www.cssfontstack.com/</a:t>
+            </a:r>
+            <a:endParaRPr lang="en-US" sz="1200" kern="1200" dirty="0">
+              <a:solidFill>
+                <a:schemeClr val="tx1"/>
+              </a:solidFill>
+              <a:effectLst/>
+              <a:latin typeface="+mn-lt"/>
+              <a:ea typeface="+mn-ea"/>
+              <a:cs typeface="+mn-cs"/>
+            </a:endParaRPr>
+          </a:p>
+          <a:p>
+            <a:endParaRPr lang="en-US" sz="1200" kern="1200" dirty="0">
+              <a:solidFill>
+                <a:schemeClr val="tx1"/>
+              </a:solidFill>
+              <a:effectLst/>
+              <a:latin typeface="+mn-lt"/>
+              <a:ea typeface="+mn-ea"/>
+              <a:cs typeface="+mn-cs"/>
+            </a:endParaRPr>
+          </a:p>
+          <a:p>
+            <a:r>
+              <a:rPr lang="en-US" sz="1200" b="0" i="0" kern="1200" dirty="0">
+                <a:solidFill>
+                  <a:schemeClr val="tx1"/>
+                </a:solidFill>
+                <a:effectLst/>
+                <a:latin typeface="+mn-lt"/>
+                <a:ea typeface="+mn-ea"/>
+                <a:cs typeface="+mn-cs"/>
+              </a:rPr>
+              <a:t>Arial</a:t>
+            </a:r>
+          </a:p>
+          <a:p>
+            <a:r>
+              <a:rPr lang="en-US" sz="1200" b="0" i="0" kern="1200" dirty="0">
+                <a:solidFill>
+                  <a:schemeClr val="tx1"/>
+                </a:solidFill>
+                <a:effectLst/>
+                <a:latin typeface="+mn-lt"/>
+                <a:ea typeface="+mn-ea"/>
+                <a:cs typeface="+mn-cs"/>
+              </a:rPr>
+              <a:t>Helvetica</a:t>
+            </a:r>
+          </a:p>
+          <a:p>
+            <a:r>
+              <a:rPr lang="en-US" sz="1200" b="0" i="0" kern="1200" dirty="0">
+                <a:solidFill>
+                  <a:schemeClr val="tx1"/>
+                </a:solidFill>
+                <a:effectLst/>
+                <a:latin typeface="+mn-lt"/>
+                <a:ea typeface="+mn-ea"/>
+                <a:cs typeface="+mn-cs"/>
+              </a:rPr>
+              <a:t>Tahoma</a:t>
+            </a:r>
+          </a:p>
+          <a:p>
+            <a:r>
+              <a:rPr lang="en-US" sz="1200" b="0" i="0" kern="1200" dirty="0">
+                <a:solidFill>
+                  <a:schemeClr val="tx1"/>
+                </a:solidFill>
+                <a:effectLst/>
+                <a:latin typeface="+mn-lt"/>
+                <a:ea typeface="+mn-ea"/>
+                <a:cs typeface="+mn-cs"/>
+              </a:rPr>
+              <a:t>Verdana</a:t>
+            </a:r>
+          </a:p>
+          <a:p>
+            <a:r>
+              <a:rPr lang="en-US" sz="1200" b="0" i="0" kern="1200" dirty="0">
+                <a:solidFill>
+                  <a:schemeClr val="tx1"/>
+                </a:solidFill>
+                <a:effectLst/>
+                <a:latin typeface="+mn-lt"/>
+                <a:ea typeface="+mn-ea"/>
+                <a:cs typeface="+mn-cs"/>
+              </a:rPr>
+              <a:t>MS Sans Serif</a:t>
+            </a:r>
+          </a:p>
+          <a:p>
+            <a:endParaRPr lang="en-US" sz="1200" kern="1200" dirty="0">
+              <a:solidFill>
+                <a:schemeClr val="tx1"/>
+              </a:solidFill>
+              <a:effectLst/>
+              <a:latin typeface="+mn-lt"/>
+              <a:ea typeface="+mn-ea"/>
+              <a:cs typeface="+mn-cs"/>
+            </a:endParaRPr>
           </a:p>
         </p:txBody>
       </p:sp>
@@ -5389,7 +5944,7 @@
     </p:spTree>
     <p:extLst>
       <p:ext uri="{BB962C8B-B14F-4D97-AF65-F5344CB8AC3E}">
-        <p14:creationId xmlns:p14="http://schemas.microsoft.com/office/powerpoint/2010/main" val="3487432805"/>
+        <p14:creationId xmlns:p14="http://schemas.microsoft.com/office/powerpoint/2010/main" val="3032381441"/>
       </p:ext>
     </p:extLst>
   </p:cSld>
@@ -5443,24 +5998,105 @@
           <a:bodyPr/>
           <a:lstStyle/>
           <a:p>
-            <a:pPr marL="0" marR="0" indent="0" algn="l" defTabSz="914400" rtl="0" eaLnBrk="1" fontAlgn="auto" latinLnBrk="0" hangingPunct="1">
-              <a:lnSpc>
-                <a:spcPct val="100000"/>
-              </a:lnSpc>
-              <a:spcBef>
-                <a:spcPts val="0"/>
-              </a:spcBef>
-              <a:spcAft>
-                <a:spcPts val="0"/>
-              </a:spcAft>
-              <a:buClrTx/>
-              <a:buSzTx/>
-              <a:buFontTx/>
-              <a:buNone/>
-              <a:tabLst/>
-              <a:defRPr/>
-            </a:pPr>
-            <a:endParaRPr lang="en-US" b="0" baseline="0" dirty="0"/>
+            <a:r>
+              <a:rPr lang="bg-BG" sz="1200" kern="1200" dirty="0">
+                <a:solidFill>
+                  <a:schemeClr val="tx1"/>
+                </a:solidFill>
+                <a:effectLst/>
+                <a:latin typeface="+mn-lt"/>
+                <a:ea typeface="+mn-ea"/>
+                <a:cs typeface="+mn-cs"/>
+              </a:rPr>
+              <a:t>https://www.cssfontstack.com/</a:t>
+            </a:r>
+            <a:endParaRPr lang="en-US" sz="1200" kern="1200" dirty="0">
+              <a:solidFill>
+                <a:schemeClr val="tx1"/>
+              </a:solidFill>
+              <a:effectLst/>
+              <a:latin typeface="+mn-lt"/>
+              <a:ea typeface="+mn-ea"/>
+              <a:cs typeface="+mn-cs"/>
+            </a:endParaRPr>
+          </a:p>
+          <a:p>
+            <a:endParaRPr lang="en-US" sz="1200" kern="1200" dirty="0">
+              <a:solidFill>
+                <a:schemeClr val="tx1"/>
+              </a:solidFill>
+              <a:effectLst/>
+              <a:latin typeface="+mn-lt"/>
+              <a:ea typeface="+mn-ea"/>
+              <a:cs typeface="+mn-cs"/>
+            </a:endParaRPr>
+          </a:p>
+          <a:p>
+            <a:r>
+              <a:rPr lang="en-US" sz="1200" b="0" i="0" kern="1200" dirty="0">
+                <a:solidFill>
+                  <a:schemeClr val="tx1"/>
+                </a:solidFill>
+                <a:effectLst/>
+                <a:latin typeface="+mn-lt"/>
+                <a:ea typeface="+mn-ea"/>
+                <a:cs typeface="+mn-cs"/>
+              </a:rPr>
+              <a:t>Times, Times New Roman</a:t>
+            </a:r>
+          </a:p>
+          <a:p>
+            <a:r>
+              <a:rPr lang="en-US" sz="1200" b="0" i="0" kern="1200" dirty="0">
+                <a:solidFill>
+                  <a:schemeClr val="tx1"/>
+                </a:solidFill>
+                <a:effectLst/>
+                <a:latin typeface="+mn-lt"/>
+                <a:ea typeface="+mn-ea"/>
+                <a:cs typeface="+mn-cs"/>
+              </a:rPr>
+              <a:t>Courier, Courier New</a:t>
+            </a:r>
+          </a:p>
+          <a:p>
+            <a:r>
+              <a:rPr lang="en-US" sz="1200" b="0" i="0" kern="1200" dirty="0">
+                <a:solidFill>
+                  <a:schemeClr val="tx1"/>
+                </a:solidFill>
+                <a:effectLst/>
+                <a:latin typeface="+mn-lt"/>
+                <a:ea typeface="+mn-ea"/>
+                <a:cs typeface="+mn-cs"/>
+              </a:rPr>
+              <a:t>Georgia</a:t>
+            </a:r>
+          </a:p>
+          <a:p>
+            <a:r>
+              <a:rPr lang="en-US" sz="1200" b="0" i="0" kern="1200" dirty="0">
+                <a:solidFill>
+                  <a:schemeClr val="tx1"/>
+                </a:solidFill>
+                <a:effectLst/>
+                <a:latin typeface="+mn-lt"/>
+                <a:ea typeface="+mn-ea"/>
+                <a:cs typeface="+mn-cs"/>
+              </a:rPr>
+              <a:t>MS Serif</a:t>
+            </a:r>
+          </a:p>
+          <a:p>
+            <a:endParaRPr lang="en-US" sz="1200" kern="1200" dirty="0">
+              <a:solidFill>
+                <a:schemeClr val="tx1"/>
+              </a:solidFill>
+              <a:effectLst/>
+              <a:latin typeface="+mn-lt"/>
+              <a:ea typeface="+mn-ea"/>
+              <a:cs typeface="+mn-cs"/>
+            </a:endParaRPr>
           </a:p>
         </p:txBody>
       </p:sp>
@@ -5490,7 +6126,7 @@
     </p:spTree>
     <p:extLst>
       <p:ext uri="{BB962C8B-B14F-4D97-AF65-F5344CB8AC3E}">
-        <p14:creationId xmlns:p14="http://schemas.microsoft.com/office/powerpoint/2010/main" val="3920202144"/>
+        <p14:creationId xmlns:p14="http://schemas.microsoft.com/office/powerpoint/2010/main" val="4010198963"/>
       </p:ext>
     </p:extLst>
   </p:cSld>
@@ -5647,7 +6283,7 @@
           <a:p>
             <a:fld id="{C3092D70-B9B3-42E8-972A-1A494C668E52}" type="datetimeFigureOut">
               <a:rPr lang="bg-BG" smtClean="0"/>
-              <a:t>25.10.2019 г.</a:t>
+              <a:t>28.10.2019 г.</a:t>
             </a:fld>
             <a:endParaRPr lang="bg-BG"/>
           </a:p>
@@ -5845,7 +6481,7 @@
           <a:p>
             <a:fld id="{C3092D70-B9B3-42E8-972A-1A494C668E52}" type="datetimeFigureOut">
               <a:rPr lang="bg-BG" smtClean="0"/>
-              <a:t>25.10.2019 г.</a:t>
+              <a:t>28.10.2019 г.</a:t>
             </a:fld>
             <a:endParaRPr lang="bg-BG"/>
           </a:p>
@@ -6053,7 +6689,7 @@
           <a:p>
             <a:fld id="{C3092D70-B9B3-42E8-972A-1A494C668E52}" type="datetimeFigureOut">
               <a:rPr lang="bg-BG" smtClean="0"/>
-              <a:t>25.10.2019 г.</a:t>
+              <a:t>28.10.2019 г.</a:t>
             </a:fld>
             <a:endParaRPr lang="bg-BG"/>
           </a:p>
@@ -6251,7 +6887,7 @@
           <a:p>
             <a:fld id="{C3092D70-B9B3-42E8-972A-1A494C668E52}" type="datetimeFigureOut">
               <a:rPr lang="bg-BG" smtClean="0"/>
-              <a:t>25.10.2019 г.</a:t>
+              <a:t>28.10.2019 г.</a:t>
             </a:fld>
             <a:endParaRPr lang="bg-BG"/>
           </a:p>
@@ -6526,7 +7162,7 @@
           <a:p>
             <a:fld id="{C3092D70-B9B3-42E8-972A-1A494C668E52}" type="datetimeFigureOut">
               <a:rPr lang="bg-BG" smtClean="0"/>
-              <a:t>25.10.2019 г.</a:t>
+              <a:t>28.10.2019 г.</a:t>
             </a:fld>
             <a:endParaRPr lang="bg-BG"/>
           </a:p>
@@ -6791,7 +7427,7 @@
           <a:p>
             <a:fld id="{C3092D70-B9B3-42E8-972A-1A494C668E52}" type="datetimeFigureOut">
               <a:rPr lang="bg-BG" smtClean="0"/>
-              <a:t>25.10.2019 г.</a:t>
+              <a:t>28.10.2019 г.</a:t>
             </a:fld>
             <a:endParaRPr lang="bg-BG"/>
           </a:p>
@@ -7203,7 +7839,7 @@
           <a:p>
             <a:fld id="{C3092D70-B9B3-42E8-972A-1A494C668E52}" type="datetimeFigureOut">
               <a:rPr lang="bg-BG" smtClean="0"/>
-              <a:t>25.10.2019 г.</a:t>
+              <a:t>28.10.2019 г.</a:t>
             </a:fld>
             <a:endParaRPr lang="bg-BG"/>
           </a:p>
@@ -7344,7 +7980,7 @@
           <a:p>
             <a:fld id="{C3092D70-B9B3-42E8-972A-1A494C668E52}" type="datetimeFigureOut">
               <a:rPr lang="bg-BG" smtClean="0"/>
-              <a:t>25.10.2019 г.</a:t>
+              <a:t>28.10.2019 г.</a:t>
             </a:fld>
             <a:endParaRPr lang="bg-BG"/>
           </a:p>
@@ -7457,7 +8093,7 @@
           <a:p>
             <a:fld id="{C3092D70-B9B3-42E8-972A-1A494C668E52}" type="datetimeFigureOut">
               <a:rPr lang="bg-BG" smtClean="0"/>
-              <a:t>25.10.2019 г.</a:t>
+              <a:t>28.10.2019 г.</a:t>
             </a:fld>
             <a:endParaRPr lang="bg-BG"/>
           </a:p>
@@ -7768,7 +8404,7 @@
           <a:p>
             <a:fld id="{C3092D70-B9B3-42E8-972A-1A494C668E52}" type="datetimeFigureOut">
               <a:rPr lang="bg-BG" smtClean="0"/>
-              <a:t>25.10.2019 г.</a:t>
+              <a:t>28.10.2019 г.</a:t>
             </a:fld>
             <a:endParaRPr lang="bg-BG"/>
           </a:p>
@@ -8056,7 +8692,7 @@
           <a:p>
             <a:fld id="{C3092D70-B9B3-42E8-972A-1A494C668E52}" type="datetimeFigureOut">
               <a:rPr lang="bg-BG" smtClean="0"/>
-              <a:t>25.10.2019 г.</a:t>
+              <a:t>28.10.2019 г.</a:t>
             </a:fld>
             <a:endParaRPr lang="bg-BG"/>
           </a:p>
@@ -8297,7 +8933,7 @@
           <a:p>
             <a:fld id="{C3092D70-B9B3-42E8-972A-1A494C668E52}" type="datetimeFigureOut">
               <a:rPr lang="bg-BG" smtClean="0"/>
-              <a:t>25.10.2019 г.</a:t>
+              <a:t>28.10.2019 г.</a:t>
             </a:fld>
             <a:endParaRPr lang="bg-BG"/>
           </a:p>
@@ -8824,3169 +9460,6 @@
             <a:pPr algn="ctr"/>
             <a:r>
               <a:rPr lang="en-US" sz="1400" dirty="0"/>
-              <a:t>Text layout properties</a:t>
-            </a:r>
-          </a:p>
-        </p:txBody>
-      </p:sp>
-      <p:sp>
-        <p:nvSpPr>
-          <p:cNvPr id="5" name="Rectangle 4">
-            <a:extLst>
-              <a:ext uri="{FF2B5EF4-FFF2-40B4-BE49-F238E27FC236}">
-                <a16:creationId xmlns:a16="http://schemas.microsoft.com/office/drawing/2014/main" id="{12131ED0-4950-475C-B7DC-450FBBF3C54A}"/>
-              </a:ext>
-            </a:extLst>
-          </p:cNvPr>
-          <p:cNvSpPr/>
-          <p:nvPr/>
-        </p:nvSpPr>
-        <p:spPr>
-          <a:xfrm>
-            <a:off x="0" y="0"/>
-            <a:ext cx="4283968" cy="356965"/>
-          </a:xfrm>
-          <a:prstGeom prst="rect">
-            <a:avLst/>
-          </a:prstGeom>
-          <a:solidFill>
-            <a:srgbClr val="0F7792"/>
-          </a:solidFill>
-          <a:ln>
-            <a:noFill/>
-          </a:ln>
-        </p:spPr>
-        <p:style>
-          <a:lnRef idx="2">
-            <a:schemeClr val="accent1">
-              <a:shade val="50000"/>
-            </a:schemeClr>
-          </a:lnRef>
-          <a:fillRef idx="1">
-            <a:schemeClr val="accent1"/>
-          </a:fillRef>
-          <a:effectRef idx="0">
-            <a:schemeClr val="accent1"/>
-          </a:effectRef>
-          <a:fontRef idx="minor">
-            <a:schemeClr val="lt1"/>
-          </a:fontRef>
-        </p:style>
-        <p:txBody>
-          <a:bodyPr rtlCol="0" anchor="ctr"/>
-          <a:lstStyle/>
-          <a:p>
-            <a:pPr algn="ctr"/>
-            <a:endParaRPr lang="en-US"/>
-          </a:p>
-        </p:txBody>
-      </p:sp>
-      <p:sp>
-        <p:nvSpPr>
-          <p:cNvPr id="4" name="TextBox 3">
-            <a:extLst>
-              <a:ext uri="{FF2B5EF4-FFF2-40B4-BE49-F238E27FC236}">
-                <a16:creationId xmlns:a16="http://schemas.microsoft.com/office/drawing/2014/main" id="{DB2A6D78-D3DF-4739-BCDE-EE78ED59B04D}"/>
-              </a:ext>
-            </a:extLst>
-          </p:cNvPr>
-          <p:cNvSpPr txBox="1"/>
-          <p:nvPr/>
-        </p:nvSpPr>
-        <p:spPr>
-          <a:xfrm>
-            <a:off x="89756" y="24634"/>
-            <a:ext cx="4122204" cy="276999"/>
-          </a:xfrm>
-          <a:prstGeom prst="rect">
-            <a:avLst/>
-          </a:prstGeom>
-          <a:noFill/>
-        </p:spPr>
-        <p:txBody>
-          <a:bodyPr wrap="square" rtlCol="0">
-            <a:spAutoFit/>
-          </a:bodyPr>
-          <a:lstStyle/>
-          <a:p>
-            <a:r>
-              <a:rPr lang="en-US" sz="1200" dirty="0">
-                <a:solidFill>
-                  <a:schemeClr val="bg1"/>
-                </a:solidFill>
-                <a:latin typeface="Verdana" panose="020B0604030504040204" pitchFamily="34" charset="0"/>
-                <a:ea typeface="Verdana" panose="020B0604030504040204" pitchFamily="34" charset="0"/>
-                <a:cs typeface="Verdana" panose="020B0604030504040204" pitchFamily="34" charset="0"/>
-              </a:rPr>
-              <a:t>11. Fonts, SVGs and images</a:t>
-            </a:r>
-            <a:endParaRPr lang="bg-BG" sz="1200" dirty="0">
-              <a:solidFill>
-                <a:schemeClr val="bg1"/>
-              </a:solidFill>
-              <a:latin typeface="Verdana" panose="020B0604030504040204" pitchFamily="34" charset="0"/>
-              <a:ea typeface="Verdana" panose="020B0604030504040204" pitchFamily="34" charset="0"/>
-              <a:cs typeface="Verdana" panose="020B0604030504040204" pitchFamily="34" charset="0"/>
-            </a:endParaRPr>
-          </a:p>
-        </p:txBody>
-      </p:sp>
-      <p:sp>
-        <p:nvSpPr>
-          <p:cNvPr id="8" name="TextBox 7">
-            <a:extLst>
-              <a:ext uri="{FF2B5EF4-FFF2-40B4-BE49-F238E27FC236}">
-                <a16:creationId xmlns:a16="http://schemas.microsoft.com/office/drawing/2014/main" id="{2374E9AE-8D65-4C85-A4AC-BBB9AA519202}"/>
-              </a:ext>
-            </a:extLst>
-          </p:cNvPr>
-          <p:cNvSpPr txBox="1"/>
-          <p:nvPr/>
-        </p:nvSpPr>
-        <p:spPr>
-          <a:xfrm>
-            <a:off x="8959271" y="43105"/>
-            <a:ext cx="184730" cy="646331"/>
-          </a:xfrm>
-          <a:prstGeom prst="rect">
-            <a:avLst/>
-          </a:prstGeom>
-          <a:noFill/>
-        </p:spPr>
-        <p:txBody>
-          <a:bodyPr wrap="none" rtlCol="0">
-            <a:spAutoFit/>
-          </a:bodyPr>
-          <a:lstStyle/>
-          <a:p>
-            <a:pPr algn="r"/>
-            <a:endParaRPr lang="bg-BG" sz="1200" dirty="0">
-              <a:solidFill>
-                <a:schemeClr val="bg1">
-                  <a:lumMod val="95000"/>
-                </a:schemeClr>
-              </a:solidFill>
-            </a:endParaRPr>
-          </a:p>
-          <a:p>
-            <a:pPr algn="r"/>
-            <a:endParaRPr lang="en-US" sz="1200" dirty="0">
-              <a:solidFill>
-                <a:schemeClr val="bg1">
-                  <a:lumMod val="95000"/>
-                </a:schemeClr>
-              </a:solidFill>
-            </a:endParaRPr>
-          </a:p>
-          <a:p>
-            <a:pPr algn="r"/>
-            <a:endParaRPr lang="en-US" sz="1200" b="1" dirty="0">
-              <a:solidFill>
-                <a:schemeClr val="bg1"/>
-              </a:solidFill>
-            </a:endParaRPr>
-          </a:p>
-        </p:txBody>
-      </p:sp>
-      <p:sp>
-        <p:nvSpPr>
-          <p:cNvPr id="47" name="Rectangle: Rounded Corners 5">
-            <a:extLst>
-              <a:ext uri="{FF2B5EF4-FFF2-40B4-BE49-F238E27FC236}">
-                <a16:creationId xmlns:a16="http://schemas.microsoft.com/office/drawing/2014/main" id="{682EAE92-D6DF-494B-9CC1-FF2B7145CC2C}"/>
-              </a:ext>
-            </a:extLst>
-          </p:cNvPr>
-          <p:cNvSpPr/>
-          <p:nvPr/>
-        </p:nvSpPr>
-        <p:spPr>
-          <a:xfrm>
-            <a:off x="323528" y="605860"/>
-            <a:ext cx="8496944" cy="504056"/>
-          </a:xfrm>
-          <a:prstGeom prst="roundRect">
-            <a:avLst/>
-          </a:prstGeom>
-          <a:solidFill>
-            <a:srgbClr val="127994"/>
-          </a:solidFill>
-          <a:ln>
-            <a:noFill/>
-          </a:ln>
-          <a:effectLst>
-            <a:outerShdw blurRad="50800" dist="38100" dir="5400000" algn="t" rotWithShape="0">
-              <a:prstClr val="black">
-                <a:alpha val="40000"/>
-              </a:prstClr>
-            </a:outerShdw>
-          </a:effectLst>
-        </p:spPr>
-        <p:style>
-          <a:lnRef idx="2">
-            <a:schemeClr val="accent1">
-              <a:shade val="50000"/>
-            </a:schemeClr>
-          </a:lnRef>
-          <a:fillRef idx="1">
-            <a:schemeClr val="accent1"/>
-          </a:fillRef>
-          <a:effectRef idx="0">
-            <a:schemeClr val="accent1"/>
-          </a:effectRef>
-          <a:fontRef idx="minor">
-            <a:schemeClr val="lt1"/>
-          </a:fontRef>
-        </p:style>
-        <p:txBody>
-          <a:bodyPr rtlCol="0" anchor="ctr"/>
-          <a:lstStyle/>
-          <a:p>
-            <a:pPr algn="ctr"/>
-            <a:r>
-              <a:rPr lang="en-US" dirty="0"/>
-              <a:t>Text layout properties</a:t>
-            </a:r>
-          </a:p>
-        </p:txBody>
-      </p:sp>
-      <p:sp>
-        <p:nvSpPr>
-          <p:cNvPr id="2" name="TextBox 1">
-            <a:extLst>
-              <a:ext uri="{FF2B5EF4-FFF2-40B4-BE49-F238E27FC236}">
-                <a16:creationId xmlns:a16="http://schemas.microsoft.com/office/drawing/2014/main" id="{21B16DE5-68B3-49D2-8747-B2AF71C3E7F0}"/>
-              </a:ext>
-            </a:extLst>
-          </p:cNvPr>
-          <p:cNvSpPr txBox="1"/>
-          <p:nvPr/>
-        </p:nvSpPr>
-        <p:spPr>
-          <a:xfrm>
-            <a:off x="323528" y="1201316"/>
-            <a:ext cx="3107582" cy="4031873"/>
-          </a:xfrm>
-          <a:prstGeom prst="rect">
-            <a:avLst/>
-          </a:prstGeom>
-          <a:noFill/>
-        </p:spPr>
-        <p:txBody>
-          <a:bodyPr wrap="none" rtlCol="0">
-            <a:spAutoFit/>
-          </a:bodyPr>
-          <a:lstStyle/>
-          <a:p>
-            <a:r>
-              <a:rPr lang="en-US" sz="1600" dirty="0"/>
-              <a:t>text-align: left, center, right, justify;</a:t>
-            </a:r>
-          </a:p>
-          <a:p>
-            <a:endParaRPr lang="en-US" sz="1600" dirty="0"/>
-          </a:p>
-          <a:p>
-            <a:r>
-              <a:rPr lang="en-US" sz="1600" dirty="0"/>
-              <a:t>line-height;</a:t>
-            </a:r>
-          </a:p>
-          <a:p>
-            <a:endParaRPr lang="en-US" sz="1600" dirty="0"/>
-          </a:p>
-          <a:p>
-            <a:r>
-              <a:rPr lang="en-US" sz="1600" dirty="0"/>
-              <a:t>letter- and word-spacing;</a:t>
-            </a:r>
-          </a:p>
-          <a:p>
-            <a:endParaRPr lang="en-US" sz="1600" dirty="0"/>
-          </a:p>
-          <a:p>
-            <a:r>
-              <a:rPr lang="en-US" sz="1600" dirty="0"/>
-              <a:t>text-indent;</a:t>
-            </a:r>
-          </a:p>
-          <a:p>
-            <a:endParaRPr lang="en-US" sz="1600" dirty="0"/>
-          </a:p>
-          <a:p>
-            <a:r>
-              <a:rPr lang="en-US" sz="1600" dirty="0"/>
-              <a:t>text-overflow;</a:t>
-            </a:r>
-          </a:p>
-          <a:p>
-            <a:endParaRPr lang="en-US" sz="1600" dirty="0"/>
-          </a:p>
-          <a:p>
-            <a:r>
-              <a:rPr lang="en-US" sz="1600" dirty="0"/>
-              <a:t>white-space;</a:t>
-            </a:r>
-          </a:p>
-          <a:p>
-            <a:endParaRPr lang="en-US" sz="1600" dirty="0"/>
-          </a:p>
-          <a:p>
-            <a:r>
-              <a:rPr lang="en-US" sz="1600" dirty="0"/>
-              <a:t>word-break;</a:t>
-            </a:r>
-          </a:p>
-          <a:p>
-            <a:endParaRPr lang="en-US" sz="1600" dirty="0"/>
-          </a:p>
-          <a:p>
-            <a:r>
-              <a:rPr lang="en-US" sz="1600" dirty="0"/>
-              <a:t>word-wrap;</a:t>
-            </a:r>
-          </a:p>
-          <a:p>
-            <a:endParaRPr lang="bg-BG" sz="1600" dirty="0"/>
-          </a:p>
-        </p:txBody>
-      </p:sp>
-    </p:spTree>
-    <p:extLst>
-      <p:ext uri="{BB962C8B-B14F-4D97-AF65-F5344CB8AC3E}">
-        <p14:creationId xmlns:p14="http://schemas.microsoft.com/office/powerpoint/2010/main" val="4078952166"/>
-      </p:ext>
-    </p:extLst>
-  </p:cSld>
-  <p:clrMapOvr>
-    <a:masterClrMapping/>
-  </p:clrMapOvr>
-</p:sld>
-</file>
-
-<file path=ppt/slides/slide11.xml><?xml version="1.0" encoding="utf-8"?>
-<p:sld xmlns:a="http://schemas.openxmlformats.org/drawingml/2006/main" xmlns:r="http://schemas.openxmlformats.org/officeDocument/2006/relationships" xmlns:p="http://schemas.openxmlformats.org/presentationml/2006/main">
-  <p:cSld>
-    <p:bg>
-      <p:bgPr>
-        <a:blipFill dpi="0" rotWithShape="1">
-          <a:blip r:embed="rId3">
-            <a:lum/>
-          </a:blip>
-          <a:srcRect/>
-          <a:stretch>
-            <a:fillRect/>
-          </a:stretch>
-        </a:blipFill>
-        <a:effectLst/>
-      </p:bgPr>
-    </p:bg>
-    <p:spTree>
-      <p:nvGrpSpPr>
-        <p:cNvPr id="1" name=""/>
-        <p:cNvGrpSpPr/>
-        <p:nvPr/>
-      </p:nvGrpSpPr>
-      <p:grpSpPr>
-        <a:xfrm>
-          <a:off x="0" y="0"/>
-          <a:ext cx="0" cy="0"/>
-          <a:chOff x="0" y="0"/>
-          <a:chExt cx="0" cy="0"/>
-        </a:xfrm>
-      </p:grpSpPr>
-      <p:sp>
-        <p:nvSpPr>
-          <p:cNvPr id="5" name="Rectangle 4">
-            <a:extLst>
-              <a:ext uri="{FF2B5EF4-FFF2-40B4-BE49-F238E27FC236}">
-                <a16:creationId xmlns:a16="http://schemas.microsoft.com/office/drawing/2014/main" id="{12131ED0-4950-475C-B7DC-450FBBF3C54A}"/>
-              </a:ext>
-            </a:extLst>
-          </p:cNvPr>
-          <p:cNvSpPr/>
-          <p:nvPr/>
-        </p:nvSpPr>
-        <p:spPr>
-          <a:xfrm>
-            <a:off x="0" y="0"/>
-            <a:ext cx="4283968" cy="356965"/>
-          </a:xfrm>
-          <a:prstGeom prst="rect">
-            <a:avLst/>
-          </a:prstGeom>
-          <a:solidFill>
-            <a:srgbClr val="0F7792"/>
-          </a:solidFill>
-          <a:ln>
-            <a:noFill/>
-          </a:ln>
-        </p:spPr>
-        <p:style>
-          <a:lnRef idx="2">
-            <a:schemeClr val="accent1">
-              <a:shade val="50000"/>
-            </a:schemeClr>
-          </a:lnRef>
-          <a:fillRef idx="1">
-            <a:schemeClr val="accent1"/>
-          </a:fillRef>
-          <a:effectRef idx="0">
-            <a:schemeClr val="accent1"/>
-          </a:effectRef>
-          <a:fontRef idx="minor">
-            <a:schemeClr val="lt1"/>
-          </a:fontRef>
-        </p:style>
-        <p:txBody>
-          <a:bodyPr rtlCol="0" anchor="ctr"/>
-          <a:lstStyle/>
-          <a:p>
-            <a:pPr algn="ctr"/>
-            <a:endParaRPr lang="en-US"/>
-          </a:p>
-        </p:txBody>
-      </p:sp>
-      <p:sp>
-        <p:nvSpPr>
-          <p:cNvPr id="4" name="TextBox 3">
-            <a:extLst>
-              <a:ext uri="{FF2B5EF4-FFF2-40B4-BE49-F238E27FC236}">
-                <a16:creationId xmlns:a16="http://schemas.microsoft.com/office/drawing/2014/main" id="{DB2A6D78-D3DF-4739-BCDE-EE78ED59B04D}"/>
-              </a:ext>
-            </a:extLst>
-          </p:cNvPr>
-          <p:cNvSpPr txBox="1"/>
-          <p:nvPr/>
-        </p:nvSpPr>
-        <p:spPr>
-          <a:xfrm>
-            <a:off x="89756" y="24634"/>
-            <a:ext cx="4122204" cy="276999"/>
-          </a:xfrm>
-          <a:prstGeom prst="rect">
-            <a:avLst/>
-          </a:prstGeom>
-          <a:noFill/>
-        </p:spPr>
-        <p:txBody>
-          <a:bodyPr wrap="square" rtlCol="0">
-            <a:spAutoFit/>
-          </a:bodyPr>
-          <a:lstStyle/>
-          <a:p>
-            <a:r>
-              <a:rPr lang="en-US" sz="1200" dirty="0">
-                <a:solidFill>
-                  <a:schemeClr val="bg1"/>
-                </a:solidFill>
-                <a:latin typeface="Verdana" panose="020B0604030504040204" pitchFamily="34" charset="0"/>
-                <a:ea typeface="Verdana" panose="020B0604030504040204" pitchFamily="34" charset="0"/>
-                <a:cs typeface="Verdana" panose="020B0604030504040204" pitchFamily="34" charset="0"/>
-              </a:rPr>
-              <a:t>11. Fonts, SVGs and images</a:t>
-            </a:r>
-            <a:endParaRPr lang="bg-BG" sz="1200" dirty="0">
-              <a:solidFill>
-                <a:schemeClr val="bg1"/>
-              </a:solidFill>
-              <a:latin typeface="Verdana" panose="020B0604030504040204" pitchFamily="34" charset="0"/>
-              <a:ea typeface="Verdana" panose="020B0604030504040204" pitchFamily="34" charset="0"/>
-              <a:cs typeface="Verdana" panose="020B0604030504040204" pitchFamily="34" charset="0"/>
-            </a:endParaRPr>
-          </a:p>
-        </p:txBody>
-      </p:sp>
-      <p:sp>
-        <p:nvSpPr>
-          <p:cNvPr id="8" name="TextBox 7">
-            <a:extLst>
-              <a:ext uri="{FF2B5EF4-FFF2-40B4-BE49-F238E27FC236}">
-                <a16:creationId xmlns:a16="http://schemas.microsoft.com/office/drawing/2014/main" id="{2374E9AE-8D65-4C85-A4AC-BBB9AA519202}"/>
-              </a:ext>
-            </a:extLst>
-          </p:cNvPr>
-          <p:cNvSpPr txBox="1"/>
-          <p:nvPr/>
-        </p:nvSpPr>
-        <p:spPr>
-          <a:xfrm>
-            <a:off x="8959271" y="43105"/>
-            <a:ext cx="184730" cy="646331"/>
-          </a:xfrm>
-          <a:prstGeom prst="rect">
-            <a:avLst/>
-          </a:prstGeom>
-          <a:noFill/>
-        </p:spPr>
-        <p:txBody>
-          <a:bodyPr wrap="none" rtlCol="0">
-            <a:spAutoFit/>
-          </a:bodyPr>
-          <a:lstStyle/>
-          <a:p>
-            <a:pPr algn="r"/>
-            <a:endParaRPr lang="bg-BG" sz="1200" dirty="0">
-              <a:solidFill>
-                <a:schemeClr val="bg1">
-                  <a:lumMod val="95000"/>
-                </a:schemeClr>
-              </a:solidFill>
-            </a:endParaRPr>
-          </a:p>
-          <a:p>
-            <a:pPr algn="r"/>
-            <a:endParaRPr lang="en-US" sz="1200" dirty="0">
-              <a:solidFill>
-                <a:schemeClr val="bg1">
-                  <a:lumMod val="95000"/>
-                </a:schemeClr>
-              </a:solidFill>
-            </a:endParaRPr>
-          </a:p>
-          <a:p>
-            <a:pPr algn="r"/>
-            <a:endParaRPr lang="en-US" sz="1200" b="1" dirty="0">
-              <a:solidFill>
-                <a:schemeClr val="bg1"/>
-              </a:solidFill>
-            </a:endParaRPr>
-          </a:p>
-        </p:txBody>
-      </p:sp>
-      <p:sp>
-        <p:nvSpPr>
-          <p:cNvPr id="47" name="Rectangle: Rounded Corners 5">
-            <a:extLst>
-              <a:ext uri="{FF2B5EF4-FFF2-40B4-BE49-F238E27FC236}">
-                <a16:creationId xmlns:a16="http://schemas.microsoft.com/office/drawing/2014/main" id="{682EAE92-D6DF-494B-9CC1-FF2B7145CC2C}"/>
-              </a:ext>
-            </a:extLst>
-          </p:cNvPr>
-          <p:cNvSpPr/>
-          <p:nvPr/>
-        </p:nvSpPr>
-        <p:spPr>
-          <a:xfrm>
-            <a:off x="323528" y="605860"/>
-            <a:ext cx="8496944" cy="504056"/>
-          </a:xfrm>
-          <a:prstGeom prst="roundRect">
-            <a:avLst/>
-          </a:prstGeom>
-          <a:solidFill>
-            <a:srgbClr val="127994"/>
-          </a:solidFill>
-          <a:ln>
-            <a:noFill/>
-          </a:ln>
-          <a:effectLst>
-            <a:outerShdw blurRad="50800" dist="38100" dir="5400000" algn="t" rotWithShape="0">
-              <a:prstClr val="black">
-                <a:alpha val="40000"/>
-              </a:prstClr>
-            </a:outerShdw>
-          </a:effectLst>
-        </p:spPr>
-        <p:style>
-          <a:lnRef idx="2">
-            <a:schemeClr val="accent1">
-              <a:shade val="50000"/>
-            </a:schemeClr>
-          </a:lnRef>
-          <a:fillRef idx="1">
-            <a:schemeClr val="accent1"/>
-          </a:fillRef>
-          <a:effectRef idx="0">
-            <a:schemeClr val="accent1"/>
-          </a:effectRef>
-          <a:fontRef idx="minor">
-            <a:schemeClr val="lt1"/>
-          </a:fontRef>
-        </p:style>
-        <p:txBody>
-          <a:bodyPr rtlCol="0" anchor="ctr"/>
-          <a:lstStyle/>
-          <a:p>
-            <a:pPr algn="ctr"/>
-            <a:r>
-              <a:rPr lang="en-US" dirty="0"/>
-              <a:t>Resources</a:t>
-            </a:r>
-          </a:p>
-        </p:txBody>
-      </p:sp>
-      <p:sp>
-        <p:nvSpPr>
-          <p:cNvPr id="2" name="TextBox 1">
-            <a:extLst>
-              <a:ext uri="{FF2B5EF4-FFF2-40B4-BE49-F238E27FC236}">
-                <a16:creationId xmlns:a16="http://schemas.microsoft.com/office/drawing/2014/main" id="{21B16DE5-68B3-49D2-8747-B2AF71C3E7F0}"/>
-              </a:ext>
-            </a:extLst>
-          </p:cNvPr>
-          <p:cNvSpPr txBox="1"/>
-          <p:nvPr/>
-        </p:nvSpPr>
-        <p:spPr>
-          <a:xfrm>
-            <a:off x="323528" y="1201316"/>
-            <a:ext cx="7994561" cy="2831544"/>
-          </a:xfrm>
-          <a:prstGeom prst="rect">
-            <a:avLst/>
-          </a:prstGeom>
-          <a:noFill/>
-        </p:spPr>
-        <p:txBody>
-          <a:bodyPr wrap="none" rtlCol="0">
-            <a:spAutoFit/>
-          </a:bodyPr>
-          <a:lstStyle/>
-          <a:p>
-            <a:r>
-              <a:rPr lang="en-US" sz="1600" dirty="0">
-                <a:hlinkClick r:id="rId4"/>
-              </a:rPr>
-              <a:t>https://fonts.google.com/</a:t>
-            </a:r>
-            <a:endParaRPr lang="en-US" sz="1600" dirty="0"/>
-          </a:p>
-          <a:p>
-            <a:endParaRPr lang="bg-BG" sz="1600" dirty="0"/>
-          </a:p>
-          <a:p>
-            <a:pPr>
-              <a:defRPr/>
-            </a:pPr>
-            <a:r>
-              <a:rPr lang="en-US" sz="1600" dirty="0">
-                <a:hlinkClick r:id="rId5"/>
-              </a:rPr>
-              <a:t>https://developers.google.com/web/fundamentals/design-and-ux/typography/variable-fonts/</a:t>
-            </a:r>
-            <a:endParaRPr lang="en-US" sz="1600" dirty="0"/>
-          </a:p>
-          <a:p>
-            <a:pPr>
-              <a:defRPr/>
-            </a:pPr>
-            <a:endParaRPr lang="en-US" sz="1600" dirty="0"/>
-          </a:p>
-          <a:p>
-            <a:pPr>
-              <a:defRPr/>
-            </a:pPr>
-            <a:r>
-              <a:rPr lang="en-US" sz="1600" dirty="0">
-                <a:hlinkClick r:id="rId6"/>
-              </a:rPr>
-              <a:t>https://www.axis-praxis.org/specimens/__DEFAULT__</a:t>
-            </a:r>
-            <a:endParaRPr lang="en-US" sz="1600" dirty="0"/>
-          </a:p>
-          <a:p>
-            <a:pPr>
-              <a:defRPr/>
-            </a:pPr>
-            <a:endParaRPr lang="en-US" sz="1600" dirty="0"/>
-          </a:p>
-          <a:p>
-            <a:pPr>
-              <a:defRPr/>
-            </a:pPr>
-            <a:r>
-              <a:rPr lang="en-US" sz="1600" dirty="0">
-                <a:hlinkClick r:id="rId7"/>
-              </a:rPr>
-              <a:t>https://www.adobe.com/products/type/opentype.html</a:t>
-            </a:r>
-            <a:endParaRPr lang="en-US" sz="1600" dirty="0"/>
-          </a:p>
-          <a:p>
-            <a:pPr>
-              <a:defRPr/>
-            </a:pPr>
-            <a:endParaRPr lang="en-US" sz="1600" dirty="0"/>
-          </a:p>
-          <a:p>
-            <a:pPr>
-              <a:defRPr/>
-            </a:pPr>
-            <a:r>
-              <a:rPr lang="en-US" sz="1600" dirty="0">
-                <a:hlinkClick r:id="rId8"/>
-              </a:rPr>
-              <a:t>https://css-tricks.com/snippets/css/using-font-face/</a:t>
-            </a:r>
-            <a:endParaRPr lang="en-US" sz="1600" dirty="0"/>
-          </a:p>
-          <a:p>
-            <a:endParaRPr lang="en-US" sz="1600" dirty="0"/>
-          </a:p>
-          <a:p>
-            <a:endParaRPr lang="bg-BG" sz="1600" dirty="0"/>
-          </a:p>
-        </p:txBody>
-      </p:sp>
-    </p:spTree>
-    <p:extLst>
-      <p:ext uri="{BB962C8B-B14F-4D97-AF65-F5344CB8AC3E}">
-        <p14:creationId xmlns:p14="http://schemas.microsoft.com/office/powerpoint/2010/main" val="1444547845"/>
-      </p:ext>
-    </p:extLst>
-  </p:cSld>
-  <p:clrMapOvr>
-    <a:masterClrMapping/>
-  </p:clrMapOvr>
-</p:sld>
-</file>
-
-<file path=ppt/slides/slide2.xml><?xml version="1.0" encoding="utf-8"?>
-<p:sld xmlns:a="http://schemas.openxmlformats.org/drawingml/2006/main" xmlns:r="http://schemas.openxmlformats.org/officeDocument/2006/relationships" xmlns:p="http://schemas.openxmlformats.org/presentationml/2006/main">
-  <p:cSld>
-    <p:bg>
-      <p:bgPr>
-        <a:blipFill dpi="0" rotWithShape="1">
-          <a:blip r:embed="rId3">
-            <a:lum/>
-          </a:blip>
-          <a:srcRect/>
-          <a:stretch>
-            <a:fillRect/>
-          </a:stretch>
-        </a:blipFill>
-        <a:effectLst/>
-      </p:bgPr>
-    </p:bg>
-    <p:spTree>
-      <p:nvGrpSpPr>
-        <p:cNvPr id="1" name=""/>
-        <p:cNvGrpSpPr/>
-        <p:nvPr/>
-      </p:nvGrpSpPr>
-      <p:grpSpPr>
-        <a:xfrm>
-          <a:off x="0" y="0"/>
-          <a:ext cx="0" cy="0"/>
-          <a:chOff x="0" y="0"/>
-          <a:chExt cx="0" cy="0"/>
-        </a:xfrm>
-      </p:grpSpPr>
-      <p:sp>
-        <p:nvSpPr>
-          <p:cNvPr id="39" name="Rectangle 38">
-            <a:extLst>
-              <a:ext uri="{FF2B5EF4-FFF2-40B4-BE49-F238E27FC236}">
-                <a16:creationId xmlns:a16="http://schemas.microsoft.com/office/drawing/2014/main" id="{C1C163D1-85A2-4643-BA3C-22035ECBF6E9}"/>
-              </a:ext>
-            </a:extLst>
-          </p:cNvPr>
-          <p:cNvSpPr/>
-          <p:nvPr/>
-        </p:nvSpPr>
-        <p:spPr>
-          <a:xfrm>
-            <a:off x="7210970" y="0"/>
-            <a:ext cx="1933031" cy="356965"/>
-          </a:xfrm>
-          <a:prstGeom prst="rect">
-            <a:avLst/>
-          </a:prstGeom>
-          <a:solidFill>
-            <a:srgbClr val="0F7792">
-              <a:alpha val="50196"/>
-            </a:srgbClr>
-          </a:solidFill>
-          <a:ln>
-            <a:noFill/>
-          </a:ln>
-        </p:spPr>
-        <p:style>
-          <a:lnRef idx="2">
-            <a:schemeClr val="accent1">
-              <a:shade val="50000"/>
-            </a:schemeClr>
-          </a:lnRef>
-          <a:fillRef idx="1">
-            <a:schemeClr val="accent1"/>
-          </a:fillRef>
-          <a:effectRef idx="0">
-            <a:schemeClr val="accent1"/>
-          </a:effectRef>
-          <a:fontRef idx="minor">
-            <a:schemeClr val="lt1"/>
-          </a:fontRef>
-        </p:style>
-        <p:txBody>
-          <a:bodyPr rtlCol="0" anchor="ctr"/>
-          <a:lstStyle/>
-          <a:p>
-            <a:pPr algn="ctr"/>
-            <a:r>
-              <a:rPr lang="en-US" sz="1400" dirty="0"/>
-              <a:t>Fonts</a:t>
-            </a:r>
-          </a:p>
-        </p:txBody>
-      </p:sp>
-      <p:sp>
-        <p:nvSpPr>
-          <p:cNvPr id="5" name="Rectangle 4">
-            <a:extLst>
-              <a:ext uri="{FF2B5EF4-FFF2-40B4-BE49-F238E27FC236}">
-                <a16:creationId xmlns:a16="http://schemas.microsoft.com/office/drawing/2014/main" id="{12131ED0-4950-475C-B7DC-450FBBF3C54A}"/>
-              </a:ext>
-            </a:extLst>
-          </p:cNvPr>
-          <p:cNvSpPr/>
-          <p:nvPr/>
-        </p:nvSpPr>
-        <p:spPr>
-          <a:xfrm>
-            <a:off x="0" y="0"/>
-            <a:ext cx="4283968" cy="356965"/>
-          </a:xfrm>
-          <a:prstGeom prst="rect">
-            <a:avLst/>
-          </a:prstGeom>
-          <a:solidFill>
-            <a:srgbClr val="0F7792"/>
-          </a:solidFill>
-          <a:ln>
-            <a:noFill/>
-          </a:ln>
-        </p:spPr>
-        <p:style>
-          <a:lnRef idx="2">
-            <a:schemeClr val="accent1">
-              <a:shade val="50000"/>
-            </a:schemeClr>
-          </a:lnRef>
-          <a:fillRef idx="1">
-            <a:schemeClr val="accent1"/>
-          </a:fillRef>
-          <a:effectRef idx="0">
-            <a:schemeClr val="accent1"/>
-          </a:effectRef>
-          <a:fontRef idx="minor">
-            <a:schemeClr val="lt1"/>
-          </a:fontRef>
-        </p:style>
-        <p:txBody>
-          <a:bodyPr rtlCol="0" anchor="ctr"/>
-          <a:lstStyle/>
-          <a:p>
-            <a:pPr algn="ctr"/>
-            <a:endParaRPr lang="en-US"/>
-          </a:p>
-        </p:txBody>
-      </p:sp>
-      <p:sp>
-        <p:nvSpPr>
-          <p:cNvPr id="4" name="TextBox 3">
-            <a:extLst>
-              <a:ext uri="{FF2B5EF4-FFF2-40B4-BE49-F238E27FC236}">
-                <a16:creationId xmlns:a16="http://schemas.microsoft.com/office/drawing/2014/main" id="{DB2A6D78-D3DF-4739-BCDE-EE78ED59B04D}"/>
-              </a:ext>
-            </a:extLst>
-          </p:cNvPr>
-          <p:cNvSpPr txBox="1"/>
-          <p:nvPr/>
-        </p:nvSpPr>
-        <p:spPr>
-          <a:xfrm>
-            <a:off x="89756" y="24634"/>
-            <a:ext cx="4122204" cy="276999"/>
-          </a:xfrm>
-          <a:prstGeom prst="rect">
-            <a:avLst/>
-          </a:prstGeom>
-          <a:noFill/>
-        </p:spPr>
-        <p:txBody>
-          <a:bodyPr wrap="square" rtlCol="0">
-            <a:spAutoFit/>
-          </a:bodyPr>
-          <a:lstStyle/>
-          <a:p>
-            <a:r>
-              <a:rPr lang="en-US" sz="1200" dirty="0">
-                <a:solidFill>
-                  <a:schemeClr val="bg1"/>
-                </a:solidFill>
-                <a:latin typeface="Verdana" panose="020B0604030504040204" pitchFamily="34" charset="0"/>
-                <a:ea typeface="Verdana" panose="020B0604030504040204" pitchFamily="34" charset="0"/>
-                <a:cs typeface="Verdana" panose="020B0604030504040204" pitchFamily="34" charset="0"/>
-              </a:rPr>
-              <a:t>11. Fonts, SVGs and images</a:t>
-            </a:r>
-            <a:endParaRPr lang="bg-BG" sz="1200" dirty="0">
-              <a:solidFill>
-                <a:schemeClr val="bg1"/>
-              </a:solidFill>
-              <a:latin typeface="Verdana" panose="020B0604030504040204" pitchFamily="34" charset="0"/>
-              <a:ea typeface="Verdana" panose="020B0604030504040204" pitchFamily="34" charset="0"/>
-              <a:cs typeface="Verdana" panose="020B0604030504040204" pitchFamily="34" charset="0"/>
-            </a:endParaRPr>
-          </a:p>
-        </p:txBody>
-      </p:sp>
-      <p:sp>
-        <p:nvSpPr>
-          <p:cNvPr id="8" name="TextBox 7">
-            <a:extLst>
-              <a:ext uri="{FF2B5EF4-FFF2-40B4-BE49-F238E27FC236}">
-                <a16:creationId xmlns:a16="http://schemas.microsoft.com/office/drawing/2014/main" id="{2374E9AE-8D65-4C85-A4AC-BBB9AA519202}"/>
-              </a:ext>
-            </a:extLst>
-          </p:cNvPr>
-          <p:cNvSpPr txBox="1"/>
-          <p:nvPr/>
-        </p:nvSpPr>
-        <p:spPr>
-          <a:xfrm>
-            <a:off x="8959271" y="43105"/>
-            <a:ext cx="184730" cy="646331"/>
-          </a:xfrm>
-          <a:prstGeom prst="rect">
-            <a:avLst/>
-          </a:prstGeom>
-          <a:noFill/>
-        </p:spPr>
-        <p:txBody>
-          <a:bodyPr wrap="none" rtlCol="0">
-            <a:spAutoFit/>
-          </a:bodyPr>
-          <a:lstStyle/>
-          <a:p>
-            <a:pPr algn="r"/>
-            <a:endParaRPr lang="bg-BG" sz="1200" dirty="0">
-              <a:solidFill>
-                <a:schemeClr val="bg1">
-                  <a:lumMod val="95000"/>
-                </a:schemeClr>
-              </a:solidFill>
-            </a:endParaRPr>
-          </a:p>
-          <a:p>
-            <a:pPr algn="r"/>
-            <a:endParaRPr lang="en-US" sz="1200" dirty="0">
-              <a:solidFill>
-                <a:schemeClr val="bg1">
-                  <a:lumMod val="95000"/>
-                </a:schemeClr>
-              </a:solidFill>
-            </a:endParaRPr>
-          </a:p>
-          <a:p>
-            <a:pPr algn="r"/>
-            <a:endParaRPr lang="en-US" sz="1200" b="1" dirty="0">
-              <a:solidFill>
-                <a:schemeClr val="bg1"/>
-              </a:solidFill>
-            </a:endParaRPr>
-          </a:p>
-        </p:txBody>
-      </p:sp>
-      <p:sp>
-        <p:nvSpPr>
-          <p:cNvPr id="47" name="Rectangle: Rounded Corners 5">
-            <a:extLst>
-              <a:ext uri="{FF2B5EF4-FFF2-40B4-BE49-F238E27FC236}">
-                <a16:creationId xmlns:a16="http://schemas.microsoft.com/office/drawing/2014/main" id="{682EAE92-D6DF-494B-9CC1-FF2B7145CC2C}"/>
-              </a:ext>
-            </a:extLst>
-          </p:cNvPr>
-          <p:cNvSpPr/>
-          <p:nvPr/>
-        </p:nvSpPr>
-        <p:spPr>
-          <a:xfrm>
-            <a:off x="323528" y="605860"/>
-            <a:ext cx="8496944" cy="504056"/>
-          </a:xfrm>
-          <a:prstGeom prst="roundRect">
-            <a:avLst/>
-          </a:prstGeom>
-          <a:solidFill>
-            <a:srgbClr val="127994"/>
-          </a:solidFill>
-          <a:ln>
-            <a:noFill/>
-          </a:ln>
-          <a:effectLst>
-            <a:outerShdw blurRad="50800" dist="38100" dir="5400000" algn="t" rotWithShape="0">
-              <a:prstClr val="black">
-                <a:alpha val="40000"/>
-              </a:prstClr>
-            </a:outerShdw>
-          </a:effectLst>
-        </p:spPr>
-        <p:style>
-          <a:lnRef idx="2">
-            <a:schemeClr val="accent1">
-              <a:shade val="50000"/>
-            </a:schemeClr>
-          </a:lnRef>
-          <a:fillRef idx="1">
-            <a:schemeClr val="accent1"/>
-          </a:fillRef>
-          <a:effectRef idx="0">
-            <a:schemeClr val="accent1"/>
-          </a:effectRef>
-          <a:fontRef idx="minor">
-            <a:schemeClr val="lt1"/>
-          </a:fontRef>
-        </p:style>
-        <p:txBody>
-          <a:bodyPr rtlCol="0" anchor="ctr"/>
-          <a:lstStyle/>
-          <a:p>
-            <a:pPr algn="ctr"/>
-            <a:r>
-              <a:rPr lang="en-US" dirty="0">
-                <a:solidFill>
-                  <a:schemeClr val="bg1">
-                    <a:lumMod val="95000"/>
-                  </a:schemeClr>
-                </a:solidFill>
-              </a:rPr>
-              <a:t>HTML, CSS &amp; text</a:t>
-            </a:r>
-          </a:p>
-        </p:txBody>
-      </p:sp>
-      <p:sp>
-        <p:nvSpPr>
-          <p:cNvPr id="3" name="TextBox 2"/>
-          <p:cNvSpPr txBox="1"/>
-          <p:nvPr/>
-        </p:nvSpPr>
-        <p:spPr>
-          <a:xfrm>
-            <a:off x="293728" y="1489348"/>
-            <a:ext cx="8795806" cy="2554545"/>
-          </a:xfrm>
-          <a:prstGeom prst="rect">
-            <a:avLst/>
-          </a:prstGeom>
-          <a:noFill/>
-        </p:spPr>
-        <p:txBody>
-          <a:bodyPr wrap="none" rtlCol="0">
-            <a:spAutoFit/>
-          </a:bodyPr>
-          <a:lstStyle/>
-          <a:p>
-            <a:r>
-              <a:rPr lang="bg-BG" sz="1600" dirty="0"/>
-              <a:t>Текст поставен в </a:t>
-            </a:r>
-            <a:r>
-              <a:rPr lang="en-US" sz="1600" dirty="0"/>
-              <a:t>HTML </a:t>
-            </a:r>
-            <a:r>
-              <a:rPr lang="bg-BG" sz="1600" dirty="0"/>
-              <a:t>елемент, се позиционира в горния ляв ъгъл на </a:t>
-            </a:r>
-            <a:r>
-              <a:rPr lang="en-US" sz="1600" dirty="0"/>
-              <a:t>content box-a. </a:t>
-            </a:r>
-          </a:p>
-          <a:p>
-            <a:r>
-              <a:rPr lang="en-US" sz="1600" dirty="0"/>
-              <a:t>(</a:t>
-            </a:r>
-            <a:r>
-              <a:rPr lang="bg-BG" sz="1600" dirty="0"/>
-              <a:t>или десен в случай на </a:t>
-            </a:r>
-            <a:r>
-              <a:rPr lang="en-US" sz="1600" dirty="0"/>
-              <a:t>RTL </a:t>
-            </a:r>
-            <a:r>
-              <a:rPr lang="bg-BG" sz="1600" dirty="0"/>
-              <a:t>режим на писане</a:t>
-            </a:r>
-            <a:r>
-              <a:rPr lang="en-US" sz="1600" dirty="0"/>
-              <a:t>)</a:t>
-            </a:r>
-            <a:r>
-              <a:rPr lang="bg-BG" sz="1600" dirty="0"/>
-              <a:t>. </a:t>
-            </a:r>
-            <a:endParaRPr lang="en-US" sz="1600" dirty="0"/>
-          </a:p>
-          <a:p>
-            <a:endParaRPr lang="en-US" sz="1600" dirty="0"/>
-          </a:p>
-          <a:p>
-            <a:r>
-              <a:rPr lang="bg-BG" sz="1600" dirty="0"/>
-              <a:t>Текстовото съдържание се държи като серии от </a:t>
-            </a:r>
-            <a:r>
-              <a:rPr lang="en-US" sz="1600" dirty="0"/>
-              <a:t>inline </a:t>
-            </a:r>
-            <a:r>
-              <a:rPr lang="en-US" sz="1600" dirty="0" err="1"/>
-              <a:t>позиционирани</a:t>
-            </a:r>
-            <a:r>
-              <a:rPr lang="en-US" sz="1600" dirty="0"/>
-              <a:t> </a:t>
-            </a:r>
-            <a:r>
-              <a:rPr lang="en-US" sz="1600" dirty="0" err="1"/>
-              <a:t>елементи</a:t>
-            </a:r>
-            <a:r>
-              <a:rPr lang="en-US" sz="1600" dirty="0"/>
-              <a:t> – </a:t>
-            </a:r>
-            <a:r>
-              <a:rPr lang="en-US" sz="1600" dirty="0" err="1"/>
-              <a:t>започва</a:t>
-            </a:r>
-            <a:r>
-              <a:rPr lang="en-US" sz="1600" dirty="0"/>
-              <a:t> </a:t>
-            </a:r>
-            <a:r>
-              <a:rPr lang="bg-BG" sz="1600" dirty="0"/>
-              <a:t>от </a:t>
-            </a:r>
-            <a:endParaRPr lang="en-US" sz="1600" dirty="0"/>
-          </a:p>
-          <a:p>
-            <a:r>
-              <a:rPr lang="bg-BG" sz="1600" dirty="0"/>
-              <a:t>началото на реда, запълва свободното пространство и продължава на следващ ред, до момента </a:t>
-            </a:r>
-            <a:endParaRPr lang="en-US" sz="1600" dirty="0"/>
-          </a:p>
-          <a:p>
-            <a:r>
-              <a:rPr lang="bg-BG" sz="1600" dirty="0"/>
-              <a:t>в който целият тект е позициониран в </a:t>
-            </a:r>
-            <a:r>
-              <a:rPr lang="en-US" sz="1600" dirty="0"/>
-              <a:t>content box-a.</a:t>
-            </a:r>
-            <a:endParaRPr lang="bg-BG" sz="1600" dirty="0"/>
-          </a:p>
-          <a:p>
-            <a:endParaRPr lang="en-US" sz="1600" dirty="0"/>
-          </a:p>
-          <a:p>
-            <a:r>
-              <a:rPr lang="bg-BG" sz="1600" dirty="0"/>
-              <a:t>При необходимост може да се предизвика умишлено прекъсване на текстовото съдържание </a:t>
-            </a:r>
-            <a:endParaRPr lang="en-US" sz="1600" dirty="0"/>
-          </a:p>
-          <a:p>
-            <a:r>
-              <a:rPr lang="bg-BG" sz="1600" dirty="0"/>
-              <a:t>чрез ползване на </a:t>
-            </a:r>
-            <a:r>
-              <a:rPr lang="en-US" sz="1600" dirty="0"/>
-              <a:t>tag &lt;</a:t>
-            </a:r>
-            <a:r>
-              <a:rPr lang="en-US" sz="1600" dirty="0" err="1"/>
-              <a:t>br</a:t>
-            </a:r>
-            <a:r>
-              <a:rPr lang="en-US" sz="1600" dirty="0"/>
-              <a:t>&gt;</a:t>
-            </a:r>
-            <a:endParaRPr lang="bg-BG" sz="1600" dirty="0"/>
-          </a:p>
-          <a:p>
-            <a:endParaRPr lang="bg-BG" sz="1600" dirty="0"/>
-          </a:p>
-        </p:txBody>
-      </p:sp>
-    </p:spTree>
-    <p:extLst>
-      <p:ext uri="{BB962C8B-B14F-4D97-AF65-F5344CB8AC3E}">
-        <p14:creationId xmlns:p14="http://schemas.microsoft.com/office/powerpoint/2010/main" val="3721650438"/>
-      </p:ext>
-    </p:extLst>
-  </p:cSld>
-  <p:clrMapOvr>
-    <a:masterClrMapping/>
-  </p:clrMapOvr>
-</p:sld>
-</file>
-
-<file path=ppt/slides/slide3.xml><?xml version="1.0" encoding="utf-8"?>
-<p:sld xmlns:a="http://schemas.openxmlformats.org/drawingml/2006/main" xmlns:r="http://schemas.openxmlformats.org/officeDocument/2006/relationships" xmlns:p="http://schemas.openxmlformats.org/presentationml/2006/main">
-  <p:cSld>
-    <p:bg>
-      <p:bgPr>
-        <a:blipFill dpi="0" rotWithShape="1">
-          <a:blip r:embed="rId3">
-            <a:lum/>
-          </a:blip>
-          <a:srcRect/>
-          <a:stretch>
-            <a:fillRect/>
-          </a:stretch>
-        </a:blipFill>
-        <a:effectLst/>
-      </p:bgPr>
-    </p:bg>
-    <p:spTree>
-      <p:nvGrpSpPr>
-        <p:cNvPr id="1" name=""/>
-        <p:cNvGrpSpPr/>
-        <p:nvPr/>
-      </p:nvGrpSpPr>
-      <p:grpSpPr>
-        <a:xfrm>
-          <a:off x="0" y="0"/>
-          <a:ext cx="0" cy="0"/>
-          <a:chOff x="0" y="0"/>
-          <a:chExt cx="0" cy="0"/>
-        </a:xfrm>
-      </p:grpSpPr>
-      <p:sp>
-        <p:nvSpPr>
-          <p:cNvPr id="39" name="Rectangle 38">
-            <a:extLst>
-              <a:ext uri="{FF2B5EF4-FFF2-40B4-BE49-F238E27FC236}">
-                <a16:creationId xmlns:a16="http://schemas.microsoft.com/office/drawing/2014/main" id="{C1C163D1-85A2-4643-BA3C-22035ECBF6E9}"/>
-              </a:ext>
-            </a:extLst>
-          </p:cNvPr>
-          <p:cNvSpPr/>
-          <p:nvPr/>
-        </p:nvSpPr>
-        <p:spPr>
-          <a:xfrm>
-            <a:off x="7210970" y="0"/>
-            <a:ext cx="1933031" cy="356965"/>
-          </a:xfrm>
-          <a:prstGeom prst="rect">
-            <a:avLst/>
-          </a:prstGeom>
-          <a:solidFill>
-            <a:srgbClr val="0F7792">
-              <a:alpha val="50196"/>
-            </a:srgbClr>
-          </a:solidFill>
-          <a:ln>
-            <a:noFill/>
-          </a:ln>
-        </p:spPr>
-        <p:style>
-          <a:lnRef idx="2">
-            <a:schemeClr val="accent1">
-              <a:shade val="50000"/>
-            </a:schemeClr>
-          </a:lnRef>
-          <a:fillRef idx="1">
-            <a:schemeClr val="accent1"/>
-          </a:fillRef>
-          <a:effectRef idx="0">
-            <a:schemeClr val="accent1"/>
-          </a:effectRef>
-          <a:fontRef idx="minor">
-            <a:schemeClr val="lt1"/>
-          </a:fontRef>
-        </p:style>
-        <p:txBody>
-          <a:bodyPr rtlCol="0" anchor="ctr"/>
-          <a:lstStyle/>
-          <a:p>
-            <a:pPr algn="ctr"/>
-            <a:r>
-              <a:rPr lang="en-US" sz="1400" dirty="0"/>
-              <a:t>Fonts</a:t>
-            </a:r>
-          </a:p>
-        </p:txBody>
-      </p:sp>
-      <p:sp>
-        <p:nvSpPr>
-          <p:cNvPr id="5" name="Rectangle 4">
-            <a:extLst>
-              <a:ext uri="{FF2B5EF4-FFF2-40B4-BE49-F238E27FC236}">
-                <a16:creationId xmlns:a16="http://schemas.microsoft.com/office/drawing/2014/main" id="{12131ED0-4950-475C-B7DC-450FBBF3C54A}"/>
-              </a:ext>
-            </a:extLst>
-          </p:cNvPr>
-          <p:cNvSpPr/>
-          <p:nvPr/>
-        </p:nvSpPr>
-        <p:spPr>
-          <a:xfrm>
-            <a:off x="0" y="0"/>
-            <a:ext cx="4283968" cy="356965"/>
-          </a:xfrm>
-          <a:prstGeom prst="rect">
-            <a:avLst/>
-          </a:prstGeom>
-          <a:solidFill>
-            <a:srgbClr val="0F7792"/>
-          </a:solidFill>
-          <a:ln>
-            <a:noFill/>
-          </a:ln>
-        </p:spPr>
-        <p:style>
-          <a:lnRef idx="2">
-            <a:schemeClr val="accent1">
-              <a:shade val="50000"/>
-            </a:schemeClr>
-          </a:lnRef>
-          <a:fillRef idx="1">
-            <a:schemeClr val="accent1"/>
-          </a:fillRef>
-          <a:effectRef idx="0">
-            <a:schemeClr val="accent1"/>
-          </a:effectRef>
-          <a:fontRef idx="minor">
-            <a:schemeClr val="lt1"/>
-          </a:fontRef>
-        </p:style>
-        <p:txBody>
-          <a:bodyPr rtlCol="0" anchor="ctr"/>
-          <a:lstStyle/>
-          <a:p>
-            <a:pPr algn="ctr"/>
-            <a:endParaRPr lang="en-US"/>
-          </a:p>
-        </p:txBody>
-      </p:sp>
-      <p:sp>
-        <p:nvSpPr>
-          <p:cNvPr id="4" name="TextBox 3">
-            <a:extLst>
-              <a:ext uri="{FF2B5EF4-FFF2-40B4-BE49-F238E27FC236}">
-                <a16:creationId xmlns:a16="http://schemas.microsoft.com/office/drawing/2014/main" id="{DB2A6D78-D3DF-4739-BCDE-EE78ED59B04D}"/>
-              </a:ext>
-            </a:extLst>
-          </p:cNvPr>
-          <p:cNvSpPr txBox="1"/>
-          <p:nvPr/>
-        </p:nvSpPr>
-        <p:spPr>
-          <a:xfrm>
-            <a:off x="89756" y="24634"/>
-            <a:ext cx="4122204" cy="276999"/>
-          </a:xfrm>
-          <a:prstGeom prst="rect">
-            <a:avLst/>
-          </a:prstGeom>
-          <a:noFill/>
-        </p:spPr>
-        <p:txBody>
-          <a:bodyPr wrap="square" rtlCol="0">
-            <a:spAutoFit/>
-          </a:bodyPr>
-          <a:lstStyle/>
-          <a:p>
-            <a:r>
-              <a:rPr lang="en-US" sz="1200" dirty="0">
-                <a:solidFill>
-                  <a:schemeClr val="bg1"/>
-                </a:solidFill>
-                <a:latin typeface="Verdana" panose="020B0604030504040204" pitchFamily="34" charset="0"/>
-                <a:ea typeface="Verdana" panose="020B0604030504040204" pitchFamily="34" charset="0"/>
-                <a:cs typeface="Verdana" panose="020B0604030504040204" pitchFamily="34" charset="0"/>
-              </a:rPr>
-              <a:t>11. Fonts, SVGs and images</a:t>
-            </a:r>
-            <a:endParaRPr lang="bg-BG" sz="1200" dirty="0">
-              <a:solidFill>
-                <a:schemeClr val="bg1"/>
-              </a:solidFill>
-              <a:latin typeface="Verdana" panose="020B0604030504040204" pitchFamily="34" charset="0"/>
-              <a:ea typeface="Verdana" panose="020B0604030504040204" pitchFamily="34" charset="0"/>
-              <a:cs typeface="Verdana" panose="020B0604030504040204" pitchFamily="34" charset="0"/>
-            </a:endParaRPr>
-          </a:p>
-        </p:txBody>
-      </p:sp>
-      <p:sp>
-        <p:nvSpPr>
-          <p:cNvPr id="8" name="TextBox 7">
-            <a:extLst>
-              <a:ext uri="{FF2B5EF4-FFF2-40B4-BE49-F238E27FC236}">
-                <a16:creationId xmlns:a16="http://schemas.microsoft.com/office/drawing/2014/main" id="{2374E9AE-8D65-4C85-A4AC-BBB9AA519202}"/>
-              </a:ext>
-            </a:extLst>
-          </p:cNvPr>
-          <p:cNvSpPr txBox="1"/>
-          <p:nvPr/>
-        </p:nvSpPr>
-        <p:spPr>
-          <a:xfrm>
-            <a:off x="8959271" y="43105"/>
-            <a:ext cx="184730" cy="646331"/>
-          </a:xfrm>
-          <a:prstGeom prst="rect">
-            <a:avLst/>
-          </a:prstGeom>
-          <a:noFill/>
-        </p:spPr>
-        <p:txBody>
-          <a:bodyPr wrap="none" rtlCol="0">
-            <a:spAutoFit/>
-          </a:bodyPr>
-          <a:lstStyle/>
-          <a:p>
-            <a:pPr algn="r"/>
-            <a:endParaRPr lang="bg-BG" sz="1200" dirty="0">
-              <a:solidFill>
-                <a:schemeClr val="bg1">
-                  <a:lumMod val="95000"/>
-                </a:schemeClr>
-              </a:solidFill>
-            </a:endParaRPr>
-          </a:p>
-          <a:p>
-            <a:pPr algn="r"/>
-            <a:endParaRPr lang="en-US" sz="1200" dirty="0">
-              <a:solidFill>
-                <a:schemeClr val="bg1">
-                  <a:lumMod val="95000"/>
-                </a:schemeClr>
-              </a:solidFill>
-            </a:endParaRPr>
-          </a:p>
-          <a:p>
-            <a:pPr algn="r"/>
-            <a:endParaRPr lang="en-US" sz="1200" b="1" dirty="0">
-              <a:solidFill>
-                <a:schemeClr val="bg1"/>
-              </a:solidFill>
-            </a:endParaRPr>
-          </a:p>
-        </p:txBody>
-      </p:sp>
-      <p:sp>
-        <p:nvSpPr>
-          <p:cNvPr id="47" name="Rectangle: Rounded Corners 5">
-            <a:extLst>
-              <a:ext uri="{FF2B5EF4-FFF2-40B4-BE49-F238E27FC236}">
-                <a16:creationId xmlns:a16="http://schemas.microsoft.com/office/drawing/2014/main" id="{682EAE92-D6DF-494B-9CC1-FF2B7145CC2C}"/>
-              </a:ext>
-            </a:extLst>
-          </p:cNvPr>
-          <p:cNvSpPr/>
-          <p:nvPr/>
-        </p:nvSpPr>
-        <p:spPr>
-          <a:xfrm>
-            <a:off x="323528" y="605860"/>
-            <a:ext cx="8496944" cy="504056"/>
-          </a:xfrm>
-          <a:prstGeom prst="roundRect">
-            <a:avLst/>
-          </a:prstGeom>
-          <a:solidFill>
-            <a:srgbClr val="127994"/>
-          </a:solidFill>
-          <a:ln>
-            <a:noFill/>
-          </a:ln>
-          <a:effectLst>
-            <a:outerShdw blurRad="50800" dist="38100" dir="5400000" algn="t" rotWithShape="0">
-              <a:prstClr val="black">
-                <a:alpha val="40000"/>
-              </a:prstClr>
-            </a:outerShdw>
-          </a:effectLst>
-        </p:spPr>
-        <p:style>
-          <a:lnRef idx="2">
-            <a:schemeClr val="accent1">
-              <a:shade val="50000"/>
-            </a:schemeClr>
-          </a:lnRef>
-          <a:fillRef idx="1">
-            <a:schemeClr val="accent1"/>
-          </a:fillRef>
-          <a:effectRef idx="0">
-            <a:schemeClr val="accent1"/>
-          </a:effectRef>
-          <a:fontRef idx="minor">
-            <a:schemeClr val="lt1"/>
-          </a:fontRef>
-        </p:style>
-        <p:txBody>
-          <a:bodyPr rtlCol="0" anchor="ctr"/>
-          <a:lstStyle/>
-          <a:p>
-            <a:pPr algn="ctr"/>
-            <a:r>
-              <a:rPr lang="en-US" dirty="0"/>
-              <a:t>CSS properties related to text</a:t>
-            </a:r>
-            <a:endParaRPr lang="bg-BG" dirty="0"/>
-          </a:p>
-        </p:txBody>
-      </p:sp>
-      <p:sp>
-        <p:nvSpPr>
-          <p:cNvPr id="3" name="TextBox 2"/>
-          <p:cNvSpPr txBox="1"/>
-          <p:nvPr/>
-        </p:nvSpPr>
-        <p:spPr>
-          <a:xfrm>
-            <a:off x="293728" y="1489348"/>
-            <a:ext cx="8703088" cy="3293209"/>
-          </a:xfrm>
-          <a:prstGeom prst="rect">
-            <a:avLst/>
-          </a:prstGeom>
-          <a:noFill/>
-        </p:spPr>
-        <p:txBody>
-          <a:bodyPr wrap="none" rtlCol="0">
-            <a:spAutoFit/>
-          </a:bodyPr>
-          <a:lstStyle/>
-          <a:p>
-            <a:pPr lvl="0"/>
-            <a:r>
-              <a:rPr lang="en-US" sz="1600" dirty="0"/>
-              <a:t>I.     Font styles - </a:t>
-            </a:r>
-            <a:r>
-              <a:rPr lang="bg-BG" sz="1600" dirty="0"/>
-              <a:t>засягат конкретно шрифта -  тип</a:t>
-            </a:r>
-            <a:r>
-              <a:rPr lang="en-US" sz="1600" dirty="0"/>
-              <a:t>(font-family)</a:t>
-            </a:r>
-            <a:r>
-              <a:rPr lang="bg-BG" sz="1600" dirty="0"/>
-              <a:t>, размер</a:t>
-            </a:r>
-            <a:r>
-              <a:rPr lang="en-US" sz="1600" dirty="0"/>
-              <a:t>(font-size)</a:t>
-            </a:r>
-            <a:r>
-              <a:rPr lang="bg-BG" sz="1600" dirty="0"/>
-              <a:t>, тежест на шрифта </a:t>
-            </a:r>
-          </a:p>
-          <a:p>
-            <a:pPr lvl="0"/>
-            <a:r>
-              <a:rPr lang="en-US" sz="1600" dirty="0"/>
-              <a:t>(font-weight)</a:t>
-            </a:r>
-            <a:r>
-              <a:rPr lang="bg-BG" sz="1600" dirty="0"/>
-              <a:t>, цвят </a:t>
-            </a:r>
-            <a:r>
-              <a:rPr lang="en-US" sz="1600" dirty="0"/>
-              <a:t>(color)</a:t>
-            </a:r>
-            <a:r>
-              <a:rPr lang="bg-BG" sz="1600" dirty="0"/>
-              <a:t>;</a:t>
-            </a:r>
-          </a:p>
-          <a:p>
-            <a:pPr lvl="0"/>
-            <a:endParaRPr lang="bg-BG" sz="1600" dirty="0"/>
-          </a:p>
-          <a:p>
-            <a:pPr lvl="0"/>
-            <a:r>
-              <a:rPr lang="en-US" sz="1600" dirty="0"/>
-              <a:t>II.    Text layout styles: </a:t>
-            </a:r>
-            <a:r>
-              <a:rPr lang="bg-BG" sz="1600" dirty="0"/>
-              <a:t>отнасят се за пропъртита които оказват влияние върху цялостното </a:t>
-            </a:r>
-            <a:endParaRPr lang="en-US" sz="1600" dirty="0"/>
-          </a:p>
-          <a:p>
-            <a:pPr lvl="0"/>
-            <a:r>
-              <a:rPr lang="bg-BG" sz="1600" dirty="0"/>
-              <a:t>позициониране и визия на шрифта – отстояние между буквите</a:t>
-            </a:r>
-            <a:r>
-              <a:rPr lang="en-US" sz="1600" dirty="0"/>
-              <a:t>(letter-spacing)</a:t>
-            </a:r>
-            <a:r>
-              <a:rPr lang="bg-BG" sz="1600" dirty="0"/>
-              <a:t>, </a:t>
-            </a:r>
-            <a:endParaRPr lang="en-US" sz="1600" dirty="0"/>
-          </a:p>
-          <a:p>
-            <a:pPr lvl="0"/>
-            <a:r>
-              <a:rPr lang="bg-BG" sz="1600" dirty="0"/>
-              <a:t>височина на линията</a:t>
-            </a:r>
-            <a:r>
-              <a:rPr lang="en-US" sz="1600" dirty="0"/>
-              <a:t>(line-height);</a:t>
-            </a:r>
-          </a:p>
-          <a:p>
-            <a:pPr lvl="0"/>
-            <a:endParaRPr lang="en-US" sz="1600" dirty="0"/>
-          </a:p>
-          <a:p>
-            <a:r>
-              <a:rPr lang="en-US" sz="1600" dirty="0"/>
-              <a:t>NB! </a:t>
-            </a:r>
-            <a:r>
-              <a:rPr lang="en-US" sz="1600" dirty="0" err="1"/>
-              <a:t>Намиращите</a:t>
-            </a:r>
-            <a:r>
-              <a:rPr lang="en-US" sz="1600" dirty="0"/>
-              <a:t> </a:t>
-            </a:r>
-            <a:r>
-              <a:rPr lang="en-US" sz="1600" dirty="0" err="1"/>
-              <a:t>се</a:t>
-            </a:r>
-            <a:r>
-              <a:rPr lang="en-US" sz="1600" dirty="0"/>
-              <a:t> в </a:t>
-            </a:r>
-            <a:r>
-              <a:rPr lang="en-US" sz="1600" dirty="0" err="1"/>
-              <a:t>един</a:t>
-            </a:r>
-            <a:r>
-              <a:rPr lang="en-US" sz="1600" dirty="0"/>
-              <a:t> и </a:t>
-            </a:r>
-            <a:r>
-              <a:rPr lang="en-US" sz="1600" dirty="0" err="1"/>
-              <a:t>същ</a:t>
-            </a:r>
-            <a:r>
-              <a:rPr lang="en-US" sz="1600" dirty="0"/>
-              <a:t> </a:t>
-            </a:r>
-            <a:r>
-              <a:rPr lang="en-US" sz="1600" dirty="0" err="1"/>
-              <a:t>елемент</a:t>
-            </a:r>
-            <a:r>
-              <a:rPr lang="en-US" sz="1600" dirty="0"/>
-              <a:t>, </a:t>
-            </a:r>
-            <a:r>
-              <a:rPr lang="en-US" sz="1600" dirty="0" err="1"/>
-              <a:t>тексто</a:t>
-            </a:r>
-            <a:r>
-              <a:rPr lang="bg-BG" sz="1600" dirty="0"/>
-              <a:t>ве</a:t>
-            </a:r>
-            <a:r>
-              <a:rPr lang="en-US" sz="1600" dirty="0"/>
-              <a:t> </a:t>
-            </a:r>
-            <a:r>
-              <a:rPr lang="en-US" sz="1600" dirty="0" err="1"/>
-              <a:t>ще</a:t>
-            </a:r>
-            <a:r>
-              <a:rPr lang="en-US" sz="1600" dirty="0"/>
-              <a:t> </a:t>
-            </a:r>
-            <a:r>
-              <a:rPr lang="en-US" sz="1600" dirty="0" err="1"/>
-              <a:t>бъдат</a:t>
-            </a:r>
-            <a:r>
-              <a:rPr lang="en-US" sz="1600" dirty="0"/>
-              <a:t> </a:t>
-            </a:r>
-            <a:r>
-              <a:rPr lang="en-US" sz="1600" dirty="0" err="1"/>
-              <a:t>разглеждани</a:t>
-            </a:r>
-            <a:r>
-              <a:rPr lang="en-US" sz="1600" dirty="0"/>
-              <a:t> и </a:t>
-            </a:r>
-            <a:r>
-              <a:rPr lang="en-US" sz="1600" dirty="0" err="1"/>
-              <a:t>манипулирани</a:t>
-            </a:r>
-            <a:r>
-              <a:rPr lang="en-US" sz="1600" dirty="0"/>
-              <a:t> , </a:t>
-            </a:r>
-          </a:p>
-          <a:p>
-            <a:r>
-              <a:rPr lang="en-US" sz="1600" dirty="0" err="1"/>
-              <a:t>като</a:t>
-            </a:r>
-            <a:r>
-              <a:rPr lang="en-US" sz="1600" dirty="0"/>
-              <a:t> </a:t>
-            </a:r>
-            <a:r>
-              <a:rPr lang="en-US" sz="1600" dirty="0" err="1"/>
-              <a:t>едно</a:t>
-            </a:r>
-            <a:r>
-              <a:rPr lang="en-US" sz="1600" dirty="0"/>
-              <a:t> </a:t>
-            </a:r>
-            <a:r>
-              <a:rPr lang="en-US" sz="1600" dirty="0" err="1"/>
-              <a:t>общо</a:t>
-            </a:r>
-            <a:r>
-              <a:rPr lang="en-US" sz="1600" dirty="0"/>
-              <a:t> </a:t>
-            </a:r>
-            <a:r>
-              <a:rPr lang="en-US" sz="1600" dirty="0" err="1"/>
-              <a:t>цяло</a:t>
-            </a:r>
-            <a:r>
-              <a:rPr lang="en-US" sz="1600" dirty="0"/>
-              <a:t> (</a:t>
-            </a:r>
-            <a:r>
-              <a:rPr lang="bg-BG" sz="1600" dirty="0"/>
-              <a:t>вашите промени ще бъдат приложени върху целия текст</a:t>
-            </a:r>
-            <a:r>
-              <a:rPr lang="en-US" sz="1600" dirty="0"/>
-              <a:t>)</a:t>
-            </a:r>
-            <a:r>
-              <a:rPr lang="bg-BG" sz="1600" dirty="0"/>
-              <a:t>. Части на текста </a:t>
-            </a:r>
-          </a:p>
-          <a:p>
-            <a:r>
-              <a:rPr lang="bg-BG" sz="1600" dirty="0"/>
-              <a:t>могат да бъдат отделени и стилизирани ако бъдат поставени в други </a:t>
-            </a:r>
-            <a:r>
-              <a:rPr lang="en-US" sz="1600" dirty="0"/>
-              <a:t>HTML </a:t>
-            </a:r>
-            <a:r>
-              <a:rPr lang="bg-BG" sz="1600" dirty="0"/>
-              <a:t>елементи </a:t>
-            </a:r>
-            <a:r>
-              <a:rPr lang="en-US" sz="1600" dirty="0"/>
-              <a:t>span, strong</a:t>
-            </a:r>
-          </a:p>
-          <a:p>
-            <a:r>
-              <a:rPr lang="bg-BG" sz="1600" dirty="0"/>
-              <a:t>и т.н.</a:t>
-            </a:r>
-          </a:p>
-          <a:p>
-            <a:pPr lvl="0"/>
-            <a:endParaRPr lang="bg-BG" sz="1600" dirty="0"/>
-          </a:p>
-          <a:p>
-            <a:endParaRPr lang="bg-BG" sz="1600" dirty="0"/>
-          </a:p>
-        </p:txBody>
-      </p:sp>
-    </p:spTree>
-    <p:extLst>
-      <p:ext uri="{BB962C8B-B14F-4D97-AF65-F5344CB8AC3E}">
-        <p14:creationId xmlns:p14="http://schemas.microsoft.com/office/powerpoint/2010/main" val="1910648465"/>
-      </p:ext>
-    </p:extLst>
-  </p:cSld>
-  <p:clrMapOvr>
-    <a:masterClrMapping/>
-  </p:clrMapOvr>
-</p:sld>
-</file>
-
-<file path=ppt/slides/slide4.xml><?xml version="1.0" encoding="utf-8"?>
-<p:sld xmlns:a="http://schemas.openxmlformats.org/drawingml/2006/main" xmlns:r="http://schemas.openxmlformats.org/officeDocument/2006/relationships" xmlns:p="http://schemas.openxmlformats.org/presentationml/2006/main">
-  <p:cSld>
-    <p:bg>
-      <p:bgPr>
-        <a:blipFill dpi="0" rotWithShape="1">
-          <a:blip r:embed="rId3">
-            <a:lum/>
-          </a:blip>
-          <a:srcRect/>
-          <a:stretch>
-            <a:fillRect/>
-          </a:stretch>
-        </a:blipFill>
-        <a:effectLst/>
-      </p:bgPr>
-    </p:bg>
-    <p:spTree>
-      <p:nvGrpSpPr>
-        <p:cNvPr id="1" name=""/>
-        <p:cNvGrpSpPr/>
-        <p:nvPr/>
-      </p:nvGrpSpPr>
-      <p:grpSpPr>
-        <a:xfrm>
-          <a:off x="0" y="0"/>
-          <a:ext cx="0" cy="0"/>
-          <a:chOff x="0" y="0"/>
-          <a:chExt cx="0" cy="0"/>
-        </a:xfrm>
-      </p:grpSpPr>
-      <p:sp>
-        <p:nvSpPr>
-          <p:cNvPr id="39" name="Rectangle 38">
-            <a:extLst>
-              <a:ext uri="{FF2B5EF4-FFF2-40B4-BE49-F238E27FC236}">
-                <a16:creationId xmlns:a16="http://schemas.microsoft.com/office/drawing/2014/main" id="{C1C163D1-85A2-4643-BA3C-22035ECBF6E9}"/>
-              </a:ext>
-            </a:extLst>
-          </p:cNvPr>
-          <p:cNvSpPr/>
-          <p:nvPr/>
-        </p:nvSpPr>
-        <p:spPr>
-          <a:xfrm>
-            <a:off x="7210970" y="0"/>
-            <a:ext cx="1933031" cy="356965"/>
-          </a:xfrm>
-          <a:prstGeom prst="rect">
-            <a:avLst/>
-          </a:prstGeom>
-          <a:solidFill>
-            <a:srgbClr val="0F7792">
-              <a:alpha val="50196"/>
-            </a:srgbClr>
-          </a:solidFill>
-          <a:ln>
-            <a:noFill/>
-          </a:ln>
-        </p:spPr>
-        <p:style>
-          <a:lnRef idx="2">
-            <a:schemeClr val="accent1">
-              <a:shade val="50000"/>
-            </a:schemeClr>
-          </a:lnRef>
-          <a:fillRef idx="1">
-            <a:schemeClr val="accent1"/>
-          </a:fillRef>
-          <a:effectRef idx="0">
-            <a:schemeClr val="accent1"/>
-          </a:effectRef>
-          <a:fontRef idx="minor">
-            <a:schemeClr val="lt1"/>
-          </a:fontRef>
-        </p:style>
-        <p:txBody>
-          <a:bodyPr rtlCol="0" anchor="ctr"/>
-          <a:lstStyle/>
-          <a:p>
-            <a:pPr algn="ctr"/>
-            <a:r>
-              <a:rPr lang="en-US" sz="1400" dirty="0"/>
-              <a:t>Font-styles</a:t>
-            </a:r>
-          </a:p>
-        </p:txBody>
-      </p:sp>
-      <p:sp>
-        <p:nvSpPr>
-          <p:cNvPr id="5" name="Rectangle 4">
-            <a:extLst>
-              <a:ext uri="{FF2B5EF4-FFF2-40B4-BE49-F238E27FC236}">
-                <a16:creationId xmlns:a16="http://schemas.microsoft.com/office/drawing/2014/main" id="{12131ED0-4950-475C-B7DC-450FBBF3C54A}"/>
-              </a:ext>
-            </a:extLst>
-          </p:cNvPr>
-          <p:cNvSpPr/>
-          <p:nvPr/>
-        </p:nvSpPr>
-        <p:spPr>
-          <a:xfrm>
-            <a:off x="0" y="0"/>
-            <a:ext cx="4283968" cy="356965"/>
-          </a:xfrm>
-          <a:prstGeom prst="rect">
-            <a:avLst/>
-          </a:prstGeom>
-          <a:solidFill>
-            <a:srgbClr val="0F7792"/>
-          </a:solidFill>
-          <a:ln>
-            <a:noFill/>
-          </a:ln>
-        </p:spPr>
-        <p:style>
-          <a:lnRef idx="2">
-            <a:schemeClr val="accent1">
-              <a:shade val="50000"/>
-            </a:schemeClr>
-          </a:lnRef>
-          <a:fillRef idx="1">
-            <a:schemeClr val="accent1"/>
-          </a:fillRef>
-          <a:effectRef idx="0">
-            <a:schemeClr val="accent1"/>
-          </a:effectRef>
-          <a:fontRef idx="minor">
-            <a:schemeClr val="lt1"/>
-          </a:fontRef>
-        </p:style>
-        <p:txBody>
-          <a:bodyPr rtlCol="0" anchor="ctr"/>
-          <a:lstStyle/>
-          <a:p>
-            <a:pPr algn="ctr"/>
-            <a:endParaRPr lang="en-US"/>
-          </a:p>
-        </p:txBody>
-      </p:sp>
-      <p:sp>
-        <p:nvSpPr>
-          <p:cNvPr id="4" name="TextBox 3">
-            <a:extLst>
-              <a:ext uri="{FF2B5EF4-FFF2-40B4-BE49-F238E27FC236}">
-                <a16:creationId xmlns:a16="http://schemas.microsoft.com/office/drawing/2014/main" id="{DB2A6D78-D3DF-4739-BCDE-EE78ED59B04D}"/>
-              </a:ext>
-            </a:extLst>
-          </p:cNvPr>
-          <p:cNvSpPr txBox="1"/>
-          <p:nvPr/>
-        </p:nvSpPr>
-        <p:spPr>
-          <a:xfrm>
-            <a:off x="89756" y="24634"/>
-            <a:ext cx="4122204" cy="276999"/>
-          </a:xfrm>
-          <a:prstGeom prst="rect">
-            <a:avLst/>
-          </a:prstGeom>
-          <a:noFill/>
-        </p:spPr>
-        <p:txBody>
-          <a:bodyPr wrap="square" rtlCol="0">
-            <a:spAutoFit/>
-          </a:bodyPr>
-          <a:lstStyle/>
-          <a:p>
-            <a:r>
-              <a:rPr lang="en-US" sz="1200" dirty="0">
-                <a:solidFill>
-                  <a:schemeClr val="bg1"/>
-                </a:solidFill>
-                <a:latin typeface="Verdana" panose="020B0604030504040204" pitchFamily="34" charset="0"/>
-                <a:ea typeface="Verdana" panose="020B0604030504040204" pitchFamily="34" charset="0"/>
-                <a:cs typeface="Verdana" panose="020B0604030504040204" pitchFamily="34" charset="0"/>
-              </a:rPr>
-              <a:t>11. Fonts, SVGs and images</a:t>
-            </a:r>
-            <a:endParaRPr lang="bg-BG" sz="1200" dirty="0">
-              <a:solidFill>
-                <a:schemeClr val="bg1"/>
-              </a:solidFill>
-              <a:latin typeface="Verdana" panose="020B0604030504040204" pitchFamily="34" charset="0"/>
-              <a:ea typeface="Verdana" panose="020B0604030504040204" pitchFamily="34" charset="0"/>
-              <a:cs typeface="Verdana" panose="020B0604030504040204" pitchFamily="34" charset="0"/>
-            </a:endParaRPr>
-          </a:p>
-        </p:txBody>
-      </p:sp>
-      <p:sp>
-        <p:nvSpPr>
-          <p:cNvPr id="8" name="TextBox 7">
-            <a:extLst>
-              <a:ext uri="{FF2B5EF4-FFF2-40B4-BE49-F238E27FC236}">
-                <a16:creationId xmlns:a16="http://schemas.microsoft.com/office/drawing/2014/main" id="{2374E9AE-8D65-4C85-A4AC-BBB9AA519202}"/>
-              </a:ext>
-            </a:extLst>
-          </p:cNvPr>
-          <p:cNvSpPr txBox="1"/>
-          <p:nvPr/>
-        </p:nvSpPr>
-        <p:spPr>
-          <a:xfrm>
-            <a:off x="8959271" y="43105"/>
-            <a:ext cx="184730" cy="646331"/>
-          </a:xfrm>
-          <a:prstGeom prst="rect">
-            <a:avLst/>
-          </a:prstGeom>
-          <a:noFill/>
-        </p:spPr>
-        <p:txBody>
-          <a:bodyPr wrap="none" rtlCol="0">
-            <a:spAutoFit/>
-          </a:bodyPr>
-          <a:lstStyle/>
-          <a:p>
-            <a:pPr algn="r"/>
-            <a:endParaRPr lang="bg-BG" sz="1200" dirty="0">
-              <a:solidFill>
-                <a:schemeClr val="bg1">
-                  <a:lumMod val="95000"/>
-                </a:schemeClr>
-              </a:solidFill>
-            </a:endParaRPr>
-          </a:p>
-          <a:p>
-            <a:pPr algn="r"/>
-            <a:endParaRPr lang="en-US" sz="1200" dirty="0">
-              <a:solidFill>
-                <a:schemeClr val="bg1">
-                  <a:lumMod val="95000"/>
-                </a:schemeClr>
-              </a:solidFill>
-            </a:endParaRPr>
-          </a:p>
-          <a:p>
-            <a:pPr algn="r"/>
-            <a:endParaRPr lang="en-US" sz="1200" b="1" dirty="0">
-              <a:solidFill>
-                <a:schemeClr val="bg1"/>
-              </a:solidFill>
-            </a:endParaRPr>
-          </a:p>
-        </p:txBody>
-      </p:sp>
-      <p:sp>
-        <p:nvSpPr>
-          <p:cNvPr id="47" name="Rectangle: Rounded Corners 5">
-            <a:extLst>
-              <a:ext uri="{FF2B5EF4-FFF2-40B4-BE49-F238E27FC236}">
-                <a16:creationId xmlns:a16="http://schemas.microsoft.com/office/drawing/2014/main" id="{682EAE92-D6DF-494B-9CC1-FF2B7145CC2C}"/>
-              </a:ext>
-            </a:extLst>
-          </p:cNvPr>
-          <p:cNvSpPr/>
-          <p:nvPr/>
-        </p:nvSpPr>
-        <p:spPr>
-          <a:xfrm>
-            <a:off x="323528" y="605860"/>
-            <a:ext cx="8496944" cy="504056"/>
-          </a:xfrm>
-          <a:prstGeom prst="roundRect">
-            <a:avLst/>
-          </a:prstGeom>
-          <a:solidFill>
-            <a:srgbClr val="127994"/>
-          </a:solidFill>
-          <a:ln>
-            <a:noFill/>
-          </a:ln>
-          <a:effectLst>
-            <a:outerShdw blurRad="50800" dist="38100" dir="5400000" algn="t" rotWithShape="0">
-              <a:prstClr val="black">
-                <a:alpha val="40000"/>
-              </a:prstClr>
-            </a:outerShdw>
-          </a:effectLst>
-        </p:spPr>
-        <p:style>
-          <a:lnRef idx="2">
-            <a:schemeClr val="accent1">
-              <a:shade val="50000"/>
-            </a:schemeClr>
-          </a:lnRef>
-          <a:fillRef idx="1">
-            <a:schemeClr val="accent1"/>
-          </a:fillRef>
-          <a:effectRef idx="0">
-            <a:schemeClr val="accent1"/>
-          </a:effectRef>
-          <a:fontRef idx="minor">
-            <a:schemeClr val="lt1"/>
-          </a:fontRef>
-        </p:style>
-        <p:txBody>
-          <a:bodyPr rtlCol="0" anchor="ctr"/>
-          <a:lstStyle/>
-          <a:p>
-            <a:pPr algn="ctr"/>
-            <a:r>
-              <a:rPr lang="en-US" dirty="0"/>
-              <a:t>@font-face and font-family</a:t>
-            </a:r>
-            <a:endParaRPr lang="bg-BG" dirty="0"/>
-          </a:p>
-        </p:txBody>
-      </p:sp>
-      <p:sp>
-        <p:nvSpPr>
-          <p:cNvPr id="3" name="TextBox 2"/>
-          <p:cNvSpPr txBox="1"/>
-          <p:nvPr/>
-        </p:nvSpPr>
-        <p:spPr>
-          <a:xfrm>
-            <a:off x="323529" y="1489348"/>
-            <a:ext cx="8496944" cy="3046988"/>
-          </a:xfrm>
-          <a:prstGeom prst="rect">
-            <a:avLst/>
-          </a:prstGeom>
-          <a:noFill/>
-        </p:spPr>
-        <p:txBody>
-          <a:bodyPr wrap="square" rtlCol="0">
-            <a:spAutoFit/>
-          </a:bodyPr>
-          <a:lstStyle/>
-          <a:p>
-            <a:pPr lvl="0"/>
-            <a:r>
-              <a:rPr lang="en-US" sz="1600" dirty="0"/>
-              <a:t>@font-face rule </a:t>
-            </a:r>
-            <a:r>
-              <a:rPr lang="bg-BG" sz="1600" dirty="0"/>
-              <a:t>– </a:t>
-            </a:r>
-            <a:r>
-              <a:rPr lang="en-US" sz="1600" dirty="0"/>
-              <a:t>CSS </a:t>
-            </a:r>
-            <a:r>
-              <a:rPr lang="bg-BG" sz="1600" dirty="0"/>
-              <a:t>правило, което позволява да свалим конкретен шрифт и да го представим на </a:t>
-            </a:r>
-            <a:r>
-              <a:rPr lang="en-US" sz="1600" dirty="0"/>
-              <a:t>web </a:t>
-            </a:r>
-            <a:r>
-              <a:rPr lang="bg-BG" sz="1600" dirty="0"/>
-              <a:t>страница, </a:t>
-            </a:r>
-            <a:r>
-              <a:rPr lang="en-US" sz="1600" dirty="0"/>
-              <a:t>a</a:t>
-            </a:r>
-            <a:r>
-              <a:rPr lang="bg-BG" sz="1600" dirty="0"/>
-              <a:t>ко потребителя няма този шрифт.</a:t>
-            </a:r>
-          </a:p>
-          <a:p>
-            <a:pPr lvl="0"/>
-            <a:endParaRPr lang="bg-BG" sz="1600" dirty="0"/>
-          </a:p>
-          <a:p>
-            <a:pPr lvl="0"/>
-            <a:r>
-              <a:rPr lang="bg-BG" sz="1600" dirty="0"/>
-              <a:t>Използването на @</a:t>
-            </a:r>
-            <a:r>
-              <a:rPr lang="en-US" sz="1600" dirty="0"/>
-              <a:t>font-face </a:t>
-            </a:r>
-            <a:r>
-              <a:rPr lang="bg-BG" sz="1600" dirty="0"/>
-              <a:t>ни позволява да приложим шрифт по наше усмотрение, който е извън групата на т.нар. </a:t>
-            </a:r>
-            <a:r>
-              <a:rPr lang="en-US" sz="1600" dirty="0"/>
-              <a:t>Web Safe Fonts.</a:t>
-            </a:r>
-          </a:p>
-          <a:p>
-            <a:pPr lvl="0"/>
-            <a:endParaRPr lang="en-US" sz="1600" dirty="0"/>
-          </a:p>
-          <a:p>
-            <a:pPr lvl="0"/>
-            <a:r>
-              <a:rPr lang="en-US" sz="1600" dirty="0"/>
-              <a:t>Web safe fonts – </a:t>
-            </a:r>
-            <a:r>
-              <a:rPr lang="bg-BG" sz="1600" dirty="0"/>
-              <a:t>достъпни са до голям набор от операционни системи</a:t>
-            </a:r>
-            <a:r>
-              <a:rPr lang="en-US" sz="1600" dirty="0"/>
-              <a:t>, </a:t>
-            </a:r>
-            <a:r>
-              <a:rPr lang="bg-BG" sz="1600" dirty="0"/>
-              <a:t>инсталирани са </a:t>
-            </a:r>
-          </a:p>
-          <a:p>
-            <a:pPr lvl="0"/>
-            <a:r>
-              <a:rPr lang="bg-BG" sz="1600" dirty="0"/>
-              <a:t>предварително и служат като </a:t>
-            </a:r>
-            <a:r>
-              <a:rPr lang="en-US" sz="1600" i="1" dirty="0"/>
-              <a:t>fallback*</a:t>
-            </a:r>
-            <a:r>
-              <a:rPr lang="bg-BG" sz="1600" i="1" dirty="0"/>
-              <a:t>.</a:t>
-            </a:r>
-          </a:p>
-          <a:p>
-            <a:pPr lvl="0"/>
-            <a:endParaRPr lang="bg-BG" sz="1600" i="1" dirty="0"/>
-          </a:p>
-          <a:p>
-            <a:pPr lvl="0"/>
-            <a:r>
-              <a:rPr lang="en-US" sz="1600" i="1" dirty="0"/>
-              <a:t>Arial, Helvetica, Times New Roman, Courier, Courier New,</a:t>
-            </a:r>
-            <a:r>
-              <a:rPr lang="bg-BG" sz="1600" i="1" dirty="0"/>
-              <a:t> </a:t>
-            </a:r>
-            <a:r>
-              <a:rPr lang="en-US" sz="1600" i="1" dirty="0"/>
-              <a:t>Verdana, Georgia…</a:t>
-            </a:r>
-          </a:p>
-          <a:p>
-            <a:pPr lvl="0"/>
-            <a:endParaRPr lang="en-US" sz="1600" i="1" dirty="0"/>
-          </a:p>
-          <a:p>
-            <a:pPr lvl="0"/>
-            <a:r>
-              <a:rPr lang="en-US" sz="1600" dirty="0"/>
-              <a:t>font-family – CSS property</a:t>
-            </a:r>
-            <a:r>
-              <a:rPr lang="bg-BG" sz="1600" dirty="0"/>
-              <a:t> което дефинира шрифта на даден елемент.</a:t>
-            </a:r>
-          </a:p>
-        </p:txBody>
-      </p:sp>
-    </p:spTree>
-    <p:extLst>
-      <p:ext uri="{BB962C8B-B14F-4D97-AF65-F5344CB8AC3E}">
-        <p14:creationId xmlns:p14="http://schemas.microsoft.com/office/powerpoint/2010/main" val="1811356512"/>
-      </p:ext>
-    </p:extLst>
-  </p:cSld>
-  <p:clrMapOvr>
-    <a:masterClrMapping/>
-  </p:clrMapOvr>
-</p:sld>
-</file>
-
-<file path=ppt/slides/slide5.xml><?xml version="1.0" encoding="utf-8"?>
-<p:sld xmlns:a="http://schemas.openxmlformats.org/drawingml/2006/main" xmlns:r="http://schemas.openxmlformats.org/officeDocument/2006/relationships" xmlns:p="http://schemas.openxmlformats.org/presentationml/2006/main">
-  <p:cSld>
-    <p:bg>
-      <p:bgPr>
-        <a:blipFill dpi="0" rotWithShape="1">
-          <a:blip r:embed="rId3">
-            <a:lum/>
-          </a:blip>
-          <a:srcRect/>
-          <a:stretch>
-            <a:fillRect/>
-          </a:stretch>
-        </a:blipFill>
-        <a:effectLst/>
-      </p:bgPr>
-    </p:bg>
-    <p:spTree>
-      <p:nvGrpSpPr>
-        <p:cNvPr id="1" name=""/>
-        <p:cNvGrpSpPr/>
-        <p:nvPr/>
-      </p:nvGrpSpPr>
-      <p:grpSpPr>
-        <a:xfrm>
-          <a:off x="0" y="0"/>
-          <a:ext cx="0" cy="0"/>
-          <a:chOff x="0" y="0"/>
-          <a:chExt cx="0" cy="0"/>
-        </a:xfrm>
-      </p:grpSpPr>
-      <p:sp>
-        <p:nvSpPr>
-          <p:cNvPr id="39" name="Rectangle 38">
-            <a:extLst>
-              <a:ext uri="{FF2B5EF4-FFF2-40B4-BE49-F238E27FC236}">
-                <a16:creationId xmlns:a16="http://schemas.microsoft.com/office/drawing/2014/main" id="{C1C163D1-85A2-4643-BA3C-22035ECBF6E9}"/>
-              </a:ext>
-            </a:extLst>
-          </p:cNvPr>
-          <p:cNvSpPr/>
-          <p:nvPr/>
-        </p:nvSpPr>
-        <p:spPr>
-          <a:xfrm>
-            <a:off x="7210970" y="0"/>
-            <a:ext cx="1933031" cy="356965"/>
-          </a:xfrm>
-          <a:prstGeom prst="rect">
-            <a:avLst/>
-          </a:prstGeom>
-          <a:solidFill>
-            <a:srgbClr val="0F7792">
-              <a:alpha val="50196"/>
-            </a:srgbClr>
-          </a:solidFill>
-          <a:ln>
-            <a:noFill/>
-          </a:ln>
-        </p:spPr>
-        <p:style>
-          <a:lnRef idx="2">
-            <a:schemeClr val="accent1">
-              <a:shade val="50000"/>
-            </a:schemeClr>
-          </a:lnRef>
-          <a:fillRef idx="1">
-            <a:schemeClr val="accent1"/>
-          </a:fillRef>
-          <a:effectRef idx="0">
-            <a:schemeClr val="accent1"/>
-          </a:effectRef>
-          <a:fontRef idx="minor">
-            <a:schemeClr val="lt1"/>
-          </a:fontRef>
-        </p:style>
-        <p:txBody>
-          <a:bodyPr rtlCol="0" anchor="ctr"/>
-          <a:lstStyle/>
-          <a:p>
-            <a:pPr algn="ctr"/>
-            <a:r>
-              <a:rPr lang="en-US" sz="1400" dirty="0"/>
-              <a:t>Font-styles</a:t>
-            </a:r>
-          </a:p>
-        </p:txBody>
-      </p:sp>
-      <p:sp>
-        <p:nvSpPr>
-          <p:cNvPr id="5" name="Rectangle 4">
-            <a:extLst>
-              <a:ext uri="{FF2B5EF4-FFF2-40B4-BE49-F238E27FC236}">
-                <a16:creationId xmlns:a16="http://schemas.microsoft.com/office/drawing/2014/main" id="{12131ED0-4950-475C-B7DC-450FBBF3C54A}"/>
-              </a:ext>
-            </a:extLst>
-          </p:cNvPr>
-          <p:cNvSpPr/>
-          <p:nvPr/>
-        </p:nvSpPr>
-        <p:spPr>
-          <a:xfrm>
-            <a:off x="0" y="0"/>
-            <a:ext cx="4283968" cy="356965"/>
-          </a:xfrm>
-          <a:prstGeom prst="rect">
-            <a:avLst/>
-          </a:prstGeom>
-          <a:solidFill>
-            <a:srgbClr val="0F7792"/>
-          </a:solidFill>
-          <a:ln>
-            <a:noFill/>
-          </a:ln>
-        </p:spPr>
-        <p:style>
-          <a:lnRef idx="2">
-            <a:schemeClr val="accent1">
-              <a:shade val="50000"/>
-            </a:schemeClr>
-          </a:lnRef>
-          <a:fillRef idx="1">
-            <a:schemeClr val="accent1"/>
-          </a:fillRef>
-          <a:effectRef idx="0">
-            <a:schemeClr val="accent1"/>
-          </a:effectRef>
-          <a:fontRef idx="minor">
-            <a:schemeClr val="lt1"/>
-          </a:fontRef>
-        </p:style>
-        <p:txBody>
-          <a:bodyPr rtlCol="0" anchor="ctr"/>
-          <a:lstStyle/>
-          <a:p>
-            <a:pPr algn="ctr"/>
-            <a:endParaRPr lang="en-US"/>
-          </a:p>
-        </p:txBody>
-      </p:sp>
-      <p:sp>
-        <p:nvSpPr>
-          <p:cNvPr id="4" name="TextBox 3">
-            <a:extLst>
-              <a:ext uri="{FF2B5EF4-FFF2-40B4-BE49-F238E27FC236}">
-                <a16:creationId xmlns:a16="http://schemas.microsoft.com/office/drawing/2014/main" id="{DB2A6D78-D3DF-4739-BCDE-EE78ED59B04D}"/>
-              </a:ext>
-            </a:extLst>
-          </p:cNvPr>
-          <p:cNvSpPr txBox="1"/>
-          <p:nvPr/>
-        </p:nvSpPr>
-        <p:spPr>
-          <a:xfrm>
-            <a:off x="89756" y="24634"/>
-            <a:ext cx="4122204" cy="276999"/>
-          </a:xfrm>
-          <a:prstGeom prst="rect">
-            <a:avLst/>
-          </a:prstGeom>
-          <a:noFill/>
-        </p:spPr>
-        <p:txBody>
-          <a:bodyPr wrap="square" rtlCol="0">
-            <a:spAutoFit/>
-          </a:bodyPr>
-          <a:lstStyle/>
-          <a:p>
-            <a:r>
-              <a:rPr lang="en-US" sz="1200" dirty="0">
-                <a:solidFill>
-                  <a:schemeClr val="bg1"/>
-                </a:solidFill>
-                <a:latin typeface="Verdana" panose="020B0604030504040204" pitchFamily="34" charset="0"/>
-                <a:ea typeface="Verdana" panose="020B0604030504040204" pitchFamily="34" charset="0"/>
-                <a:cs typeface="Verdana" panose="020B0604030504040204" pitchFamily="34" charset="0"/>
-              </a:rPr>
-              <a:t>11. Fonts, SVGs and images</a:t>
-            </a:r>
-            <a:endParaRPr lang="bg-BG" sz="1200" dirty="0">
-              <a:solidFill>
-                <a:schemeClr val="bg1"/>
-              </a:solidFill>
-              <a:latin typeface="Verdana" panose="020B0604030504040204" pitchFamily="34" charset="0"/>
-              <a:ea typeface="Verdana" panose="020B0604030504040204" pitchFamily="34" charset="0"/>
-              <a:cs typeface="Verdana" panose="020B0604030504040204" pitchFamily="34" charset="0"/>
-            </a:endParaRPr>
-          </a:p>
-        </p:txBody>
-      </p:sp>
-      <p:sp>
-        <p:nvSpPr>
-          <p:cNvPr id="8" name="TextBox 7">
-            <a:extLst>
-              <a:ext uri="{FF2B5EF4-FFF2-40B4-BE49-F238E27FC236}">
-                <a16:creationId xmlns:a16="http://schemas.microsoft.com/office/drawing/2014/main" id="{2374E9AE-8D65-4C85-A4AC-BBB9AA519202}"/>
-              </a:ext>
-            </a:extLst>
-          </p:cNvPr>
-          <p:cNvSpPr txBox="1"/>
-          <p:nvPr/>
-        </p:nvSpPr>
-        <p:spPr>
-          <a:xfrm>
-            <a:off x="8959271" y="43105"/>
-            <a:ext cx="184730" cy="646331"/>
-          </a:xfrm>
-          <a:prstGeom prst="rect">
-            <a:avLst/>
-          </a:prstGeom>
-          <a:noFill/>
-        </p:spPr>
-        <p:txBody>
-          <a:bodyPr wrap="none" rtlCol="0">
-            <a:spAutoFit/>
-          </a:bodyPr>
-          <a:lstStyle/>
-          <a:p>
-            <a:pPr algn="r"/>
-            <a:endParaRPr lang="bg-BG" sz="1200" dirty="0">
-              <a:solidFill>
-                <a:schemeClr val="bg1">
-                  <a:lumMod val="95000"/>
-                </a:schemeClr>
-              </a:solidFill>
-            </a:endParaRPr>
-          </a:p>
-          <a:p>
-            <a:pPr algn="r"/>
-            <a:endParaRPr lang="en-US" sz="1200" dirty="0">
-              <a:solidFill>
-                <a:schemeClr val="bg1">
-                  <a:lumMod val="95000"/>
-                </a:schemeClr>
-              </a:solidFill>
-            </a:endParaRPr>
-          </a:p>
-          <a:p>
-            <a:pPr algn="r"/>
-            <a:endParaRPr lang="en-US" sz="1200" b="1" dirty="0">
-              <a:solidFill>
-                <a:schemeClr val="bg1"/>
-              </a:solidFill>
-            </a:endParaRPr>
-          </a:p>
-        </p:txBody>
-      </p:sp>
-      <p:sp>
-        <p:nvSpPr>
-          <p:cNvPr id="47" name="Rectangle: Rounded Corners 5">
-            <a:extLst>
-              <a:ext uri="{FF2B5EF4-FFF2-40B4-BE49-F238E27FC236}">
-                <a16:creationId xmlns:a16="http://schemas.microsoft.com/office/drawing/2014/main" id="{682EAE92-D6DF-494B-9CC1-FF2B7145CC2C}"/>
-              </a:ext>
-            </a:extLst>
-          </p:cNvPr>
-          <p:cNvSpPr/>
-          <p:nvPr/>
-        </p:nvSpPr>
-        <p:spPr>
-          <a:xfrm>
-            <a:off x="323528" y="605860"/>
-            <a:ext cx="8496944" cy="504056"/>
-          </a:xfrm>
-          <a:prstGeom prst="roundRect">
-            <a:avLst/>
-          </a:prstGeom>
-          <a:solidFill>
-            <a:srgbClr val="127994"/>
-          </a:solidFill>
-          <a:ln>
-            <a:noFill/>
-          </a:ln>
-          <a:effectLst>
-            <a:outerShdw blurRad="50800" dist="38100" dir="5400000" algn="t" rotWithShape="0">
-              <a:prstClr val="black">
-                <a:alpha val="40000"/>
-              </a:prstClr>
-            </a:outerShdw>
-          </a:effectLst>
-        </p:spPr>
-        <p:style>
-          <a:lnRef idx="2">
-            <a:schemeClr val="accent1">
-              <a:shade val="50000"/>
-            </a:schemeClr>
-          </a:lnRef>
-          <a:fillRef idx="1">
-            <a:schemeClr val="accent1"/>
-          </a:fillRef>
-          <a:effectRef idx="0">
-            <a:schemeClr val="accent1"/>
-          </a:effectRef>
-          <a:fontRef idx="minor">
-            <a:schemeClr val="lt1"/>
-          </a:fontRef>
-        </p:style>
-        <p:txBody>
-          <a:bodyPr rtlCol="0" anchor="ctr"/>
-          <a:lstStyle/>
-          <a:p>
-            <a:pPr algn="ctr"/>
-            <a:r>
-              <a:rPr lang="en-US" dirty="0"/>
-              <a:t>Serif &amp; Sans-serif</a:t>
-            </a:r>
-            <a:endParaRPr lang="bg-BG" dirty="0"/>
-          </a:p>
-        </p:txBody>
-      </p:sp>
-      <p:sp>
-        <p:nvSpPr>
-          <p:cNvPr id="7" name="TextBox 6">
-            <a:extLst>
-              <a:ext uri="{FF2B5EF4-FFF2-40B4-BE49-F238E27FC236}">
-                <a16:creationId xmlns:a16="http://schemas.microsoft.com/office/drawing/2014/main" id="{7AF72468-919C-4184-B207-7B8877AA2381}"/>
-              </a:ext>
-            </a:extLst>
-          </p:cNvPr>
-          <p:cNvSpPr txBox="1"/>
-          <p:nvPr/>
-        </p:nvSpPr>
-        <p:spPr>
-          <a:xfrm>
-            <a:off x="323528" y="1417340"/>
-            <a:ext cx="8747138" cy="3416320"/>
-          </a:xfrm>
-          <a:prstGeom prst="rect">
-            <a:avLst/>
-          </a:prstGeom>
-          <a:noFill/>
-        </p:spPr>
-        <p:txBody>
-          <a:bodyPr wrap="none" rtlCol="0">
-            <a:spAutoFit/>
-          </a:bodyPr>
-          <a:lstStyle/>
-          <a:p>
-            <a:r>
-              <a:rPr lang="bg-BG" dirty="0"/>
-              <a:t>Малките детайли завършващи буквите са известни като </a:t>
-            </a:r>
-            <a:r>
-              <a:rPr lang="en-US" dirty="0"/>
-              <a:t>“serifs”.</a:t>
-            </a:r>
-          </a:p>
-          <a:p>
-            <a:endParaRPr lang="en-US" dirty="0"/>
-          </a:p>
-          <a:p>
-            <a:r>
-              <a:rPr lang="bg-BG" dirty="0"/>
-              <a:t>Кога и защо да използваме </a:t>
-            </a:r>
-            <a:r>
-              <a:rPr lang="en-US" dirty="0"/>
-              <a:t>serif/sans serif </a:t>
-            </a:r>
-            <a:r>
-              <a:rPr lang="bg-BG" dirty="0"/>
-              <a:t>шрифтове?</a:t>
-            </a:r>
-            <a:endParaRPr lang="en-US" dirty="0"/>
-          </a:p>
-          <a:p>
-            <a:endParaRPr lang="en-US" dirty="0"/>
-          </a:p>
-          <a:p>
-            <a:r>
-              <a:rPr lang="bg-BG" i="1" dirty="0"/>
-              <a:t>Най-добрият избор на шрифтове е този, който не се забелязва от потребителя : )</a:t>
-            </a:r>
-          </a:p>
-          <a:p>
-            <a:endParaRPr lang="bg-BG" i="1" dirty="0"/>
-          </a:p>
-          <a:p>
-            <a:r>
-              <a:rPr lang="bg-BG" dirty="0"/>
-              <a:t>Серифните букви заради детайлите си са по-различими и лесни за разпознаване. </a:t>
-            </a:r>
-          </a:p>
-          <a:p>
-            <a:r>
-              <a:rPr lang="bg-BG" dirty="0"/>
-              <a:t>Използват се най-често в лога и хедъри. В големи блокове от текст обаче те действат</a:t>
-            </a:r>
-          </a:p>
-          <a:p>
-            <a:r>
-              <a:rPr lang="bg-BG" dirty="0"/>
-              <a:t>заблуждаващо за нашия мозък и четенето е по-трудно.</a:t>
-            </a:r>
-          </a:p>
-          <a:p>
-            <a:endParaRPr lang="bg-BG" dirty="0"/>
-          </a:p>
-          <a:p>
-            <a:r>
-              <a:rPr lang="bg-BG" dirty="0"/>
-              <a:t>Шрифтовете без серифи са подходящи за </a:t>
-            </a:r>
-            <a:r>
-              <a:rPr lang="en-US" dirty="0"/>
-              <a:t>web </a:t>
-            </a:r>
-            <a:r>
-              <a:rPr lang="bg-BG" dirty="0"/>
-              <a:t>и по специално за големи блокове от </a:t>
-            </a:r>
-          </a:p>
-          <a:p>
-            <a:r>
-              <a:rPr lang="bg-BG" dirty="0"/>
-              <a:t>ситен текст.</a:t>
-            </a:r>
-          </a:p>
-        </p:txBody>
-      </p:sp>
-    </p:spTree>
-    <p:extLst>
-      <p:ext uri="{BB962C8B-B14F-4D97-AF65-F5344CB8AC3E}">
-        <p14:creationId xmlns:p14="http://schemas.microsoft.com/office/powerpoint/2010/main" val="4113195255"/>
-      </p:ext>
-    </p:extLst>
-  </p:cSld>
-  <p:clrMapOvr>
-    <a:masterClrMapping/>
-  </p:clrMapOvr>
-</p:sld>
-</file>
-
-<file path=ppt/slides/slide6.xml><?xml version="1.0" encoding="utf-8"?>
-<p:sld xmlns:a="http://schemas.openxmlformats.org/drawingml/2006/main" xmlns:r="http://schemas.openxmlformats.org/officeDocument/2006/relationships" xmlns:p="http://schemas.openxmlformats.org/presentationml/2006/main">
-  <p:cSld>
-    <p:bg>
-      <p:bgPr>
-        <a:blipFill dpi="0" rotWithShape="1">
-          <a:blip r:embed="rId3">
-            <a:lum/>
-          </a:blip>
-          <a:srcRect/>
-          <a:stretch>
-            <a:fillRect/>
-          </a:stretch>
-        </a:blipFill>
-        <a:effectLst/>
-      </p:bgPr>
-    </p:bg>
-    <p:spTree>
-      <p:nvGrpSpPr>
-        <p:cNvPr id="1" name=""/>
-        <p:cNvGrpSpPr/>
-        <p:nvPr/>
-      </p:nvGrpSpPr>
-      <p:grpSpPr>
-        <a:xfrm>
-          <a:off x="0" y="0"/>
-          <a:ext cx="0" cy="0"/>
-          <a:chOff x="0" y="0"/>
-          <a:chExt cx="0" cy="0"/>
-        </a:xfrm>
-      </p:grpSpPr>
-      <p:sp>
-        <p:nvSpPr>
-          <p:cNvPr id="39" name="Rectangle 38">
-            <a:extLst>
-              <a:ext uri="{FF2B5EF4-FFF2-40B4-BE49-F238E27FC236}">
-                <a16:creationId xmlns:a16="http://schemas.microsoft.com/office/drawing/2014/main" id="{C1C163D1-85A2-4643-BA3C-22035ECBF6E9}"/>
-              </a:ext>
-            </a:extLst>
-          </p:cNvPr>
-          <p:cNvSpPr/>
-          <p:nvPr/>
-        </p:nvSpPr>
-        <p:spPr>
-          <a:xfrm>
-            <a:off x="7210970" y="0"/>
-            <a:ext cx="1933031" cy="356965"/>
-          </a:xfrm>
-          <a:prstGeom prst="rect">
-            <a:avLst/>
-          </a:prstGeom>
-          <a:solidFill>
-            <a:srgbClr val="0F7792">
-              <a:alpha val="50196"/>
-            </a:srgbClr>
-          </a:solidFill>
-          <a:ln>
-            <a:noFill/>
-          </a:ln>
-        </p:spPr>
-        <p:style>
-          <a:lnRef idx="2">
-            <a:schemeClr val="accent1">
-              <a:shade val="50000"/>
-            </a:schemeClr>
-          </a:lnRef>
-          <a:fillRef idx="1">
-            <a:schemeClr val="accent1"/>
-          </a:fillRef>
-          <a:effectRef idx="0">
-            <a:schemeClr val="accent1"/>
-          </a:effectRef>
-          <a:fontRef idx="minor">
-            <a:schemeClr val="lt1"/>
-          </a:fontRef>
-        </p:style>
-        <p:txBody>
-          <a:bodyPr rtlCol="0" anchor="ctr"/>
-          <a:lstStyle/>
-          <a:p>
-            <a:pPr algn="ctr"/>
-            <a:r>
-              <a:rPr lang="en-US" sz="1400" dirty="0"/>
-              <a:t>Font-styles</a:t>
-            </a:r>
-          </a:p>
-        </p:txBody>
-      </p:sp>
-      <p:sp>
-        <p:nvSpPr>
-          <p:cNvPr id="5" name="Rectangle 4">
-            <a:extLst>
-              <a:ext uri="{FF2B5EF4-FFF2-40B4-BE49-F238E27FC236}">
-                <a16:creationId xmlns:a16="http://schemas.microsoft.com/office/drawing/2014/main" id="{12131ED0-4950-475C-B7DC-450FBBF3C54A}"/>
-              </a:ext>
-            </a:extLst>
-          </p:cNvPr>
-          <p:cNvSpPr/>
-          <p:nvPr/>
-        </p:nvSpPr>
-        <p:spPr>
-          <a:xfrm>
-            <a:off x="0" y="0"/>
-            <a:ext cx="4283968" cy="356965"/>
-          </a:xfrm>
-          <a:prstGeom prst="rect">
-            <a:avLst/>
-          </a:prstGeom>
-          <a:solidFill>
-            <a:srgbClr val="0F7792"/>
-          </a:solidFill>
-          <a:ln>
-            <a:noFill/>
-          </a:ln>
-        </p:spPr>
-        <p:style>
-          <a:lnRef idx="2">
-            <a:schemeClr val="accent1">
-              <a:shade val="50000"/>
-            </a:schemeClr>
-          </a:lnRef>
-          <a:fillRef idx="1">
-            <a:schemeClr val="accent1"/>
-          </a:fillRef>
-          <a:effectRef idx="0">
-            <a:schemeClr val="accent1"/>
-          </a:effectRef>
-          <a:fontRef idx="minor">
-            <a:schemeClr val="lt1"/>
-          </a:fontRef>
-        </p:style>
-        <p:txBody>
-          <a:bodyPr rtlCol="0" anchor="ctr"/>
-          <a:lstStyle/>
-          <a:p>
-            <a:pPr algn="ctr"/>
-            <a:endParaRPr lang="en-US"/>
-          </a:p>
-        </p:txBody>
-      </p:sp>
-      <p:sp>
-        <p:nvSpPr>
-          <p:cNvPr id="4" name="TextBox 3">
-            <a:extLst>
-              <a:ext uri="{FF2B5EF4-FFF2-40B4-BE49-F238E27FC236}">
-                <a16:creationId xmlns:a16="http://schemas.microsoft.com/office/drawing/2014/main" id="{DB2A6D78-D3DF-4739-BCDE-EE78ED59B04D}"/>
-              </a:ext>
-            </a:extLst>
-          </p:cNvPr>
-          <p:cNvSpPr txBox="1"/>
-          <p:nvPr/>
-        </p:nvSpPr>
-        <p:spPr>
-          <a:xfrm>
-            <a:off x="89756" y="24634"/>
-            <a:ext cx="4122204" cy="276999"/>
-          </a:xfrm>
-          <a:prstGeom prst="rect">
-            <a:avLst/>
-          </a:prstGeom>
-          <a:noFill/>
-        </p:spPr>
-        <p:txBody>
-          <a:bodyPr wrap="square" rtlCol="0">
-            <a:spAutoFit/>
-          </a:bodyPr>
-          <a:lstStyle/>
-          <a:p>
-            <a:r>
-              <a:rPr lang="en-US" sz="1200" dirty="0">
-                <a:solidFill>
-                  <a:schemeClr val="bg1"/>
-                </a:solidFill>
-                <a:latin typeface="Verdana" panose="020B0604030504040204" pitchFamily="34" charset="0"/>
-                <a:ea typeface="Verdana" panose="020B0604030504040204" pitchFamily="34" charset="0"/>
-                <a:cs typeface="Verdana" panose="020B0604030504040204" pitchFamily="34" charset="0"/>
-              </a:rPr>
-              <a:t>11. Fonts, SVGs and images</a:t>
-            </a:r>
-            <a:endParaRPr lang="bg-BG" sz="1200" dirty="0">
-              <a:solidFill>
-                <a:schemeClr val="bg1"/>
-              </a:solidFill>
-              <a:latin typeface="Verdana" panose="020B0604030504040204" pitchFamily="34" charset="0"/>
-              <a:ea typeface="Verdana" panose="020B0604030504040204" pitchFamily="34" charset="0"/>
-              <a:cs typeface="Verdana" panose="020B0604030504040204" pitchFamily="34" charset="0"/>
-            </a:endParaRPr>
-          </a:p>
-        </p:txBody>
-      </p:sp>
-      <p:sp>
-        <p:nvSpPr>
-          <p:cNvPr id="8" name="TextBox 7">
-            <a:extLst>
-              <a:ext uri="{FF2B5EF4-FFF2-40B4-BE49-F238E27FC236}">
-                <a16:creationId xmlns:a16="http://schemas.microsoft.com/office/drawing/2014/main" id="{2374E9AE-8D65-4C85-A4AC-BBB9AA519202}"/>
-              </a:ext>
-            </a:extLst>
-          </p:cNvPr>
-          <p:cNvSpPr txBox="1"/>
-          <p:nvPr/>
-        </p:nvSpPr>
-        <p:spPr>
-          <a:xfrm>
-            <a:off x="8959271" y="43105"/>
-            <a:ext cx="184730" cy="646331"/>
-          </a:xfrm>
-          <a:prstGeom prst="rect">
-            <a:avLst/>
-          </a:prstGeom>
-          <a:noFill/>
-        </p:spPr>
-        <p:txBody>
-          <a:bodyPr wrap="none" rtlCol="0">
-            <a:spAutoFit/>
-          </a:bodyPr>
-          <a:lstStyle/>
-          <a:p>
-            <a:pPr algn="r"/>
-            <a:endParaRPr lang="bg-BG" sz="1200" dirty="0">
-              <a:solidFill>
-                <a:schemeClr val="bg1">
-                  <a:lumMod val="95000"/>
-                </a:schemeClr>
-              </a:solidFill>
-            </a:endParaRPr>
-          </a:p>
-          <a:p>
-            <a:pPr algn="r"/>
-            <a:endParaRPr lang="en-US" sz="1200" dirty="0">
-              <a:solidFill>
-                <a:schemeClr val="bg1">
-                  <a:lumMod val="95000"/>
-                </a:schemeClr>
-              </a:solidFill>
-            </a:endParaRPr>
-          </a:p>
-          <a:p>
-            <a:pPr algn="r"/>
-            <a:endParaRPr lang="en-US" sz="1200" b="1" dirty="0">
-              <a:solidFill>
-                <a:schemeClr val="bg1"/>
-              </a:solidFill>
-            </a:endParaRPr>
-          </a:p>
-        </p:txBody>
-      </p:sp>
-      <p:sp>
-        <p:nvSpPr>
-          <p:cNvPr id="47" name="Rectangle: Rounded Corners 5">
-            <a:extLst>
-              <a:ext uri="{FF2B5EF4-FFF2-40B4-BE49-F238E27FC236}">
-                <a16:creationId xmlns:a16="http://schemas.microsoft.com/office/drawing/2014/main" id="{682EAE92-D6DF-494B-9CC1-FF2B7145CC2C}"/>
-              </a:ext>
-            </a:extLst>
-          </p:cNvPr>
-          <p:cNvSpPr/>
-          <p:nvPr/>
-        </p:nvSpPr>
-        <p:spPr>
-          <a:xfrm>
-            <a:off x="323528" y="605860"/>
-            <a:ext cx="8496944" cy="504056"/>
-          </a:xfrm>
-          <a:prstGeom prst="roundRect">
-            <a:avLst/>
-          </a:prstGeom>
-          <a:solidFill>
-            <a:srgbClr val="127994"/>
-          </a:solidFill>
-          <a:ln>
-            <a:noFill/>
-          </a:ln>
-          <a:effectLst>
-            <a:outerShdw blurRad="50800" dist="38100" dir="5400000" algn="t" rotWithShape="0">
-              <a:prstClr val="black">
-                <a:alpha val="40000"/>
-              </a:prstClr>
-            </a:outerShdw>
-          </a:effectLst>
-        </p:spPr>
-        <p:style>
-          <a:lnRef idx="2">
-            <a:schemeClr val="accent1">
-              <a:shade val="50000"/>
-            </a:schemeClr>
-          </a:lnRef>
-          <a:fillRef idx="1">
-            <a:schemeClr val="accent1"/>
-          </a:fillRef>
-          <a:effectRef idx="0">
-            <a:schemeClr val="accent1"/>
-          </a:effectRef>
-          <a:fontRef idx="minor">
-            <a:schemeClr val="lt1"/>
-          </a:fontRef>
-        </p:style>
-        <p:txBody>
-          <a:bodyPr rtlCol="0" anchor="ctr"/>
-          <a:lstStyle/>
-          <a:p>
-            <a:pPr algn="ctr"/>
-            <a:r>
-              <a:rPr lang="en-US" dirty="0"/>
-              <a:t>Serif &amp; Sans-serif</a:t>
-            </a:r>
-            <a:endParaRPr lang="bg-BG" dirty="0"/>
-          </a:p>
-        </p:txBody>
-      </p:sp>
-      <p:pic>
-        <p:nvPicPr>
-          <p:cNvPr id="6" name="Picture 5">
-            <a:extLst>
-              <a:ext uri="{FF2B5EF4-FFF2-40B4-BE49-F238E27FC236}">
-                <a16:creationId xmlns:a16="http://schemas.microsoft.com/office/drawing/2014/main" id="{D7862685-A834-4C9F-88F3-E6560946C568}"/>
-              </a:ext>
-            </a:extLst>
-          </p:cNvPr>
-          <p:cNvPicPr>
-            <a:picLocks noChangeAspect="1"/>
-          </p:cNvPicPr>
-          <p:nvPr/>
-        </p:nvPicPr>
-        <p:blipFill>
-          <a:blip r:embed="rId4">
-            <a:extLst>
-              <a:ext uri="{28A0092B-C50C-407E-A947-70E740481C1C}">
-                <a14:useLocalDpi xmlns:a14="http://schemas.microsoft.com/office/drawing/2010/main" val="0"/>
-              </a:ext>
-            </a:extLst>
-          </a:blip>
-          <a:stretch>
-            <a:fillRect/>
-          </a:stretch>
-        </p:blipFill>
-        <p:spPr>
-          <a:xfrm>
-            <a:off x="611560" y="1358811"/>
-            <a:ext cx="7812360" cy="3124944"/>
-          </a:xfrm>
-          <a:prstGeom prst="rect">
-            <a:avLst/>
-          </a:prstGeom>
-        </p:spPr>
-      </p:pic>
-    </p:spTree>
-    <p:extLst>
-      <p:ext uri="{BB962C8B-B14F-4D97-AF65-F5344CB8AC3E}">
-        <p14:creationId xmlns:p14="http://schemas.microsoft.com/office/powerpoint/2010/main" val="57485694"/>
-      </p:ext>
-    </p:extLst>
-  </p:cSld>
-  <p:clrMapOvr>
-    <a:masterClrMapping/>
-  </p:clrMapOvr>
-</p:sld>
-</file>
-
-<file path=ppt/slides/slide7.xml><?xml version="1.0" encoding="utf-8"?>
-<p:sld xmlns:a="http://schemas.openxmlformats.org/drawingml/2006/main" xmlns:r="http://schemas.openxmlformats.org/officeDocument/2006/relationships" xmlns:p="http://schemas.openxmlformats.org/presentationml/2006/main">
-  <p:cSld>
-    <p:bg>
-      <p:bgPr>
-        <a:blipFill dpi="0" rotWithShape="1">
-          <a:blip r:embed="rId3">
-            <a:lum/>
-          </a:blip>
-          <a:srcRect/>
-          <a:stretch>
-            <a:fillRect/>
-          </a:stretch>
-        </a:blipFill>
-        <a:effectLst/>
-      </p:bgPr>
-    </p:bg>
-    <p:spTree>
-      <p:nvGrpSpPr>
-        <p:cNvPr id="1" name=""/>
-        <p:cNvGrpSpPr/>
-        <p:nvPr/>
-      </p:nvGrpSpPr>
-      <p:grpSpPr>
-        <a:xfrm>
-          <a:off x="0" y="0"/>
-          <a:ext cx="0" cy="0"/>
-          <a:chOff x="0" y="0"/>
-          <a:chExt cx="0" cy="0"/>
-        </a:xfrm>
-      </p:grpSpPr>
-      <p:sp>
-        <p:nvSpPr>
-          <p:cNvPr id="39" name="Rectangle 38">
-            <a:extLst>
-              <a:ext uri="{FF2B5EF4-FFF2-40B4-BE49-F238E27FC236}">
-                <a16:creationId xmlns:a16="http://schemas.microsoft.com/office/drawing/2014/main" id="{C1C163D1-85A2-4643-BA3C-22035ECBF6E9}"/>
-              </a:ext>
-            </a:extLst>
-          </p:cNvPr>
-          <p:cNvSpPr/>
-          <p:nvPr/>
-        </p:nvSpPr>
-        <p:spPr>
-          <a:xfrm>
-            <a:off x="7210970" y="0"/>
-            <a:ext cx="1933031" cy="356965"/>
-          </a:xfrm>
-          <a:prstGeom prst="rect">
-            <a:avLst/>
-          </a:prstGeom>
-          <a:solidFill>
-            <a:srgbClr val="0F7792">
-              <a:alpha val="50196"/>
-            </a:srgbClr>
-          </a:solidFill>
-          <a:ln>
-            <a:noFill/>
-          </a:ln>
-        </p:spPr>
-        <p:style>
-          <a:lnRef idx="2">
-            <a:schemeClr val="accent1">
-              <a:shade val="50000"/>
-            </a:schemeClr>
-          </a:lnRef>
-          <a:fillRef idx="1">
-            <a:schemeClr val="accent1"/>
-          </a:fillRef>
-          <a:effectRef idx="0">
-            <a:schemeClr val="accent1"/>
-          </a:effectRef>
-          <a:fontRef idx="minor">
-            <a:schemeClr val="lt1"/>
-          </a:fontRef>
-        </p:style>
-        <p:txBody>
-          <a:bodyPr rtlCol="0" anchor="ctr"/>
-          <a:lstStyle/>
-          <a:p>
-            <a:pPr algn="ctr"/>
-            <a:r>
-              <a:rPr lang="en-US" sz="1400" dirty="0"/>
               <a:t>Font-styles</a:t>
             </a:r>
           </a:p>
@@ -12263,7 +9736,7 @@
 </p:sld>
 </file>
 
-<file path=ppt/slides/slide8.xml><?xml version="1.0" encoding="utf-8"?>
+<file path=ppt/slides/slide11.xml><?xml version="1.0" encoding="utf-8"?>
 <p:sld xmlns:a="http://schemas.openxmlformats.org/drawingml/2006/main" xmlns:r="http://schemas.openxmlformats.org/officeDocument/2006/relationships" xmlns:p="http://schemas.openxmlformats.org/presentationml/2006/main">
   <p:cSld>
     <p:bg>
@@ -12626,7 +10099,7 @@
 </p:sld>
 </file>
 
-<file path=ppt/slides/slide9.xml><?xml version="1.0" encoding="utf-8"?>
+<file path=ppt/slides/slide12.xml><?xml version="1.0" encoding="utf-8"?>
 <p:sld xmlns:a="http://schemas.openxmlformats.org/drawingml/2006/main" xmlns:r="http://schemas.openxmlformats.org/officeDocument/2006/relationships" xmlns:p="http://schemas.openxmlformats.org/presentationml/2006/main">
   <p:cSld>
     <p:bg>
@@ -13105,6 +10578,4317 @@
     <p:extLst>
       <p:ext uri="{BB962C8B-B14F-4D97-AF65-F5344CB8AC3E}">
         <p14:creationId xmlns:p14="http://schemas.microsoft.com/office/powerpoint/2010/main" val="1794377630"/>
+      </p:ext>
+    </p:extLst>
+  </p:cSld>
+  <p:clrMapOvr>
+    <a:masterClrMapping/>
+  </p:clrMapOvr>
+</p:sld>
+</file>
+
+<file path=ppt/slides/slide13.xml><?xml version="1.0" encoding="utf-8"?>
+<p:sld xmlns:a="http://schemas.openxmlformats.org/drawingml/2006/main" xmlns:r="http://schemas.openxmlformats.org/officeDocument/2006/relationships" xmlns:p="http://schemas.openxmlformats.org/presentationml/2006/main">
+  <p:cSld>
+    <p:bg>
+      <p:bgPr>
+        <a:blipFill dpi="0" rotWithShape="1">
+          <a:blip r:embed="rId3">
+            <a:lum/>
+          </a:blip>
+          <a:srcRect/>
+          <a:stretch>
+            <a:fillRect/>
+          </a:stretch>
+        </a:blipFill>
+        <a:effectLst/>
+      </p:bgPr>
+    </p:bg>
+    <p:spTree>
+      <p:nvGrpSpPr>
+        <p:cNvPr id="1" name=""/>
+        <p:cNvGrpSpPr/>
+        <p:nvPr/>
+      </p:nvGrpSpPr>
+      <p:grpSpPr>
+        <a:xfrm>
+          <a:off x="0" y="0"/>
+          <a:ext cx="0" cy="0"/>
+          <a:chOff x="0" y="0"/>
+          <a:chExt cx="0" cy="0"/>
+        </a:xfrm>
+      </p:grpSpPr>
+      <p:sp>
+        <p:nvSpPr>
+          <p:cNvPr id="39" name="Rectangle 38">
+            <a:extLst>
+              <a:ext uri="{FF2B5EF4-FFF2-40B4-BE49-F238E27FC236}">
+                <a16:creationId xmlns:a16="http://schemas.microsoft.com/office/drawing/2014/main" id="{C1C163D1-85A2-4643-BA3C-22035ECBF6E9}"/>
+              </a:ext>
+            </a:extLst>
+          </p:cNvPr>
+          <p:cNvSpPr/>
+          <p:nvPr/>
+        </p:nvSpPr>
+        <p:spPr>
+          <a:xfrm>
+            <a:off x="7210970" y="0"/>
+            <a:ext cx="1933031" cy="356965"/>
+          </a:xfrm>
+          <a:prstGeom prst="rect">
+            <a:avLst/>
+          </a:prstGeom>
+          <a:solidFill>
+            <a:srgbClr val="0F7792">
+              <a:alpha val="50196"/>
+            </a:srgbClr>
+          </a:solidFill>
+          <a:ln>
+            <a:noFill/>
+          </a:ln>
+        </p:spPr>
+        <p:style>
+          <a:lnRef idx="2">
+            <a:schemeClr val="accent1">
+              <a:shade val="50000"/>
+            </a:schemeClr>
+          </a:lnRef>
+          <a:fillRef idx="1">
+            <a:schemeClr val="accent1"/>
+          </a:fillRef>
+          <a:effectRef idx="0">
+            <a:schemeClr val="accent1"/>
+          </a:effectRef>
+          <a:fontRef idx="minor">
+            <a:schemeClr val="lt1"/>
+          </a:fontRef>
+        </p:style>
+        <p:txBody>
+          <a:bodyPr rtlCol="0" anchor="ctr"/>
+          <a:lstStyle/>
+          <a:p>
+            <a:pPr algn="ctr"/>
+            <a:r>
+              <a:rPr lang="en-US" sz="1400" dirty="0"/>
+              <a:t>Text layout properties</a:t>
+            </a:r>
+          </a:p>
+        </p:txBody>
+      </p:sp>
+      <p:sp>
+        <p:nvSpPr>
+          <p:cNvPr id="5" name="Rectangle 4">
+            <a:extLst>
+              <a:ext uri="{FF2B5EF4-FFF2-40B4-BE49-F238E27FC236}">
+                <a16:creationId xmlns:a16="http://schemas.microsoft.com/office/drawing/2014/main" id="{12131ED0-4950-475C-B7DC-450FBBF3C54A}"/>
+              </a:ext>
+            </a:extLst>
+          </p:cNvPr>
+          <p:cNvSpPr/>
+          <p:nvPr/>
+        </p:nvSpPr>
+        <p:spPr>
+          <a:xfrm>
+            <a:off x="0" y="0"/>
+            <a:ext cx="4283968" cy="356965"/>
+          </a:xfrm>
+          <a:prstGeom prst="rect">
+            <a:avLst/>
+          </a:prstGeom>
+          <a:solidFill>
+            <a:srgbClr val="0F7792"/>
+          </a:solidFill>
+          <a:ln>
+            <a:noFill/>
+          </a:ln>
+        </p:spPr>
+        <p:style>
+          <a:lnRef idx="2">
+            <a:schemeClr val="accent1">
+              <a:shade val="50000"/>
+            </a:schemeClr>
+          </a:lnRef>
+          <a:fillRef idx="1">
+            <a:schemeClr val="accent1"/>
+          </a:fillRef>
+          <a:effectRef idx="0">
+            <a:schemeClr val="accent1"/>
+          </a:effectRef>
+          <a:fontRef idx="minor">
+            <a:schemeClr val="lt1"/>
+          </a:fontRef>
+        </p:style>
+        <p:txBody>
+          <a:bodyPr rtlCol="0" anchor="ctr"/>
+          <a:lstStyle/>
+          <a:p>
+            <a:pPr algn="ctr"/>
+            <a:endParaRPr lang="en-US"/>
+          </a:p>
+        </p:txBody>
+      </p:sp>
+      <p:sp>
+        <p:nvSpPr>
+          <p:cNvPr id="4" name="TextBox 3">
+            <a:extLst>
+              <a:ext uri="{FF2B5EF4-FFF2-40B4-BE49-F238E27FC236}">
+                <a16:creationId xmlns:a16="http://schemas.microsoft.com/office/drawing/2014/main" id="{DB2A6D78-D3DF-4739-BCDE-EE78ED59B04D}"/>
+              </a:ext>
+            </a:extLst>
+          </p:cNvPr>
+          <p:cNvSpPr txBox="1"/>
+          <p:nvPr/>
+        </p:nvSpPr>
+        <p:spPr>
+          <a:xfrm>
+            <a:off x="89756" y="24634"/>
+            <a:ext cx="4122204" cy="276999"/>
+          </a:xfrm>
+          <a:prstGeom prst="rect">
+            <a:avLst/>
+          </a:prstGeom>
+          <a:noFill/>
+        </p:spPr>
+        <p:txBody>
+          <a:bodyPr wrap="square" rtlCol="0">
+            <a:spAutoFit/>
+          </a:bodyPr>
+          <a:lstStyle/>
+          <a:p>
+            <a:r>
+              <a:rPr lang="en-US" sz="1200" dirty="0">
+                <a:solidFill>
+                  <a:schemeClr val="bg1"/>
+                </a:solidFill>
+                <a:latin typeface="Verdana" panose="020B0604030504040204" pitchFamily="34" charset="0"/>
+                <a:ea typeface="Verdana" panose="020B0604030504040204" pitchFamily="34" charset="0"/>
+                <a:cs typeface="Verdana" panose="020B0604030504040204" pitchFamily="34" charset="0"/>
+              </a:rPr>
+              <a:t>11. Fonts, SVGs and images</a:t>
+            </a:r>
+            <a:endParaRPr lang="bg-BG" sz="1200" dirty="0">
+              <a:solidFill>
+                <a:schemeClr val="bg1"/>
+              </a:solidFill>
+              <a:latin typeface="Verdana" panose="020B0604030504040204" pitchFamily="34" charset="0"/>
+              <a:ea typeface="Verdana" panose="020B0604030504040204" pitchFamily="34" charset="0"/>
+              <a:cs typeface="Verdana" panose="020B0604030504040204" pitchFamily="34" charset="0"/>
+            </a:endParaRPr>
+          </a:p>
+        </p:txBody>
+      </p:sp>
+      <p:sp>
+        <p:nvSpPr>
+          <p:cNvPr id="8" name="TextBox 7">
+            <a:extLst>
+              <a:ext uri="{FF2B5EF4-FFF2-40B4-BE49-F238E27FC236}">
+                <a16:creationId xmlns:a16="http://schemas.microsoft.com/office/drawing/2014/main" id="{2374E9AE-8D65-4C85-A4AC-BBB9AA519202}"/>
+              </a:ext>
+            </a:extLst>
+          </p:cNvPr>
+          <p:cNvSpPr txBox="1"/>
+          <p:nvPr/>
+        </p:nvSpPr>
+        <p:spPr>
+          <a:xfrm>
+            <a:off x="8959271" y="43105"/>
+            <a:ext cx="184730" cy="646331"/>
+          </a:xfrm>
+          <a:prstGeom prst="rect">
+            <a:avLst/>
+          </a:prstGeom>
+          <a:noFill/>
+        </p:spPr>
+        <p:txBody>
+          <a:bodyPr wrap="none" rtlCol="0">
+            <a:spAutoFit/>
+          </a:bodyPr>
+          <a:lstStyle/>
+          <a:p>
+            <a:pPr algn="r"/>
+            <a:endParaRPr lang="bg-BG" sz="1200" dirty="0">
+              <a:solidFill>
+                <a:schemeClr val="bg1">
+                  <a:lumMod val="95000"/>
+                </a:schemeClr>
+              </a:solidFill>
+            </a:endParaRPr>
+          </a:p>
+          <a:p>
+            <a:pPr algn="r"/>
+            <a:endParaRPr lang="en-US" sz="1200" dirty="0">
+              <a:solidFill>
+                <a:schemeClr val="bg1">
+                  <a:lumMod val="95000"/>
+                </a:schemeClr>
+              </a:solidFill>
+            </a:endParaRPr>
+          </a:p>
+          <a:p>
+            <a:pPr algn="r"/>
+            <a:endParaRPr lang="en-US" sz="1200" b="1" dirty="0">
+              <a:solidFill>
+                <a:schemeClr val="bg1"/>
+              </a:solidFill>
+            </a:endParaRPr>
+          </a:p>
+        </p:txBody>
+      </p:sp>
+      <p:sp>
+        <p:nvSpPr>
+          <p:cNvPr id="47" name="Rectangle: Rounded Corners 5">
+            <a:extLst>
+              <a:ext uri="{FF2B5EF4-FFF2-40B4-BE49-F238E27FC236}">
+                <a16:creationId xmlns:a16="http://schemas.microsoft.com/office/drawing/2014/main" id="{682EAE92-D6DF-494B-9CC1-FF2B7145CC2C}"/>
+              </a:ext>
+            </a:extLst>
+          </p:cNvPr>
+          <p:cNvSpPr/>
+          <p:nvPr/>
+        </p:nvSpPr>
+        <p:spPr>
+          <a:xfrm>
+            <a:off x="323528" y="605860"/>
+            <a:ext cx="8496944" cy="504056"/>
+          </a:xfrm>
+          <a:prstGeom prst="roundRect">
+            <a:avLst/>
+          </a:prstGeom>
+          <a:solidFill>
+            <a:srgbClr val="127994"/>
+          </a:solidFill>
+          <a:ln>
+            <a:noFill/>
+          </a:ln>
+          <a:effectLst>
+            <a:outerShdw blurRad="50800" dist="38100" dir="5400000" algn="t" rotWithShape="0">
+              <a:prstClr val="black">
+                <a:alpha val="40000"/>
+              </a:prstClr>
+            </a:outerShdw>
+          </a:effectLst>
+        </p:spPr>
+        <p:style>
+          <a:lnRef idx="2">
+            <a:schemeClr val="accent1">
+              <a:shade val="50000"/>
+            </a:schemeClr>
+          </a:lnRef>
+          <a:fillRef idx="1">
+            <a:schemeClr val="accent1"/>
+          </a:fillRef>
+          <a:effectRef idx="0">
+            <a:schemeClr val="accent1"/>
+          </a:effectRef>
+          <a:fontRef idx="minor">
+            <a:schemeClr val="lt1"/>
+          </a:fontRef>
+        </p:style>
+        <p:txBody>
+          <a:bodyPr rtlCol="0" anchor="ctr"/>
+          <a:lstStyle/>
+          <a:p>
+            <a:pPr algn="ctr"/>
+            <a:r>
+              <a:rPr lang="en-US" dirty="0"/>
+              <a:t>Text layout properties</a:t>
+            </a:r>
+          </a:p>
+        </p:txBody>
+      </p:sp>
+      <p:sp>
+        <p:nvSpPr>
+          <p:cNvPr id="2" name="TextBox 1">
+            <a:extLst>
+              <a:ext uri="{FF2B5EF4-FFF2-40B4-BE49-F238E27FC236}">
+                <a16:creationId xmlns:a16="http://schemas.microsoft.com/office/drawing/2014/main" id="{21B16DE5-68B3-49D2-8747-B2AF71C3E7F0}"/>
+              </a:ext>
+            </a:extLst>
+          </p:cNvPr>
+          <p:cNvSpPr txBox="1"/>
+          <p:nvPr/>
+        </p:nvSpPr>
+        <p:spPr>
+          <a:xfrm>
+            <a:off x="323528" y="1201316"/>
+            <a:ext cx="3107582" cy="4031873"/>
+          </a:xfrm>
+          <a:prstGeom prst="rect">
+            <a:avLst/>
+          </a:prstGeom>
+          <a:noFill/>
+        </p:spPr>
+        <p:txBody>
+          <a:bodyPr wrap="none" rtlCol="0">
+            <a:spAutoFit/>
+          </a:bodyPr>
+          <a:lstStyle/>
+          <a:p>
+            <a:r>
+              <a:rPr lang="en-US" sz="1600" dirty="0"/>
+              <a:t>text-align: left, center, right, justify;</a:t>
+            </a:r>
+          </a:p>
+          <a:p>
+            <a:endParaRPr lang="en-US" sz="1600" dirty="0"/>
+          </a:p>
+          <a:p>
+            <a:r>
+              <a:rPr lang="en-US" sz="1600" dirty="0"/>
+              <a:t>line-height;</a:t>
+            </a:r>
+          </a:p>
+          <a:p>
+            <a:endParaRPr lang="en-US" sz="1600" dirty="0"/>
+          </a:p>
+          <a:p>
+            <a:r>
+              <a:rPr lang="en-US" sz="1600" dirty="0"/>
+              <a:t>letter- and word-spacing;</a:t>
+            </a:r>
+          </a:p>
+          <a:p>
+            <a:endParaRPr lang="en-US" sz="1600" dirty="0"/>
+          </a:p>
+          <a:p>
+            <a:r>
+              <a:rPr lang="en-US" sz="1600" dirty="0"/>
+              <a:t>text-indent;</a:t>
+            </a:r>
+          </a:p>
+          <a:p>
+            <a:endParaRPr lang="en-US" sz="1600" dirty="0"/>
+          </a:p>
+          <a:p>
+            <a:r>
+              <a:rPr lang="en-US" sz="1600" dirty="0"/>
+              <a:t>text-overflow;</a:t>
+            </a:r>
+          </a:p>
+          <a:p>
+            <a:endParaRPr lang="en-US" sz="1600" dirty="0"/>
+          </a:p>
+          <a:p>
+            <a:r>
+              <a:rPr lang="en-US" sz="1600" dirty="0"/>
+              <a:t>white-space;</a:t>
+            </a:r>
+          </a:p>
+          <a:p>
+            <a:endParaRPr lang="en-US" sz="1600" dirty="0"/>
+          </a:p>
+          <a:p>
+            <a:r>
+              <a:rPr lang="en-US" sz="1600" dirty="0"/>
+              <a:t>word-break;</a:t>
+            </a:r>
+          </a:p>
+          <a:p>
+            <a:endParaRPr lang="en-US" sz="1600" dirty="0"/>
+          </a:p>
+          <a:p>
+            <a:r>
+              <a:rPr lang="en-US" sz="1600" dirty="0"/>
+              <a:t>word-wrap;</a:t>
+            </a:r>
+          </a:p>
+          <a:p>
+            <a:endParaRPr lang="bg-BG" sz="1600" dirty="0"/>
+          </a:p>
+        </p:txBody>
+      </p:sp>
+    </p:spTree>
+    <p:extLst>
+      <p:ext uri="{BB962C8B-B14F-4D97-AF65-F5344CB8AC3E}">
+        <p14:creationId xmlns:p14="http://schemas.microsoft.com/office/powerpoint/2010/main" val="4078952166"/>
+      </p:ext>
+    </p:extLst>
+  </p:cSld>
+  <p:clrMapOvr>
+    <a:masterClrMapping/>
+  </p:clrMapOvr>
+</p:sld>
+</file>
+
+<file path=ppt/slides/slide14.xml><?xml version="1.0" encoding="utf-8"?>
+<p:sld xmlns:a="http://schemas.openxmlformats.org/drawingml/2006/main" xmlns:r="http://schemas.openxmlformats.org/officeDocument/2006/relationships" xmlns:p="http://schemas.openxmlformats.org/presentationml/2006/main">
+  <p:cSld>
+    <p:bg>
+      <p:bgPr>
+        <a:blipFill dpi="0" rotWithShape="1">
+          <a:blip r:embed="rId3">
+            <a:lum/>
+          </a:blip>
+          <a:srcRect/>
+          <a:stretch>
+            <a:fillRect/>
+          </a:stretch>
+        </a:blipFill>
+        <a:effectLst/>
+      </p:bgPr>
+    </p:bg>
+    <p:spTree>
+      <p:nvGrpSpPr>
+        <p:cNvPr id="1" name=""/>
+        <p:cNvGrpSpPr/>
+        <p:nvPr/>
+      </p:nvGrpSpPr>
+      <p:grpSpPr>
+        <a:xfrm>
+          <a:off x="0" y="0"/>
+          <a:ext cx="0" cy="0"/>
+          <a:chOff x="0" y="0"/>
+          <a:chExt cx="0" cy="0"/>
+        </a:xfrm>
+      </p:grpSpPr>
+      <p:sp>
+        <p:nvSpPr>
+          <p:cNvPr id="5" name="Rectangle 4">
+            <a:extLst>
+              <a:ext uri="{FF2B5EF4-FFF2-40B4-BE49-F238E27FC236}">
+                <a16:creationId xmlns:a16="http://schemas.microsoft.com/office/drawing/2014/main" id="{12131ED0-4950-475C-B7DC-450FBBF3C54A}"/>
+              </a:ext>
+            </a:extLst>
+          </p:cNvPr>
+          <p:cNvSpPr/>
+          <p:nvPr/>
+        </p:nvSpPr>
+        <p:spPr>
+          <a:xfrm>
+            <a:off x="0" y="0"/>
+            <a:ext cx="4283968" cy="356965"/>
+          </a:xfrm>
+          <a:prstGeom prst="rect">
+            <a:avLst/>
+          </a:prstGeom>
+          <a:solidFill>
+            <a:srgbClr val="0F7792"/>
+          </a:solidFill>
+          <a:ln>
+            <a:noFill/>
+          </a:ln>
+        </p:spPr>
+        <p:style>
+          <a:lnRef idx="2">
+            <a:schemeClr val="accent1">
+              <a:shade val="50000"/>
+            </a:schemeClr>
+          </a:lnRef>
+          <a:fillRef idx="1">
+            <a:schemeClr val="accent1"/>
+          </a:fillRef>
+          <a:effectRef idx="0">
+            <a:schemeClr val="accent1"/>
+          </a:effectRef>
+          <a:fontRef idx="minor">
+            <a:schemeClr val="lt1"/>
+          </a:fontRef>
+        </p:style>
+        <p:txBody>
+          <a:bodyPr rtlCol="0" anchor="ctr"/>
+          <a:lstStyle/>
+          <a:p>
+            <a:pPr algn="ctr"/>
+            <a:endParaRPr lang="en-US"/>
+          </a:p>
+        </p:txBody>
+      </p:sp>
+      <p:sp>
+        <p:nvSpPr>
+          <p:cNvPr id="4" name="TextBox 3">
+            <a:extLst>
+              <a:ext uri="{FF2B5EF4-FFF2-40B4-BE49-F238E27FC236}">
+                <a16:creationId xmlns:a16="http://schemas.microsoft.com/office/drawing/2014/main" id="{DB2A6D78-D3DF-4739-BCDE-EE78ED59B04D}"/>
+              </a:ext>
+            </a:extLst>
+          </p:cNvPr>
+          <p:cNvSpPr txBox="1"/>
+          <p:nvPr/>
+        </p:nvSpPr>
+        <p:spPr>
+          <a:xfrm>
+            <a:off x="89756" y="24634"/>
+            <a:ext cx="4122204" cy="276999"/>
+          </a:xfrm>
+          <a:prstGeom prst="rect">
+            <a:avLst/>
+          </a:prstGeom>
+          <a:noFill/>
+        </p:spPr>
+        <p:txBody>
+          <a:bodyPr wrap="square" rtlCol="0">
+            <a:spAutoFit/>
+          </a:bodyPr>
+          <a:lstStyle/>
+          <a:p>
+            <a:r>
+              <a:rPr lang="en-US" sz="1200" dirty="0">
+                <a:solidFill>
+                  <a:schemeClr val="bg1"/>
+                </a:solidFill>
+                <a:latin typeface="Verdana" panose="020B0604030504040204" pitchFamily="34" charset="0"/>
+                <a:ea typeface="Verdana" panose="020B0604030504040204" pitchFamily="34" charset="0"/>
+                <a:cs typeface="Verdana" panose="020B0604030504040204" pitchFamily="34" charset="0"/>
+              </a:rPr>
+              <a:t>11. Fonts, SVGs and images</a:t>
+            </a:r>
+            <a:endParaRPr lang="bg-BG" sz="1200" dirty="0">
+              <a:solidFill>
+                <a:schemeClr val="bg1"/>
+              </a:solidFill>
+              <a:latin typeface="Verdana" panose="020B0604030504040204" pitchFamily="34" charset="0"/>
+              <a:ea typeface="Verdana" panose="020B0604030504040204" pitchFamily="34" charset="0"/>
+              <a:cs typeface="Verdana" panose="020B0604030504040204" pitchFamily="34" charset="0"/>
+            </a:endParaRPr>
+          </a:p>
+        </p:txBody>
+      </p:sp>
+      <p:sp>
+        <p:nvSpPr>
+          <p:cNvPr id="8" name="TextBox 7">
+            <a:extLst>
+              <a:ext uri="{FF2B5EF4-FFF2-40B4-BE49-F238E27FC236}">
+                <a16:creationId xmlns:a16="http://schemas.microsoft.com/office/drawing/2014/main" id="{2374E9AE-8D65-4C85-A4AC-BBB9AA519202}"/>
+              </a:ext>
+            </a:extLst>
+          </p:cNvPr>
+          <p:cNvSpPr txBox="1"/>
+          <p:nvPr/>
+        </p:nvSpPr>
+        <p:spPr>
+          <a:xfrm>
+            <a:off x="8959271" y="43105"/>
+            <a:ext cx="184730" cy="646331"/>
+          </a:xfrm>
+          <a:prstGeom prst="rect">
+            <a:avLst/>
+          </a:prstGeom>
+          <a:noFill/>
+        </p:spPr>
+        <p:txBody>
+          <a:bodyPr wrap="none" rtlCol="0">
+            <a:spAutoFit/>
+          </a:bodyPr>
+          <a:lstStyle/>
+          <a:p>
+            <a:pPr algn="r"/>
+            <a:endParaRPr lang="bg-BG" sz="1200" dirty="0">
+              <a:solidFill>
+                <a:schemeClr val="bg1">
+                  <a:lumMod val="95000"/>
+                </a:schemeClr>
+              </a:solidFill>
+            </a:endParaRPr>
+          </a:p>
+          <a:p>
+            <a:pPr algn="r"/>
+            <a:endParaRPr lang="en-US" sz="1200" dirty="0">
+              <a:solidFill>
+                <a:schemeClr val="bg1">
+                  <a:lumMod val="95000"/>
+                </a:schemeClr>
+              </a:solidFill>
+            </a:endParaRPr>
+          </a:p>
+          <a:p>
+            <a:pPr algn="r"/>
+            <a:endParaRPr lang="en-US" sz="1200" b="1" dirty="0">
+              <a:solidFill>
+                <a:schemeClr val="bg1"/>
+              </a:solidFill>
+            </a:endParaRPr>
+          </a:p>
+        </p:txBody>
+      </p:sp>
+      <p:sp>
+        <p:nvSpPr>
+          <p:cNvPr id="47" name="Rectangle: Rounded Corners 5">
+            <a:extLst>
+              <a:ext uri="{FF2B5EF4-FFF2-40B4-BE49-F238E27FC236}">
+                <a16:creationId xmlns:a16="http://schemas.microsoft.com/office/drawing/2014/main" id="{682EAE92-D6DF-494B-9CC1-FF2B7145CC2C}"/>
+              </a:ext>
+            </a:extLst>
+          </p:cNvPr>
+          <p:cNvSpPr/>
+          <p:nvPr/>
+        </p:nvSpPr>
+        <p:spPr>
+          <a:xfrm>
+            <a:off x="323528" y="605860"/>
+            <a:ext cx="8496944" cy="504056"/>
+          </a:xfrm>
+          <a:prstGeom prst="roundRect">
+            <a:avLst/>
+          </a:prstGeom>
+          <a:solidFill>
+            <a:srgbClr val="127994"/>
+          </a:solidFill>
+          <a:ln>
+            <a:noFill/>
+          </a:ln>
+          <a:effectLst>
+            <a:outerShdw blurRad="50800" dist="38100" dir="5400000" algn="t" rotWithShape="0">
+              <a:prstClr val="black">
+                <a:alpha val="40000"/>
+              </a:prstClr>
+            </a:outerShdw>
+          </a:effectLst>
+        </p:spPr>
+        <p:style>
+          <a:lnRef idx="2">
+            <a:schemeClr val="accent1">
+              <a:shade val="50000"/>
+            </a:schemeClr>
+          </a:lnRef>
+          <a:fillRef idx="1">
+            <a:schemeClr val="accent1"/>
+          </a:fillRef>
+          <a:effectRef idx="0">
+            <a:schemeClr val="accent1"/>
+          </a:effectRef>
+          <a:fontRef idx="minor">
+            <a:schemeClr val="lt1"/>
+          </a:fontRef>
+        </p:style>
+        <p:txBody>
+          <a:bodyPr rtlCol="0" anchor="ctr"/>
+          <a:lstStyle/>
+          <a:p>
+            <a:pPr algn="ctr"/>
+            <a:r>
+              <a:rPr lang="en-US" dirty="0"/>
+              <a:t>Resources</a:t>
+            </a:r>
+          </a:p>
+        </p:txBody>
+      </p:sp>
+      <p:sp>
+        <p:nvSpPr>
+          <p:cNvPr id="2" name="TextBox 1">
+            <a:extLst>
+              <a:ext uri="{FF2B5EF4-FFF2-40B4-BE49-F238E27FC236}">
+                <a16:creationId xmlns:a16="http://schemas.microsoft.com/office/drawing/2014/main" id="{21B16DE5-68B3-49D2-8747-B2AF71C3E7F0}"/>
+              </a:ext>
+            </a:extLst>
+          </p:cNvPr>
+          <p:cNvSpPr txBox="1"/>
+          <p:nvPr/>
+        </p:nvSpPr>
+        <p:spPr>
+          <a:xfrm>
+            <a:off x="323528" y="1201316"/>
+            <a:ext cx="7994561" cy="2831544"/>
+          </a:xfrm>
+          <a:prstGeom prst="rect">
+            <a:avLst/>
+          </a:prstGeom>
+          <a:noFill/>
+        </p:spPr>
+        <p:txBody>
+          <a:bodyPr wrap="none" rtlCol="0">
+            <a:spAutoFit/>
+          </a:bodyPr>
+          <a:lstStyle/>
+          <a:p>
+            <a:r>
+              <a:rPr lang="en-US" sz="1600" dirty="0">
+                <a:hlinkClick r:id="rId4"/>
+              </a:rPr>
+              <a:t>https://fonts.google.com/</a:t>
+            </a:r>
+            <a:endParaRPr lang="en-US" sz="1600" dirty="0"/>
+          </a:p>
+          <a:p>
+            <a:endParaRPr lang="bg-BG" sz="1600" dirty="0"/>
+          </a:p>
+          <a:p>
+            <a:pPr>
+              <a:defRPr/>
+            </a:pPr>
+            <a:r>
+              <a:rPr lang="en-US" sz="1600" dirty="0">
+                <a:hlinkClick r:id="rId5"/>
+              </a:rPr>
+              <a:t>https://developers.google.com/web/fundamentals/design-and-ux/typography/variable-fonts/</a:t>
+            </a:r>
+            <a:endParaRPr lang="en-US" sz="1600" dirty="0"/>
+          </a:p>
+          <a:p>
+            <a:pPr>
+              <a:defRPr/>
+            </a:pPr>
+            <a:endParaRPr lang="en-US" sz="1600" dirty="0"/>
+          </a:p>
+          <a:p>
+            <a:pPr>
+              <a:defRPr/>
+            </a:pPr>
+            <a:r>
+              <a:rPr lang="en-US" sz="1600" dirty="0">
+                <a:hlinkClick r:id="rId6"/>
+              </a:rPr>
+              <a:t>https://www.axis-praxis.org/specimens/__DEFAULT__</a:t>
+            </a:r>
+            <a:endParaRPr lang="en-US" sz="1600" dirty="0"/>
+          </a:p>
+          <a:p>
+            <a:pPr>
+              <a:defRPr/>
+            </a:pPr>
+            <a:endParaRPr lang="en-US" sz="1600" dirty="0"/>
+          </a:p>
+          <a:p>
+            <a:pPr>
+              <a:defRPr/>
+            </a:pPr>
+            <a:r>
+              <a:rPr lang="en-US" sz="1600" dirty="0">
+                <a:hlinkClick r:id="rId7"/>
+              </a:rPr>
+              <a:t>https://www.adobe.com/products/type/opentype.html</a:t>
+            </a:r>
+            <a:endParaRPr lang="en-US" sz="1600" dirty="0"/>
+          </a:p>
+          <a:p>
+            <a:pPr>
+              <a:defRPr/>
+            </a:pPr>
+            <a:endParaRPr lang="en-US" sz="1600" dirty="0"/>
+          </a:p>
+          <a:p>
+            <a:pPr>
+              <a:defRPr/>
+            </a:pPr>
+            <a:r>
+              <a:rPr lang="en-US" sz="1600" dirty="0">
+                <a:hlinkClick r:id="rId8"/>
+              </a:rPr>
+              <a:t>https://css-tricks.com/snippets/css/using-font-face/</a:t>
+            </a:r>
+            <a:endParaRPr lang="en-US" sz="1600" dirty="0"/>
+          </a:p>
+          <a:p>
+            <a:endParaRPr lang="en-US" sz="1600" dirty="0"/>
+          </a:p>
+          <a:p>
+            <a:endParaRPr lang="bg-BG" sz="1600" dirty="0"/>
+          </a:p>
+        </p:txBody>
+      </p:sp>
+    </p:spTree>
+    <p:extLst>
+      <p:ext uri="{BB962C8B-B14F-4D97-AF65-F5344CB8AC3E}">
+        <p14:creationId xmlns:p14="http://schemas.microsoft.com/office/powerpoint/2010/main" val="1444547845"/>
+      </p:ext>
+    </p:extLst>
+  </p:cSld>
+  <p:clrMapOvr>
+    <a:masterClrMapping/>
+  </p:clrMapOvr>
+</p:sld>
+</file>
+
+<file path=ppt/slides/slide2.xml><?xml version="1.0" encoding="utf-8"?>
+<p:sld xmlns:a="http://schemas.openxmlformats.org/drawingml/2006/main" xmlns:r="http://schemas.openxmlformats.org/officeDocument/2006/relationships" xmlns:p="http://schemas.openxmlformats.org/presentationml/2006/main">
+  <p:cSld>
+    <p:bg>
+      <p:bgPr>
+        <a:blipFill dpi="0" rotWithShape="1">
+          <a:blip r:embed="rId3">
+            <a:lum/>
+          </a:blip>
+          <a:srcRect/>
+          <a:stretch>
+            <a:fillRect/>
+          </a:stretch>
+        </a:blipFill>
+        <a:effectLst/>
+      </p:bgPr>
+    </p:bg>
+    <p:spTree>
+      <p:nvGrpSpPr>
+        <p:cNvPr id="1" name=""/>
+        <p:cNvGrpSpPr/>
+        <p:nvPr/>
+      </p:nvGrpSpPr>
+      <p:grpSpPr>
+        <a:xfrm>
+          <a:off x="0" y="0"/>
+          <a:ext cx="0" cy="0"/>
+          <a:chOff x="0" y="0"/>
+          <a:chExt cx="0" cy="0"/>
+        </a:xfrm>
+      </p:grpSpPr>
+      <p:sp>
+        <p:nvSpPr>
+          <p:cNvPr id="39" name="Rectangle 38">
+            <a:extLst>
+              <a:ext uri="{FF2B5EF4-FFF2-40B4-BE49-F238E27FC236}">
+                <a16:creationId xmlns:a16="http://schemas.microsoft.com/office/drawing/2014/main" id="{C1C163D1-85A2-4643-BA3C-22035ECBF6E9}"/>
+              </a:ext>
+            </a:extLst>
+          </p:cNvPr>
+          <p:cNvSpPr/>
+          <p:nvPr/>
+        </p:nvSpPr>
+        <p:spPr>
+          <a:xfrm>
+            <a:off x="7210970" y="0"/>
+            <a:ext cx="1933031" cy="356965"/>
+          </a:xfrm>
+          <a:prstGeom prst="rect">
+            <a:avLst/>
+          </a:prstGeom>
+          <a:solidFill>
+            <a:srgbClr val="0F7792">
+              <a:alpha val="50196"/>
+            </a:srgbClr>
+          </a:solidFill>
+          <a:ln>
+            <a:noFill/>
+          </a:ln>
+        </p:spPr>
+        <p:style>
+          <a:lnRef idx="2">
+            <a:schemeClr val="accent1">
+              <a:shade val="50000"/>
+            </a:schemeClr>
+          </a:lnRef>
+          <a:fillRef idx="1">
+            <a:schemeClr val="accent1"/>
+          </a:fillRef>
+          <a:effectRef idx="0">
+            <a:schemeClr val="accent1"/>
+          </a:effectRef>
+          <a:fontRef idx="minor">
+            <a:schemeClr val="lt1"/>
+          </a:fontRef>
+        </p:style>
+        <p:txBody>
+          <a:bodyPr rtlCol="0" anchor="ctr"/>
+          <a:lstStyle/>
+          <a:p>
+            <a:pPr algn="ctr"/>
+            <a:r>
+              <a:rPr lang="en-US" sz="1400" dirty="0"/>
+              <a:t>Fonts</a:t>
+            </a:r>
+          </a:p>
+        </p:txBody>
+      </p:sp>
+      <p:sp>
+        <p:nvSpPr>
+          <p:cNvPr id="5" name="Rectangle 4">
+            <a:extLst>
+              <a:ext uri="{FF2B5EF4-FFF2-40B4-BE49-F238E27FC236}">
+                <a16:creationId xmlns:a16="http://schemas.microsoft.com/office/drawing/2014/main" id="{12131ED0-4950-475C-B7DC-450FBBF3C54A}"/>
+              </a:ext>
+            </a:extLst>
+          </p:cNvPr>
+          <p:cNvSpPr/>
+          <p:nvPr/>
+        </p:nvSpPr>
+        <p:spPr>
+          <a:xfrm>
+            <a:off x="0" y="0"/>
+            <a:ext cx="4283968" cy="356965"/>
+          </a:xfrm>
+          <a:prstGeom prst="rect">
+            <a:avLst/>
+          </a:prstGeom>
+          <a:solidFill>
+            <a:srgbClr val="0F7792"/>
+          </a:solidFill>
+          <a:ln>
+            <a:noFill/>
+          </a:ln>
+        </p:spPr>
+        <p:style>
+          <a:lnRef idx="2">
+            <a:schemeClr val="accent1">
+              <a:shade val="50000"/>
+            </a:schemeClr>
+          </a:lnRef>
+          <a:fillRef idx="1">
+            <a:schemeClr val="accent1"/>
+          </a:fillRef>
+          <a:effectRef idx="0">
+            <a:schemeClr val="accent1"/>
+          </a:effectRef>
+          <a:fontRef idx="minor">
+            <a:schemeClr val="lt1"/>
+          </a:fontRef>
+        </p:style>
+        <p:txBody>
+          <a:bodyPr rtlCol="0" anchor="ctr"/>
+          <a:lstStyle/>
+          <a:p>
+            <a:pPr algn="ctr"/>
+            <a:endParaRPr lang="en-US"/>
+          </a:p>
+        </p:txBody>
+      </p:sp>
+      <p:sp>
+        <p:nvSpPr>
+          <p:cNvPr id="4" name="TextBox 3">
+            <a:extLst>
+              <a:ext uri="{FF2B5EF4-FFF2-40B4-BE49-F238E27FC236}">
+                <a16:creationId xmlns:a16="http://schemas.microsoft.com/office/drawing/2014/main" id="{DB2A6D78-D3DF-4739-BCDE-EE78ED59B04D}"/>
+              </a:ext>
+            </a:extLst>
+          </p:cNvPr>
+          <p:cNvSpPr txBox="1"/>
+          <p:nvPr/>
+        </p:nvSpPr>
+        <p:spPr>
+          <a:xfrm>
+            <a:off x="89756" y="24634"/>
+            <a:ext cx="4122204" cy="276999"/>
+          </a:xfrm>
+          <a:prstGeom prst="rect">
+            <a:avLst/>
+          </a:prstGeom>
+          <a:noFill/>
+        </p:spPr>
+        <p:txBody>
+          <a:bodyPr wrap="square" rtlCol="0">
+            <a:spAutoFit/>
+          </a:bodyPr>
+          <a:lstStyle/>
+          <a:p>
+            <a:r>
+              <a:rPr lang="en-US" sz="1200" dirty="0">
+                <a:solidFill>
+                  <a:schemeClr val="bg1"/>
+                </a:solidFill>
+                <a:latin typeface="Verdana" panose="020B0604030504040204" pitchFamily="34" charset="0"/>
+                <a:ea typeface="Verdana" panose="020B0604030504040204" pitchFamily="34" charset="0"/>
+                <a:cs typeface="Verdana" panose="020B0604030504040204" pitchFamily="34" charset="0"/>
+              </a:rPr>
+              <a:t>11. Fonts, SVGs and images</a:t>
+            </a:r>
+            <a:endParaRPr lang="bg-BG" sz="1200" dirty="0">
+              <a:solidFill>
+                <a:schemeClr val="bg1"/>
+              </a:solidFill>
+              <a:latin typeface="Verdana" panose="020B0604030504040204" pitchFamily="34" charset="0"/>
+              <a:ea typeface="Verdana" panose="020B0604030504040204" pitchFamily="34" charset="0"/>
+              <a:cs typeface="Verdana" panose="020B0604030504040204" pitchFamily="34" charset="0"/>
+            </a:endParaRPr>
+          </a:p>
+        </p:txBody>
+      </p:sp>
+      <p:sp>
+        <p:nvSpPr>
+          <p:cNvPr id="8" name="TextBox 7">
+            <a:extLst>
+              <a:ext uri="{FF2B5EF4-FFF2-40B4-BE49-F238E27FC236}">
+                <a16:creationId xmlns:a16="http://schemas.microsoft.com/office/drawing/2014/main" id="{2374E9AE-8D65-4C85-A4AC-BBB9AA519202}"/>
+              </a:ext>
+            </a:extLst>
+          </p:cNvPr>
+          <p:cNvSpPr txBox="1"/>
+          <p:nvPr/>
+        </p:nvSpPr>
+        <p:spPr>
+          <a:xfrm>
+            <a:off x="8959271" y="43105"/>
+            <a:ext cx="184730" cy="646331"/>
+          </a:xfrm>
+          <a:prstGeom prst="rect">
+            <a:avLst/>
+          </a:prstGeom>
+          <a:noFill/>
+        </p:spPr>
+        <p:txBody>
+          <a:bodyPr wrap="none" rtlCol="0">
+            <a:spAutoFit/>
+          </a:bodyPr>
+          <a:lstStyle/>
+          <a:p>
+            <a:pPr algn="r"/>
+            <a:endParaRPr lang="bg-BG" sz="1200" dirty="0">
+              <a:solidFill>
+                <a:schemeClr val="bg1">
+                  <a:lumMod val="95000"/>
+                </a:schemeClr>
+              </a:solidFill>
+            </a:endParaRPr>
+          </a:p>
+          <a:p>
+            <a:pPr algn="r"/>
+            <a:endParaRPr lang="en-US" sz="1200" dirty="0">
+              <a:solidFill>
+                <a:schemeClr val="bg1">
+                  <a:lumMod val="95000"/>
+                </a:schemeClr>
+              </a:solidFill>
+            </a:endParaRPr>
+          </a:p>
+          <a:p>
+            <a:pPr algn="r"/>
+            <a:endParaRPr lang="en-US" sz="1200" b="1" dirty="0">
+              <a:solidFill>
+                <a:schemeClr val="bg1"/>
+              </a:solidFill>
+            </a:endParaRPr>
+          </a:p>
+        </p:txBody>
+      </p:sp>
+      <p:sp>
+        <p:nvSpPr>
+          <p:cNvPr id="47" name="Rectangle: Rounded Corners 5">
+            <a:extLst>
+              <a:ext uri="{FF2B5EF4-FFF2-40B4-BE49-F238E27FC236}">
+                <a16:creationId xmlns:a16="http://schemas.microsoft.com/office/drawing/2014/main" id="{682EAE92-D6DF-494B-9CC1-FF2B7145CC2C}"/>
+              </a:ext>
+            </a:extLst>
+          </p:cNvPr>
+          <p:cNvSpPr/>
+          <p:nvPr/>
+        </p:nvSpPr>
+        <p:spPr>
+          <a:xfrm>
+            <a:off x="323528" y="605860"/>
+            <a:ext cx="8496944" cy="504056"/>
+          </a:xfrm>
+          <a:prstGeom prst="roundRect">
+            <a:avLst/>
+          </a:prstGeom>
+          <a:solidFill>
+            <a:srgbClr val="127994"/>
+          </a:solidFill>
+          <a:ln>
+            <a:noFill/>
+          </a:ln>
+          <a:effectLst>
+            <a:outerShdw blurRad="50800" dist="38100" dir="5400000" algn="t" rotWithShape="0">
+              <a:prstClr val="black">
+                <a:alpha val="40000"/>
+              </a:prstClr>
+            </a:outerShdw>
+          </a:effectLst>
+        </p:spPr>
+        <p:style>
+          <a:lnRef idx="2">
+            <a:schemeClr val="accent1">
+              <a:shade val="50000"/>
+            </a:schemeClr>
+          </a:lnRef>
+          <a:fillRef idx="1">
+            <a:schemeClr val="accent1"/>
+          </a:fillRef>
+          <a:effectRef idx="0">
+            <a:schemeClr val="accent1"/>
+          </a:effectRef>
+          <a:fontRef idx="minor">
+            <a:schemeClr val="lt1"/>
+          </a:fontRef>
+        </p:style>
+        <p:txBody>
+          <a:bodyPr rtlCol="0" anchor="ctr"/>
+          <a:lstStyle/>
+          <a:p>
+            <a:pPr algn="ctr"/>
+            <a:r>
+              <a:rPr lang="en-US" dirty="0">
+                <a:solidFill>
+                  <a:schemeClr val="bg1">
+                    <a:lumMod val="95000"/>
+                  </a:schemeClr>
+                </a:solidFill>
+              </a:rPr>
+              <a:t>HTML, CSS &amp; text</a:t>
+            </a:r>
+          </a:p>
+        </p:txBody>
+      </p:sp>
+      <p:sp>
+        <p:nvSpPr>
+          <p:cNvPr id="3" name="TextBox 2"/>
+          <p:cNvSpPr txBox="1"/>
+          <p:nvPr/>
+        </p:nvSpPr>
+        <p:spPr>
+          <a:xfrm>
+            <a:off x="293728" y="1489348"/>
+            <a:ext cx="8795806" cy="2554545"/>
+          </a:xfrm>
+          <a:prstGeom prst="rect">
+            <a:avLst/>
+          </a:prstGeom>
+          <a:noFill/>
+        </p:spPr>
+        <p:txBody>
+          <a:bodyPr wrap="none" rtlCol="0">
+            <a:spAutoFit/>
+          </a:bodyPr>
+          <a:lstStyle/>
+          <a:p>
+            <a:r>
+              <a:rPr lang="bg-BG" sz="1600" dirty="0"/>
+              <a:t>Текст поставен в </a:t>
+            </a:r>
+            <a:r>
+              <a:rPr lang="en-US" sz="1600" dirty="0"/>
+              <a:t>HTML </a:t>
+            </a:r>
+            <a:r>
+              <a:rPr lang="bg-BG" sz="1600" dirty="0"/>
+              <a:t>елемент, се позиционира в горния ляв ъгъл на </a:t>
+            </a:r>
+            <a:r>
+              <a:rPr lang="en-US" sz="1600" dirty="0"/>
+              <a:t>content box-a. </a:t>
+            </a:r>
+          </a:p>
+          <a:p>
+            <a:r>
+              <a:rPr lang="en-US" sz="1600" dirty="0"/>
+              <a:t>(</a:t>
+            </a:r>
+            <a:r>
+              <a:rPr lang="bg-BG" sz="1600" dirty="0"/>
+              <a:t>или десен в случай на </a:t>
+            </a:r>
+            <a:r>
+              <a:rPr lang="en-US" sz="1600" dirty="0"/>
+              <a:t>RTL </a:t>
+            </a:r>
+            <a:r>
+              <a:rPr lang="bg-BG" sz="1600" dirty="0"/>
+              <a:t>режим на писане</a:t>
+            </a:r>
+            <a:r>
+              <a:rPr lang="en-US" sz="1600" dirty="0"/>
+              <a:t>)</a:t>
+            </a:r>
+            <a:r>
+              <a:rPr lang="bg-BG" sz="1600" dirty="0"/>
+              <a:t>. </a:t>
+            </a:r>
+            <a:endParaRPr lang="en-US" sz="1600" dirty="0"/>
+          </a:p>
+          <a:p>
+            <a:endParaRPr lang="en-US" sz="1600" dirty="0"/>
+          </a:p>
+          <a:p>
+            <a:r>
+              <a:rPr lang="bg-BG" sz="1600" dirty="0"/>
+              <a:t>Текстовото съдържание се държи като серии от </a:t>
+            </a:r>
+            <a:r>
+              <a:rPr lang="en-US" sz="1600" dirty="0"/>
+              <a:t>inline </a:t>
+            </a:r>
+            <a:r>
+              <a:rPr lang="en-US" sz="1600" dirty="0" err="1"/>
+              <a:t>позиционирани</a:t>
+            </a:r>
+            <a:r>
+              <a:rPr lang="en-US" sz="1600" dirty="0"/>
+              <a:t> </a:t>
+            </a:r>
+            <a:r>
+              <a:rPr lang="en-US" sz="1600" dirty="0" err="1"/>
+              <a:t>елементи</a:t>
+            </a:r>
+            <a:r>
+              <a:rPr lang="en-US" sz="1600" dirty="0"/>
+              <a:t> – </a:t>
+            </a:r>
+            <a:r>
+              <a:rPr lang="en-US" sz="1600" dirty="0" err="1"/>
+              <a:t>започва</a:t>
+            </a:r>
+            <a:r>
+              <a:rPr lang="en-US" sz="1600" dirty="0"/>
+              <a:t> </a:t>
+            </a:r>
+            <a:r>
+              <a:rPr lang="bg-BG" sz="1600" dirty="0"/>
+              <a:t>от </a:t>
+            </a:r>
+            <a:endParaRPr lang="en-US" sz="1600" dirty="0"/>
+          </a:p>
+          <a:p>
+            <a:r>
+              <a:rPr lang="bg-BG" sz="1600" dirty="0"/>
+              <a:t>началото на реда, запълва свободното пространство и продължава на следващ ред, до момента </a:t>
+            </a:r>
+            <a:endParaRPr lang="en-US" sz="1600" dirty="0"/>
+          </a:p>
+          <a:p>
+            <a:r>
+              <a:rPr lang="bg-BG" sz="1600" dirty="0"/>
+              <a:t>в който целият тект е позициониран в </a:t>
+            </a:r>
+            <a:r>
+              <a:rPr lang="en-US" sz="1600" dirty="0"/>
+              <a:t>content box-a.</a:t>
+            </a:r>
+            <a:endParaRPr lang="bg-BG" sz="1600" dirty="0"/>
+          </a:p>
+          <a:p>
+            <a:endParaRPr lang="en-US" sz="1600" dirty="0"/>
+          </a:p>
+          <a:p>
+            <a:r>
+              <a:rPr lang="bg-BG" sz="1600" dirty="0"/>
+              <a:t>При необходимост може да се предизвика умишлено прекъсване на текстовото съдържание </a:t>
+            </a:r>
+            <a:endParaRPr lang="en-US" sz="1600" dirty="0"/>
+          </a:p>
+          <a:p>
+            <a:r>
+              <a:rPr lang="bg-BG" sz="1600" dirty="0"/>
+              <a:t>чрез ползване на </a:t>
+            </a:r>
+            <a:r>
+              <a:rPr lang="en-US" sz="1600" dirty="0"/>
+              <a:t>tag &lt;</a:t>
+            </a:r>
+            <a:r>
+              <a:rPr lang="en-US" sz="1600" dirty="0" err="1"/>
+              <a:t>br</a:t>
+            </a:r>
+            <a:r>
+              <a:rPr lang="en-US" sz="1600" dirty="0"/>
+              <a:t>&gt;</a:t>
+            </a:r>
+            <a:endParaRPr lang="bg-BG" sz="1600" dirty="0"/>
+          </a:p>
+          <a:p>
+            <a:endParaRPr lang="bg-BG" sz="1600" dirty="0"/>
+          </a:p>
+        </p:txBody>
+      </p:sp>
+    </p:spTree>
+    <p:extLst>
+      <p:ext uri="{BB962C8B-B14F-4D97-AF65-F5344CB8AC3E}">
+        <p14:creationId xmlns:p14="http://schemas.microsoft.com/office/powerpoint/2010/main" val="3721650438"/>
+      </p:ext>
+    </p:extLst>
+  </p:cSld>
+  <p:clrMapOvr>
+    <a:masterClrMapping/>
+  </p:clrMapOvr>
+</p:sld>
+</file>
+
+<file path=ppt/slides/slide3.xml><?xml version="1.0" encoding="utf-8"?>
+<p:sld xmlns:a="http://schemas.openxmlformats.org/drawingml/2006/main" xmlns:r="http://schemas.openxmlformats.org/officeDocument/2006/relationships" xmlns:p="http://schemas.openxmlformats.org/presentationml/2006/main">
+  <p:cSld>
+    <p:bg>
+      <p:bgPr>
+        <a:blipFill dpi="0" rotWithShape="1">
+          <a:blip r:embed="rId3">
+            <a:lum/>
+          </a:blip>
+          <a:srcRect/>
+          <a:stretch>
+            <a:fillRect/>
+          </a:stretch>
+        </a:blipFill>
+        <a:effectLst/>
+      </p:bgPr>
+    </p:bg>
+    <p:spTree>
+      <p:nvGrpSpPr>
+        <p:cNvPr id="1" name=""/>
+        <p:cNvGrpSpPr/>
+        <p:nvPr/>
+      </p:nvGrpSpPr>
+      <p:grpSpPr>
+        <a:xfrm>
+          <a:off x="0" y="0"/>
+          <a:ext cx="0" cy="0"/>
+          <a:chOff x="0" y="0"/>
+          <a:chExt cx="0" cy="0"/>
+        </a:xfrm>
+      </p:grpSpPr>
+      <p:sp>
+        <p:nvSpPr>
+          <p:cNvPr id="39" name="Rectangle 38">
+            <a:extLst>
+              <a:ext uri="{FF2B5EF4-FFF2-40B4-BE49-F238E27FC236}">
+                <a16:creationId xmlns:a16="http://schemas.microsoft.com/office/drawing/2014/main" id="{C1C163D1-85A2-4643-BA3C-22035ECBF6E9}"/>
+              </a:ext>
+            </a:extLst>
+          </p:cNvPr>
+          <p:cNvSpPr/>
+          <p:nvPr/>
+        </p:nvSpPr>
+        <p:spPr>
+          <a:xfrm>
+            <a:off x="7210970" y="0"/>
+            <a:ext cx="1933031" cy="356965"/>
+          </a:xfrm>
+          <a:prstGeom prst="rect">
+            <a:avLst/>
+          </a:prstGeom>
+          <a:solidFill>
+            <a:srgbClr val="0F7792">
+              <a:alpha val="50196"/>
+            </a:srgbClr>
+          </a:solidFill>
+          <a:ln>
+            <a:noFill/>
+          </a:ln>
+        </p:spPr>
+        <p:style>
+          <a:lnRef idx="2">
+            <a:schemeClr val="accent1">
+              <a:shade val="50000"/>
+            </a:schemeClr>
+          </a:lnRef>
+          <a:fillRef idx="1">
+            <a:schemeClr val="accent1"/>
+          </a:fillRef>
+          <a:effectRef idx="0">
+            <a:schemeClr val="accent1"/>
+          </a:effectRef>
+          <a:fontRef idx="minor">
+            <a:schemeClr val="lt1"/>
+          </a:fontRef>
+        </p:style>
+        <p:txBody>
+          <a:bodyPr rtlCol="0" anchor="ctr"/>
+          <a:lstStyle/>
+          <a:p>
+            <a:pPr algn="ctr"/>
+            <a:r>
+              <a:rPr lang="en-US" sz="1400" dirty="0"/>
+              <a:t>Fonts</a:t>
+            </a:r>
+          </a:p>
+        </p:txBody>
+      </p:sp>
+      <p:sp>
+        <p:nvSpPr>
+          <p:cNvPr id="5" name="Rectangle 4">
+            <a:extLst>
+              <a:ext uri="{FF2B5EF4-FFF2-40B4-BE49-F238E27FC236}">
+                <a16:creationId xmlns:a16="http://schemas.microsoft.com/office/drawing/2014/main" id="{12131ED0-4950-475C-B7DC-450FBBF3C54A}"/>
+              </a:ext>
+            </a:extLst>
+          </p:cNvPr>
+          <p:cNvSpPr/>
+          <p:nvPr/>
+        </p:nvSpPr>
+        <p:spPr>
+          <a:xfrm>
+            <a:off x="0" y="0"/>
+            <a:ext cx="4283968" cy="356965"/>
+          </a:xfrm>
+          <a:prstGeom prst="rect">
+            <a:avLst/>
+          </a:prstGeom>
+          <a:solidFill>
+            <a:srgbClr val="0F7792"/>
+          </a:solidFill>
+          <a:ln>
+            <a:noFill/>
+          </a:ln>
+        </p:spPr>
+        <p:style>
+          <a:lnRef idx="2">
+            <a:schemeClr val="accent1">
+              <a:shade val="50000"/>
+            </a:schemeClr>
+          </a:lnRef>
+          <a:fillRef idx="1">
+            <a:schemeClr val="accent1"/>
+          </a:fillRef>
+          <a:effectRef idx="0">
+            <a:schemeClr val="accent1"/>
+          </a:effectRef>
+          <a:fontRef idx="minor">
+            <a:schemeClr val="lt1"/>
+          </a:fontRef>
+        </p:style>
+        <p:txBody>
+          <a:bodyPr rtlCol="0" anchor="ctr"/>
+          <a:lstStyle/>
+          <a:p>
+            <a:pPr algn="ctr"/>
+            <a:endParaRPr lang="en-US"/>
+          </a:p>
+        </p:txBody>
+      </p:sp>
+      <p:sp>
+        <p:nvSpPr>
+          <p:cNvPr id="4" name="TextBox 3">
+            <a:extLst>
+              <a:ext uri="{FF2B5EF4-FFF2-40B4-BE49-F238E27FC236}">
+                <a16:creationId xmlns:a16="http://schemas.microsoft.com/office/drawing/2014/main" id="{DB2A6D78-D3DF-4739-BCDE-EE78ED59B04D}"/>
+              </a:ext>
+            </a:extLst>
+          </p:cNvPr>
+          <p:cNvSpPr txBox="1"/>
+          <p:nvPr/>
+        </p:nvSpPr>
+        <p:spPr>
+          <a:xfrm>
+            <a:off x="89756" y="24634"/>
+            <a:ext cx="4122204" cy="276999"/>
+          </a:xfrm>
+          <a:prstGeom prst="rect">
+            <a:avLst/>
+          </a:prstGeom>
+          <a:noFill/>
+        </p:spPr>
+        <p:txBody>
+          <a:bodyPr wrap="square" rtlCol="0">
+            <a:spAutoFit/>
+          </a:bodyPr>
+          <a:lstStyle/>
+          <a:p>
+            <a:r>
+              <a:rPr lang="en-US" sz="1200" dirty="0">
+                <a:solidFill>
+                  <a:schemeClr val="bg1"/>
+                </a:solidFill>
+                <a:latin typeface="Verdana" panose="020B0604030504040204" pitchFamily="34" charset="0"/>
+                <a:ea typeface="Verdana" panose="020B0604030504040204" pitchFamily="34" charset="0"/>
+                <a:cs typeface="Verdana" panose="020B0604030504040204" pitchFamily="34" charset="0"/>
+              </a:rPr>
+              <a:t>11. Fonts, SVGs and images</a:t>
+            </a:r>
+            <a:endParaRPr lang="bg-BG" sz="1200" dirty="0">
+              <a:solidFill>
+                <a:schemeClr val="bg1"/>
+              </a:solidFill>
+              <a:latin typeface="Verdana" panose="020B0604030504040204" pitchFamily="34" charset="0"/>
+              <a:ea typeface="Verdana" panose="020B0604030504040204" pitchFamily="34" charset="0"/>
+              <a:cs typeface="Verdana" panose="020B0604030504040204" pitchFamily="34" charset="0"/>
+            </a:endParaRPr>
+          </a:p>
+        </p:txBody>
+      </p:sp>
+      <p:sp>
+        <p:nvSpPr>
+          <p:cNvPr id="8" name="TextBox 7">
+            <a:extLst>
+              <a:ext uri="{FF2B5EF4-FFF2-40B4-BE49-F238E27FC236}">
+                <a16:creationId xmlns:a16="http://schemas.microsoft.com/office/drawing/2014/main" id="{2374E9AE-8D65-4C85-A4AC-BBB9AA519202}"/>
+              </a:ext>
+            </a:extLst>
+          </p:cNvPr>
+          <p:cNvSpPr txBox="1"/>
+          <p:nvPr/>
+        </p:nvSpPr>
+        <p:spPr>
+          <a:xfrm>
+            <a:off x="8959271" y="43105"/>
+            <a:ext cx="184730" cy="646331"/>
+          </a:xfrm>
+          <a:prstGeom prst="rect">
+            <a:avLst/>
+          </a:prstGeom>
+          <a:noFill/>
+        </p:spPr>
+        <p:txBody>
+          <a:bodyPr wrap="none" rtlCol="0">
+            <a:spAutoFit/>
+          </a:bodyPr>
+          <a:lstStyle/>
+          <a:p>
+            <a:pPr algn="r"/>
+            <a:endParaRPr lang="bg-BG" sz="1200" dirty="0">
+              <a:solidFill>
+                <a:schemeClr val="bg1">
+                  <a:lumMod val="95000"/>
+                </a:schemeClr>
+              </a:solidFill>
+            </a:endParaRPr>
+          </a:p>
+          <a:p>
+            <a:pPr algn="r"/>
+            <a:endParaRPr lang="en-US" sz="1200" dirty="0">
+              <a:solidFill>
+                <a:schemeClr val="bg1">
+                  <a:lumMod val="95000"/>
+                </a:schemeClr>
+              </a:solidFill>
+            </a:endParaRPr>
+          </a:p>
+          <a:p>
+            <a:pPr algn="r"/>
+            <a:endParaRPr lang="en-US" sz="1200" b="1" dirty="0">
+              <a:solidFill>
+                <a:schemeClr val="bg1"/>
+              </a:solidFill>
+            </a:endParaRPr>
+          </a:p>
+        </p:txBody>
+      </p:sp>
+      <p:sp>
+        <p:nvSpPr>
+          <p:cNvPr id="47" name="Rectangle: Rounded Corners 5">
+            <a:extLst>
+              <a:ext uri="{FF2B5EF4-FFF2-40B4-BE49-F238E27FC236}">
+                <a16:creationId xmlns:a16="http://schemas.microsoft.com/office/drawing/2014/main" id="{682EAE92-D6DF-494B-9CC1-FF2B7145CC2C}"/>
+              </a:ext>
+            </a:extLst>
+          </p:cNvPr>
+          <p:cNvSpPr/>
+          <p:nvPr/>
+        </p:nvSpPr>
+        <p:spPr>
+          <a:xfrm>
+            <a:off x="323528" y="605860"/>
+            <a:ext cx="8496944" cy="504056"/>
+          </a:xfrm>
+          <a:prstGeom prst="roundRect">
+            <a:avLst/>
+          </a:prstGeom>
+          <a:solidFill>
+            <a:srgbClr val="127994"/>
+          </a:solidFill>
+          <a:ln>
+            <a:noFill/>
+          </a:ln>
+          <a:effectLst>
+            <a:outerShdw blurRad="50800" dist="38100" dir="5400000" algn="t" rotWithShape="0">
+              <a:prstClr val="black">
+                <a:alpha val="40000"/>
+              </a:prstClr>
+            </a:outerShdw>
+          </a:effectLst>
+        </p:spPr>
+        <p:style>
+          <a:lnRef idx="2">
+            <a:schemeClr val="accent1">
+              <a:shade val="50000"/>
+            </a:schemeClr>
+          </a:lnRef>
+          <a:fillRef idx="1">
+            <a:schemeClr val="accent1"/>
+          </a:fillRef>
+          <a:effectRef idx="0">
+            <a:schemeClr val="accent1"/>
+          </a:effectRef>
+          <a:fontRef idx="minor">
+            <a:schemeClr val="lt1"/>
+          </a:fontRef>
+        </p:style>
+        <p:txBody>
+          <a:bodyPr rtlCol="0" anchor="ctr"/>
+          <a:lstStyle/>
+          <a:p>
+            <a:pPr algn="ctr"/>
+            <a:r>
+              <a:rPr lang="en-US" dirty="0"/>
+              <a:t>CSS properties related to text</a:t>
+            </a:r>
+            <a:endParaRPr lang="bg-BG" dirty="0"/>
+          </a:p>
+        </p:txBody>
+      </p:sp>
+      <p:sp>
+        <p:nvSpPr>
+          <p:cNvPr id="3" name="TextBox 2"/>
+          <p:cNvSpPr txBox="1"/>
+          <p:nvPr/>
+        </p:nvSpPr>
+        <p:spPr>
+          <a:xfrm>
+            <a:off x="293728" y="1489348"/>
+            <a:ext cx="8703088" cy="3293209"/>
+          </a:xfrm>
+          <a:prstGeom prst="rect">
+            <a:avLst/>
+          </a:prstGeom>
+          <a:noFill/>
+        </p:spPr>
+        <p:txBody>
+          <a:bodyPr wrap="none" rtlCol="0">
+            <a:spAutoFit/>
+          </a:bodyPr>
+          <a:lstStyle/>
+          <a:p>
+            <a:pPr lvl="0"/>
+            <a:r>
+              <a:rPr lang="en-US" sz="1600" dirty="0"/>
+              <a:t>I.     Font styles - </a:t>
+            </a:r>
+            <a:r>
+              <a:rPr lang="bg-BG" sz="1600" dirty="0"/>
+              <a:t>засягат конкретно шрифта -  тип</a:t>
+            </a:r>
+            <a:r>
+              <a:rPr lang="en-US" sz="1600" dirty="0"/>
+              <a:t>(font-family)</a:t>
+            </a:r>
+            <a:r>
+              <a:rPr lang="bg-BG" sz="1600" dirty="0"/>
+              <a:t>, размер</a:t>
+            </a:r>
+            <a:r>
+              <a:rPr lang="en-US" sz="1600" dirty="0"/>
+              <a:t>(font-size)</a:t>
+            </a:r>
+            <a:r>
+              <a:rPr lang="bg-BG" sz="1600" dirty="0"/>
+              <a:t>, тежест на шрифта </a:t>
+            </a:r>
+          </a:p>
+          <a:p>
+            <a:pPr lvl="0"/>
+            <a:r>
+              <a:rPr lang="en-US" sz="1600" dirty="0"/>
+              <a:t>(font-weight)</a:t>
+            </a:r>
+            <a:r>
+              <a:rPr lang="bg-BG" sz="1600" dirty="0"/>
+              <a:t>, цвят </a:t>
+            </a:r>
+            <a:r>
+              <a:rPr lang="en-US" sz="1600" dirty="0"/>
+              <a:t>(color)</a:t>
+            </a:r>
+            <a:r>
+              <a:rPr lang="bg-BG" sz="1600" dirty="0"/>
+              <a:t>;</a:t>
+            </a:r>
+          </a:p>
+          <a:p>
+            <a:pPr lvl="0"/>
+            <a:endParaRPr lang="bg-BG" sz="1600" dirty="0"/>
+          </a:p>
+          <a:p>
+            <a:pPr lvl="0"/>
+            <a:r>
+              <a:rPr lang="en-US" sz="1600" dirty="0"/>
+              <a:t>II.    Text layout styles: </a:t>
+            </a:r>
+            <a:r>
+              <a:rPr lang="bg-BG" sz="1600" dirty="0"/>
+              <a:t>отнасят се за пропъртита които оказват влияние върху цялостното </a:t>
+            </a:r>
+            <a:endParaRPr lang="en-US" sz="1600" dirty="0"/>
+          </a:p>
+          <a:p>
+            <a:pPr lvl="0"/>
+            <a:r>
+              <a:rPr lang="bg-BG" sz="1600" dirty="0"/>
+              <a:t>позициониране и визия на шрифта – отстояние между буквите</a:t>
+            </a:r>
+            <a:r>
+              <a:rPr lang="en-US" sz="1600" dirty="0"/>
+              <a:t>(letter-spacing)</a:t>
+            </a:r>
+            <a:r>
+              <a:rPr lang="bg-BG" sz="1600" dirty="0"/>
+              <a:t>, </a:t>
+            </a:r>
+            <a:endParaRPr lang="en-US" sz="1600" dirty="0"/>
+          </a:p>
+          <a:p>
+            <a:pPr lvl="0"/>
+            <a:r>
+              <a:rPr lang="bg-BG" sz="1600" dirty="0"/>
+              <a:t>височина на линията</a:t>
+            </a:r>
+            <a:r>
+              <a:rPr lang="en-US" sz="1600" dirty="0"/>
+              <a:t>(line-height);</a:t>
+            </a:r>
+          </a:p>
+          <a:p>
+            <a:pPr lvl="0"/>
+            <a:endParaRPr lang="en-US" sz="1600" dirty="0"/>
+          </a:p>
+          <a:p>
+            <a:r>
+              <a:rPr lang="en-US" sz="1600" dirty="0"/>
+              <a:t>NB! </a:t>
+            </a:r>
+            <a:r>
+              <a:rPr lang="en-US" sz="1600" dirty="0" err="1"/>
+              <a:t>Намиращите</a:t>
+            </a:r>
+            <a:r>
+              <a:rPr lang="en-US" sz="1600" dirty="0"/>
+              <a:t> </a:t>
+            </a:r>
+            <a:r>
+              <a:rPr lang="en-US" sz="1600" dirty="0" err="1"/>
+              <a:t>се</a:t>
+            </a:r>
+            <a:r>
+              <a:rPr lang="en-US" sz="1600" dirty="0"/>
+              <a:t> в </a:t>
+            </a:r>
+            <a:r>
+              <a:rPr lang="en-US" sz="1600" dirty="0" err="1"/>
+              <a:t>един</a:t>
+            </a:r>
+            <a:r>
+              <a:rPr lang="en-US" sz="1600" dirty="0"/>
+              <a:t> и </a:t>
+            </a:r>
+            <a:r>
+              <a:rPr lang="en-US" sz="1600" dirty="0" err="1"/>
+              <a:t>същ</a:t>
+            </a:r>
+            <a:r>
+              <a:rPr lang="en-US" sz="1600" dirty="0"/>
+              <a:t> </a:t>
+            </a:r>
+            <a:r>
+              <a:rPr lang="en-US" sz="1600" dirty="0" err="1"/>
+              <a:t>елемент</a:t>
+            </a:r>
+            <a:r>
+              <a:rPr lang="en-US" sz="1600" dirty="0"/>
+              <a:t>, </a:t>
+            </a:r>
+            <a:r>
+              <a:rPr lang="en-US" sz="1600" dirty="0" err="1"/>
+              <a:t>тексто</a:t>
+            </a:r>
+            <a:r>
+              <a:rPr lang="bg-BG" sz="1600" dirty="0"/>
+              <a:t>ве</a:t>
+            </a:r>
+            <a:r>
+              <a:rPr lang="en-US" sz="1600" dirty="0"/>
+              <a:t> </a:t>
+            </a:r>
+            <a:r>
+              <a:rPr lang="en-US" sz="1600" dirty="0" err="1"/>
+              <a:t>ще</a:t>
+            </a:r>
+            <a:r>
+              <a:rPr lang="en-US" sz="1600" dirty="0"/>
+              <a:t> </a:t>
+            </a:r>
+            <a:r>
+              <a:rPr lang="en-US" sz="1600" dirty="0" err="1"/>
+              <a:t>бъдат</a:t>
+            </a:r>
+            <a:r>
+              <a:rPr lang="en-US" sz="1600" dirty="0"/>
+              <a:t> </a:t>
+            </a:r>
+            <a:r>
+              <a:rPr lang="en-US" sz="1600" dirty="0" err="1"/>
+              <a:t>разглеждани</a:t>
+            </a:r>
+            <a:r>
+              <a:rPr lang="en-US" sz="1600" dirty="0"/>
+              <a:t> и </a:t>
+            </a:r>
+            <a:r>
+              <a:rPr lang="en-US" sz="1600" dirty="0" err="1"/>
+              <a:t>манипулирани</a:t>
+            </a:r>
+            <a:r>
+              <a:rPr lang="en-US" sz="1600" dirty="0"/>
+              <a:t> , </a:t>
+            </a:r>
+          </a:p>
+          <a:p>
+            <a:r>
+              <a:rPr lang="en-US" sz="1600" dirty="0" err="1"/>
+              <a:t>като</a:t>
+            </a:r>
+            <a:r>
+              <a:rPr lang="en-US" sz="1600" dirty="0"/>
+              <a:t> </a:t>
+            </a:r>
+            <a:r>
+              <a:rPr lang="en-US" sz="1600" dirty="0" err="1"/>
+              <a:t>едно</a:t>
+            </a:r>
+            <a:r>
+              <a:rPr lang="en-US" sz="1600" dirty="0"/>
+              <a:t> </a:t>
+            </a:r>
+            <a:r>
+              <a:rPr lang="en-US" sz="1600" dirty="0" err="1"/>
+              <a:t>общо</a:t>
+            </a:r>
+            <a:r>
+              <a:rPr lang="en-US" sz="1600" dirty="0"/>
+              <a:t> </a:t>
+            </a:r>
+            <a:r>
+              <a:rPr lang="en-US" sz="1600" dirty="0" err="1"/>
+              <a:t>цяло</a:t>
+            </a:r>
+            <a:r>
+              <a:rPr lang="en-US" sz="1600" dirty="0"/>
+              <a:t> (</a:t>
+            </a:r>
+            <a:r>
+              <a:rPr lang="bg-BG" sz="1600" dirty="0"/>
+              <a:t>вашите промени ще бъдат приложени върху целия текст</a:t>
+            </a:r>
+            <a:r>
+              <a:rPr lang="en-US" sz="1600" dirty="0"/>
+              <a:t>)</a:t>
+            </a:r>
+            <a:r>
+              <a:rPr lang="bg-BG" sz="1600" dirty="0"/>
+              <a:t>. Части на текста </a:t>
+            </a:r>
+          </a:p>
+          <a:p>
+            <a:r>
+              <a:rPr lang="bg-BG" sz="1600" dirty="0"/>
+              <a:t>могат да бъдат отделени и стилизирани ако бъдат поставени в други </a:t>
+            </a:r>
+            <a:r>
+              <a:rPr lang="en-US" sz="1600" dirty="0"/>
+              <a:t>HTML </a:t>
+            </a:r>
+            <a:r>
+              <a:rPr lang="bg-BG" sz="1600" dirty="0"/>
+              <a:t>елементи </a:t>
+            </a:r>
+            <a:r>
+              <a:rPr lang="en-US" sz="1600" dirty="0"/>
+              <a:t>span, strong</a:t>
+            </a:r>
+          </a:p>
+          <a:p>
+            <a:r>
+              <a:rPr lang="bg-BG" sz="1600" dirty="0"/>
+              <a:t>и т.н.</a:t>
+            </a:r>
+          </a:p>
+          <a:p>
+            <a:pPr lvl="0"/>
+            <a:endParaRPr lang="bg-BG" sz="1600" dirty="0"/>
+          </a:p>
+          <a:p>
+            <a:endParaRPr lang="bg-BG" sz="1600" dirty="0"/>
+          </a:p>
+        </p:txBody>
+      </p:sp>
+    </p:spTree>
+    <p:extLst>
+      <p:ext uri="{BB962C8B-B14F-4D97-AF65-F5344CB8AC3E}">
+        <p14:creationId xmlns:p14="http://schemas.microsoft.com/office/powerpoint/2010/main" val="1910648465"/>
+      </p:ext>
+    </p:extLst>
+  </p:cSld>
+  <p:clrMapOvr>
+    <a:masterClrMapping/>
+  </p:clrMapOvr>
+</p:sld>
+</file>
+
+<file path=ppt/slides/slide4.xml><?xml version="1.0" encoding="utf-8"?>
+<p:sld xmlns:a="http://schemas.openxmlformats.org/drawingml/2006/main" xmlns:r="http://schemas.openxmlformats.org/officeDocument/2006/relationships" xmlns:p="http://schemas.openxmlformats.org/presentationml/2006/main">
+  <p:cSld>
+    <p:bg>
+      <p:bgPr>
+        <a:blipFill dpi="0" rotWithShape="1">
+          <a:blip r:embed="rId3">
+            <a:lum/>
+          </a:blip>
+          <a:srcRect/>
+          <a:stretch>
+            <a:fillRect/>
+          </a:stretch>
+        </a:blipFill>
+        <a:effectLst/>
+      </p:bgPr>
+    </p:bg>
+    <p:spTree>
+      <p:nvGrpSpPr>
+        <p:cNvPr id="1" name=""/>
+        <p:cNvGrpSpPr/>
+        <p:nvPr/>
+      </p:nvGrpSpPr>
+      <p:grpSpPr>
+        <a:xfrm>
+          <a:off x="0" y="0"/>
+          <a:ext cx="0" cy="0"/>
+          <a:chOff x="0" y="0"/>
+          <a:chExt cx="0" cy="0"/>
+        </a:xfrm>
+      </p:grpSpPr>
+      <p:sp>
+        <p:nvSpPr>
+          <p:cNvPr id="39" name="Rectangle 38">
+            <a:extLst>
+              <a:ext uri="{FF2B5EF4-FFF2-40B4-BE49-F238E27FC236}">
+                <a16:creationId xmlns:a16="http://schemas.microsoft.com/office/drawing/2014/main" id="{C1C163D1-85A2-4643-BA3C-22035ECBF6E9}"/>
+              </a:ext>
+            </a:extLst>
+          </p:cNvPr>
+          <p:cNvSpPr/>
+          <p:nvPr/>
+        </p:nvSpPr>
+        <p:spPr>
+          <a:xfrm>
+            <a:off x="7210970" y="0"/>
+            <a:ext cx="1933031" cy="356965"/>
+          </a:xfrm>
+          <a:prstGeom prst="rect">
+            <a:avLst/>
+          </a:prstGeom>
+          <a:solidFill>
+            <a:srgbClr val="0F7792">
+              <a:alpha val="50196"/>
+            </a:srgbClr>
+          </a:solidFill>
+          <a:ln>
+            <a:noFill/>
+          </a:ln>
+        </p:spPr>
+        <p:style>
+          <a:lnRef idx="2">
+            <a:schemeClr val="accent1">
+              <a:shade val="50000"/>
+            </a:schemeClr>
+          </a:lnRef>
+          <a:fillRef idx="1">
+            <a:schemeClr val="accent1"/>
+          </a:fillRef>
+          <a:effectRef idx="0">
+            <a:schemeClr val="accent1"/>
+          </a:effectRef>
+          <a:fontRef idx="minor">
+            <a:schemeClr val="lt1"/>
+          </a:fontRef>
+        </p:style>
+        <p:txBody>
+          <a:bodyPr rtlCol="0" anchor="ctr"/>
+          <a:lstStyle/>
+          <a:p>
+            <a:pPr algn="ctr"/>
+            <a:r>
+              <a:rPr lang="en-US" sz="1400" dirty="0"/>
+              <a:t>Font-styles</a:t>
+            </a:r>
+          </a:p>
+        </p:txBody>
+      </p:sp>
+      <p:sp>
+        <p:nvSpPr>
+          <p:cNvPr id="5" name="Rectangle 4">
+            <a:extLst>
+              <a:ext uri="{FF2B5EF4-FFF2-40B4-BE49-F238E27FC236}">
+                <a16:creationId xmlns:a16="http://schemas.microsoft.com/office/drawing/2014/main" id="{12131ED0-4950-475C-B7DC-450FBBF3C54A}"/>
+              </a:ext>
+            </a:extLst>
+          </p:cNvPr>
+          <p:cNvSpPr/>
+          <p:nvPr/>
+        </p:nvSpPr>
+        <p:spPr>
+          <a:xfrm>
+            <a:off x="0" y="0"/>
+            <a:ext cx="4283968" cy="356965"/>
+          </a:xfrm>
+          <a:prstGeom prst="rect">
+            <a:avLst/>
+          </a:prstGeom>
+          <a:solidFill>
+            <a:srgbClr val="0F7792"/>
+          </a:solidFill>
+          <a:ln>
+            <a:noFill/>
+          </a:ln>
+        </p:spPr>
+        <p:style>
+          <a:lnRef idx="2">
+            <a:schemeClr val="accent1">
+              <a:shade val="50000"/>
+            </a:schemeClr>
+          </a:lnRef>
+          <a:fillRef idx="1">
+            <a:schemeClr val="accent1"/>
+          </a:fillRef>
+          <a:effectRef idx="0">
+            <a:schemeClr val="accent1"/>
+          </a:effectRef>
+          <a:fontRef idx="minor">
+            <a:schemeClr val="lt1"/>
+          </a:fontRef>
+        </p:style>
+        <p:txBody>
+          <a:bodyPr rtlCol="0" anchor="ctr"/>
+          <a:lstStyle/>
+          <a:p>
+            <a:pPr algn="ctr"/>
+            <a:endParaRPr lang="en-US"/>
+          </a:p>
+        </p:txBody>
+      </p:sp>
+      <p:sp>
+        <p:nvSpPr>
+          <p:cNvPr id="4" name="TextBox 3">
+            <a:extLst>
+              <a:ext uri="{FF2B5EF4-FFF2-40B4-BE49-F238E27FC236}">
+                <a16:creationId xmlns:a16="http://schemas.microsoft.com/office/drawing/2014/main" id="{DB2A6D78-D3DF-4739-BCDE-EE78ED59B04D}"/>
+              </a:ext>
+            </a:extLst>
+          </p:cNvPr>
+          <p:cNvSpPr txBox="1"/>
+          <p:nvPr/>
+        </p:nvSpPr>
+        <p:spPr>
+          <a:xfrm>
+            <a:off x="89756" y="24634"/>
+            <a:ext cx="4122204" cy="276999"/>
+          </a:xfrm>
+          <a:prstGeom prst="rect">
+            <a:avLst/>
+          </a:prstGeom>
+          <a:noFill/>
+        </p:spPr>
+        <p:txBody>
+          <a:bodyPr wrap="square" rtlCol="0">
+            <a:spAutoFit/>
+          </a:bodyPr>
+          <a:lstStyle/>
+          <a:p>
+            <a:r>
+              <a:rPr lang="en-US" sz="1200" dirty="0">
+                <a:solidFill>
+                  <a:schemeClr val="bg1"/>
+                </a:solidFill>
+                <a:latin typeface="Verdana" panose="020B0604030504040204" pitchFamily="34" charset="0"/>
+                <a:ea typeface="Verdana" panose="020B0604030504040204" pitchFamily="34" charset="0"/>
+                <a:cs typeface="Verdana" panose="020B0604030504040204" pitchFamily="34" charset="0"/>
+              </a:rPr>
+              <a:t>11. Fonts, SVGs and images</a:t>
+            </a:r>
+            <a:endParaRPr lang="bg-BG" sz="1200" dirty="0">
+              <a:solidFill>
+                <a:schemeClr val="bg1"/>
+              </a:solidFill>
+              <a:latin typeface="Verdana" panose="020B0604030504040204" pitchFamily="34" charset="0"/>
+              <a:ea typeface="Verdana" panose="020B0604030504040204" pitchFamily="34" charset="0"/>
+              <a:cs typeface="Verdana" panose="020B0604030504040204" pitchFamily="34" charset="0"/>
+            </a:endParaRPr>
+          </a:p>
+        </p:txBody>
+      </p:sp>
+      <p:sp>
+        <p:nvSpPr>
+          <p:cNvPr id="8" name="TextBox 7">
+            <a:extLst>
+              <a:ext uri="{FF2B5EF4-FFF2-40B4-BE49-F238E27FC236}">
+                <a16:creationId xmlns:a16="http://schemas.microsoft.com/office/drawing/2014/main" id="{2374E9AE-8D65-4C85-A4AC-BBB9AA519202}"/>
+              </a:ext>
+            </a:extLst>
+          </p:cNvPr>
+          <p:cNvSpPr txBox="1"/>
+          <p:nvPr/>
+        </p:nvSpPr>
+        <p:spPr>
+          <a:xfrm>
+            <a:off x="8959271" y="43105"/>
+            <a:ext cx="184730" cy="646331"/>
+          </a:xfrm>
+          <a:prstGeom prst="rect">
+            <a:avLst/>
+          </a:prstGeom>
+          <a:noFill/>
+        </p:spPr>
+        <p:txBody>
+          <a:bodyPr wrap="none" rtlCol="0">
+            <a:spAutoFit/>
+          </a:bodyPr>
+          <a:lstStyle/>
+          <a:p>
+            <a:pPr algn="r"/>
+            <a:endParaRPr lang="bg-BG" sz="1200" dirty="0">
+              <a:solidFill>
+                <a:schemeClr val="bg1">
+                  <a:lumMod val="95000"/>
+                </a:schemeClr>
+              </a:solidFill>
+            </a:endParaRPr>
+          </a:p>
+          <a:p>
+            <a:pPr algn="r"/>
+            <a:endParaRPr lang="en-US" sz="1200" dirty="0">
+              <a:solidFill>
+                <a:schemeClr val="bg1">
+                  <a:lumMod val="95000"/>
+                </a:schemeClr>
+              </a:solidFill>
+            </a:endParaRPr>
+          </a:p>
+          <a:p>
+            <a:pPr algn="r"/>
+            <a:endParaRPr lang="en-US" sz="1200" b="1" dirty="0">
+              <a:solidFill>
+                <a:schemeClr val="bg1"/>
+              </a:solidFill>
+            </a:endParaRPr>
+          </a:p>
+        </p:txBody>
+      </p:sp>
+      <p:sp>
+        <p:nvSpPr>
+          <p:cNvPr id="47" name="Rectangle: Rounded Corners 5">
+            <a:extLst>
+              <a:ext uri="{FF2B5EF4-FFF2-40B4-BE49-F238E27FC236}">
+                <a16:creationId xmlns:a16="http://schemas.microsoft.com/office/drawing/2014/main" id="{682EAE92-D6DF-494B-9CC1-FF2B7145CC2C}"/>
+              </a:ext>
+            </a:extLst>
+          </p:cNvPr>
+          <p:cNvSpPr/>
+          <p:nvPr/>
+        </p:nvSpPr>
+        <p:spPr>
+          <a:xfrm>
+            <a:off x="323528" y="605860"/>
+            <a:ext cx="8496944" cy="504056"/>
+          </a:xfrm>
+          <a:prstGeom prst="roundRect">
+            <a:avLst/>
+          </a:prstGeom>
+          <a:solidFill>
+            <a:srgbClr val="127994"/>
+          </a:solidFill>
+          <a:ln>
+            <a:noFill/>
+          </a:ln>
+          <a:effectLst>
+            <a:outerShdw blurRad="50800" dist="38100" dir="5400000" algn="t" rotWithShape="0">
+              <a:prstClr val="black">
+                <a:alpha val="40000"/>
+              </a:prstClr>
+            </a:outerShdw>
+          </a:effectLst>
+        </p:spPr>
+        <p:style>
+          <a:lnRef idx="2">
+            <a:schemeClr val="accent1">
+              <a:shade val="50000"/>
+            </a:schemeClr>
+          </a:lnRef>
+          <a:fillRef idx="1">
+            <a:schemeClr val="accent1"/>
+          </a:fillRef>
+          <a:effectRef idx="0">
+            <a:schemeClr val="accent1"/>
+          </a:effectRef>
+          <a:fontRef idx="minor">
+            <a:schemeClr val="lt1"/>
+          </a:fontRef>
+        </p:style>
+        <p:txBody>
+          <a:bodyPr rtlCol="0" anchor="ctr"/>
+          <a:lstStyle/>
+          <a:p>
+            <a:pPr algn="ctr"/>
+            <a:r>
+              <a:rPr lang="en-US" dirty="0"/>
+              <a:t>@font-face and font-family</a:t>
+            </a:r>
+            <a:endParaRPr lang="bg-BG" dirty="0"/>
+          </a:p>
+        </p:txBody>
+      </p:sp>
+      <p:sp>
+        <p:nvSpPr>
+          <p:cNvPr id="3" name="TextBox 2"/>
+          <p:cNvSpPr txBox="1"/>
+          <p:nvPr/>
+        </p:nvSpPr>
+        <p:spPr>
+          <a:xfrm>
+            <a:off x="323529" y="1489348"/>
+            <a:ext cx="8496944" cy="3046988"/>
+          </a:xfrm>
+          <a:prstGeom prst="rect">
+            <a:avLst/>
+          </a:prstGeom>
+          <a:noFill/>
+        </p:spPr>
+        <p:txBody>
+          <a:bodyPr wrap="square" rtlCol="0">
+            <a:spAutoFit/>
+          </a:bodyPr>
+          <a:lstStyle/>
+          <a:p>
+            <a:pPr lvl="0"/>
+            <a:r>
+              <a:rPr lang="en-US" sz="1600" dirty="0"/>
+              <a:t>@font-face rule </a:t>
+            </a:r>
+            <a:r>
+              <a:rPr lang="bg-BG" sz="1600" dirty="0"/>
+              <a:t>– </a:t>
+            </a:r>
+            <a:r>
+              <a:rPr lang="en-US" sz="1600" dirty="0"/>
+              <a:t>CSS </a:t>
+            </a:r>
+            <a:r>
+              <a:rPr lang="bg-BG" sz="1600" dirty="0"/>
+              <a:t>правило, което позволява да свалим конкретен шрифт и да го представим на </a:t>
+            </a:r>
+            <a:r>
+              <a:rPr lang="en-US" sz="1600" dirty="0"/>
+              <a:t>web </a:t>
+            </a:r>
+            <a:r>
+              <a:rPr lang="bg-BG" sz="1600" dirty="0"/>
+              <a:t>страница, </a:t>
+            </a:r>
+            <a:r>
+              <a:rPr lang="en-US" sz="1600" dirty="0"/>
+              <a:t>a</a:t>
+            </a:r>
+            <a:r>
+              <a:rPr lang="bg-BG" sz="1600" dirty="0"/>
+              <a:t>ко потребителя няма този шрифт.</a:t>
+            </a:r>
+          </a:p>
+          <a:p>
+            <a:pPr lvl="0"/>
+            <a:endParaRPr lang="bg-BG" sz="1600" dirty="0"/>
+          </a:p>
+          <a:p>
+            <a:pPr lvl="0"/>
+            <a:r>
+              <a:rPr lang="bg-BG" sz="1600" dirty="0"/>
+              <a:t>Използването на @</a:t>
+            </a:r>
+            <a:r>
+              <a:rPr lang="en-US" sz="1600" dirty="0"/>
+              <a:t>font-face </a:t>
+            </a:r>
+            <a:r>
+              <a:rPr lang="bg-BG" sz="1600" dirty="0"/>
+              <a:t>ни позволява да приложим шрифт по наше усмотрение, който е извън групата на т.нар. </a:t>
+            </a:r>
+            <a:r>
+              <a:rPr lang="en-US" sz="1600" dirty="0"/>
+              <a:t>Web Safe Fonts.</a:t>
+            </a:r>
+          </a:p>
+          <a:p>
+            <a:pPr lvl="0"/>
+            <a:endParaRPr lang="en-US" sz="1600" dirty="0"/>
+          </a:p>
+          <a:p>
+            <a:pPr lvl="0"/>
+            <a:r>
+              <a:rPr lang="en-US" sz="1600" dirty="0"/>
+              <a:t>Web safe fonts – </a:t>
+            </a:r>
+            <a:r>
+              <a:rPr lang="bg-BG" sz="1600" dirty="0"/>
+              <a:t>достъпни са до голям набор от операционни системи</a:t>
+            </a:r>
+            <a:r>
+              <a:rPr lang="en-US" sz="1600" dirty="0"/>
+              <a:t>, </a:t>
+            </a:r>
+            <a:r>
+              <a:rPr lang="bg-BG" sz="1600" dirty="0"/>
+              <a:t>инсталирани са </a:t>
+            </a:r>
+          </a:p>
+          <a:p>
+            <a:pPr lvl="0"/>
+            <a:r>
+              <a:rPr lang="bg-BG" sz="1600" dirty="0"/>
+              <a:t>предварително и служат като </a:t>
+            </a:r>
+            <a:r>
+              <a:rPr lang="en-US" sz="1600" i="1" dirty="0"/>
+              <a:t>fallback*</a:t>
+            </a:r>
+            <a:r>
+              <a:rPr lang="bg-BG" sz="1600" i="1" dirty="0"/>
+              <a:t>.</a:t>
+            </a:r>
+          </a:p>
+          <a:p>
+            <a:pPr lvl="0"/>
+            <a:endParaRPr lang="bg-BG" sz="1600" i="1" dirty="0"/>
+          </a:p>
+          <a:p>
+            <a:pPr lvl="0"/>
+            <a:r>
+              <a:rPr lang="en-US" sz="1600" i="1" dirty="0"/>
+              <a:t>Arial, Helvetica, Times New Roman, Courier, Courier New,</a:t>
+            </a:r>
+            <a:r>
+              <a:rPr lang="bg-BG" sz="1600" i="1" dirty="0"/>
+              <a:t> </a:t>
+            </a:r>
+            <a:r>
+              <a:rPr lang="en-US" sz="1600" i="1" dirty="0"/>
+              <a:t>Verdana, Georgia…</a:t>
+            </a:r>
+          </a:p>
+          <a:p>
+            <a:pPr lvl="0"/>
+            <a:endParaRPr lang="en-US" sz="1600" i="1" dirty="0"/>
+          </a:p>
+          <a:p>
+            <a:pPr lvl="0"/>
+            <a:r>
+              <a:rPr lang="en-US" sz="1600" dirty="0"/>
+              <a:t>font-family – CSS property</a:t>
+            </a:r>
+            <a:r>
+              <a:rPr lang="bg-BG" sz="1600" dirty="0"/>
+              <a:t> което дефинира шрифта на даден елемент.</a:t>
+            </a:r>
+          </a:p>
+        </p:txBody>
+      </p:sp>
+    </p:spTree>
+    <p:extLst>
+      <p:ext uri="{BB962C8B-B14F-4D97-AF65-F5344CB8AC3E}">
+        <p14:creationId xmlns:p14="http://schemas.microsoft.com/office/powerpoint/2010/main" val="1811356512"/>
+      </p:ext>
+    </p:extLst>
+  </p:cSld>
+  <p:clrMapOvr>
+    <a:masterClrMapping/>
+  </p:clrMapOvr>
+</p:sld>
+</file>
+
+<file path=ppt/slides/slide5.xml><?xml version="1.0" encoding="utf-8"?>
+<p:sld xmlns:a="http://schemas.openxmlformats.org/drawingml/2006/main" xmlns:r="http://schemas.openxmlformats.org/officeDocument/2006/relationships" xmlns:p="http://schemas.openxmlformats.org/presentationml/2006/main">
+  <p:cSld>
+    <p:bg>
+      <p:bgPr>
+        <a:blipFill dpi="0" rotWithShape="1">
+          <a:blip r:embed="rId3">
+            <a:lum/>
+          </a:blip>
+          <a:srcRect/>
+          <a:stretch>
+            <a:fillRect/>
+          </a:stretch>
+        </a:blipFill>
+        <a:effectLst/>
+      </p:bgPr>
+    </p:bg>
+    <p:spTree>
+      <p:nvGrpSpPr>
+        <p:cNvPr id="1" name=""/>
+        <p:cNvGrpSpPr/>
+        <p:nvPr/>
+      </p:nvGrpSpPr>
+      <p:grpSpPr>
+        <a:xfrm>
+          <a:off x="0" y="0"/>
+          <a:ext cx="0" cy="0"/>
+          <a:chOff x="0" y="0"/>
+          <a:chExt cx="0" cy="0"/>
+        </a:xfrm>
+      </p:grpSpPr>
+      <p:sp>
+        <p:nvSpPr>
+          <p:cNvPr id="39" name="Rectangle 38">
+            <a:extLst>
+              <a:ext uri="{FF2B5EF4-FFF2-40B4-BE49-F238E27FC236}">
+                <a16:creationId xmlns:a16="http://schemas.microsoft.com/office/drawing/2014/main" id="{C1C163D1-85A2-4643-BA3C-22035ECBF6E9}"/>
+              </a:ext>
+            </a:extLst>
+          </p:cNvPr>
+          <p:cNvSpPr/>
+          <p:nvPr/>
+        </p:nvSpPr>
+        <p:spPr>
+          <a:xfrm>
+            <a:off x="7210970" y="0"/>
+            <a:ext cx="1933031" cy="356965"/>
+          </a:xfrm>
+          <a:prstGeom prst="rect">
+            <a:avLst/>
+          </a:prstGeom>
+          <a:solidFill>
+            <a:srgbClr val="0F7792">
+              <a:alpha val="50196"/>
+            </a:srgbClr>
+          </a:solidFill>
+          <a:ln>
+            <a:noFill/>
+          </a:ln>
+        </p:spPr>
+        <p:style>
+          <a:lnRef idx="2">
+            <a:schemeClr val="accent1">
+              <a:shade val="50000"/>
+            </a:schemeClr>
+          </a:lnRef>
+          <a:fillRef idx="1">
+            <a:schemeClr val="accent1"/>
+          </a:fillRef>
+          <a:effectRef idx="0">
+            <a:schemeClr val="accent1"/>
+          </a:effectRef>
+          <a:fontRef idx="minor">
+            <a:schemeClr val="lt1"/>
+          </a:fontRef>
+        </p:style>
+        <p:txBody>
+          <a:bodyPr rtlCol="0" anchor="ctr"/>
+          <a:lstStyle/>
+          <a:p>
+            <a:pPr algn="ctr"/>
+            <a:r>
+              <a:rPr lang="en-US" sz="1400" dirty="0"/>
+              <a:t>Font-styles</a:t>
+            </a:r>
+          </a:p>
+        </p:txBody>
+      </p:sp>
+      <p:sp>
+        <p:nvSpPr>
+          <p:cNvPr id="5" name="Rectangle 4">
+            <a:extLst>
+              <a:ext uri="{FF2B5EF4-FFF2-40B4-BE49-F238E27FC236}">
+                <a16:creationId xmlns:a16="http://schemas.microsoft.com/office/drawing/2014/main" id="{12131ED0-4950-475C-B7DC-450FBBF3C54A}"/>
+              </a:ext>
+            </a:extLst>
+          </p:cNvPr>
+          <p:cNvSpPr/>
+          <p:nvPr/>
+        </p:nvSpPr>
+        <p:spPr>
+          <a:xfrm>
+            <a:off x="0" y="0"/>
+            <a:ext cx="4283968" cy="356965"/>
+          </a:xfrm>
+          <a:prstGeom prst="rect">
+            <a:avLst/>
+          </a:prstGeom>
+          <a:solidFill>
+            <a:srgbClr val="0F7792"/>
+          </a:solidFill>
+          <a:ln>
+            <a:noFill/>
+          </a:ln>
+        </p:spPr>
+        <p:style>
+          <a:lnRef idx="2">
+            <a:schemeClr val="accent1">
+              <a:shade val="50000"/>
+            </a:schemeClr>
+          </a:lnRef>
+          <a:fillRef idx="1">
+            <a:schemeClr val="accent1"/>
+          </a:fillRef>
+          <a:effectRef idx="0">
+            <a:schemeClr val="accent1"/>
+          </a:effectRef>
+          <a:fontRef idx="minor">
+            <a:schemeClr val="lt1"/>
+          </a:fontRef>
+        </p:style>
+        <p:txBody>
+          <a:bodyPr rtlCol="0" anchor="ctr"/>
+          <a:lstStyle/>
+          <a:p>
+            <a:pPr algn="ctr"/>
+            <a:endParaRPr lang="en-US"/>
+          </a:p>
+        </p:txBody>
+      </p:sp>
+      <p:sp>
+        <p:nvSpPr>
+          <p:cNvPr id="4" name="TextBox 3">
+            <a:extLst>
+              <a:ext uri="{FF2B5EF4-FFF2-40B4-BE49-F238E27FC236}">
+                <a16:creationId xmlns:a16="http://schemas.microsoft.com/office/drawing/2014/main" id="{DB2A6D78-D3DF-4739-BCDE-EE78ED59B04D}"/>
+              </a:ext>
+            </a:extLst>
+          </p:cNvPr>
+          <p:cNvSpPr txBox="1"/>
+          <p:nvPr/>
+        </p:nvSpPr>
+        <p:spPr>
+          <a:xfrm>
+            <a:off x="89756" y="24634"/>
+            <a:ext cx="4122204" cy="276999"/>
+          </a:xfrm>
+          <a:prstGeom prst="rect">
+            <a:avLst/>
+          </a:prstGeom>
+          <a:noFill/>
+        </p:spPr>
+        <p:txBody>
+          <a:bodyPr wrap="square" rtlCol="0">
+            <a:spAutoFit/>
+          </a:bodyPr>
+          <a:lstStyle/>
+          <a:p>
+            <a:r>
+              <a:rPr lang="en-US" sz="1200" dirty="0">
+                <a:solidFill>
+                  <a:schemeClr val="bg1"/>
+                </a:solidFill>
+                <a:latin typeface="Verdana" panose="020B0604030504040204" pitchFamily="34" charset="0"/>
+                <a:ea typeface="Verdana" panose="020B0604030504040204" pitchFamily="34" charset="0"/>
+                <a:cs typeface="Verdana" panose="020B0604030504040204" pitchFamily="34" charset="0"/>
+              </a:rPr>
+              <a:t>11. Fonts, SVGs and images</a:t>
+            </a:r>
+            <a:endParaRPr lang="bg-BG" sz="1200" dirty="0">
+              <a:solidFill>
+                <a:schemeClr val="bg1"/>
+              </a:solidFill>
+              <a:latin typeface="Verdana" panose="020B0604030504040204" pitchFamily="34" charset="0"/>
+              <a:ea typeface="Verdana" panose="020B0604030504040204" pitchFamily="34" charset="0"/>
+              <a:cs typeface="Verdana" panose="020B0604030504040204" pitchFamily="34" charset="0"/>
+            </a:endParaRPr>
+          </a:p>
+        </p:txBody>
+      </p:sp>
+      <p:sp>
+        <p:nvSpPr>
+          <p:cNvPr id="8" name="TextBox 7">
+            <a:extLst>
+              <a:ext uri="{FF2B5EF4-FFF2-40B4-BE49-F238E27FC236}">
+                <a16:creationId xmlns:a16="http://schemas.microsoft.com/office/drawing/2014/main" id="{2374E9AE-8D65-4C85-A4AC-BBB9AA519202}"/>
+              </a:ext>
+            </a:extLst>
+          </p:cNvPr>
+          <p:cNvSpPr txBox="1"/>
+          <p:nvPr/>
+        </p:nvSpPr>
+        <p:spPr>
+          <a:xfrm>
+            <a:off x="8959271" y="43105"/>
+            <a:ext cx="184730" cy="646331"/>
+          </a:xfrm>
+          <a:prstGeom prst="rect">
+            <a:avLst/>
+          </a:prstGeom>
+          <a:noFill/>
+        </p:spPr>
+        <p:txBody>
+          <a:bodyPr wrap="none" rtlCol="0">
+            <a:spAutoFit/>
+          </a:bodyPr>
+          <a:lstStyle/>
+          <a:p>
+            <a:pPr algn="r"/>
+            <a:endParaRPr lang="bg-BG" sz="1200" dirty="0">
+              <a:solidFill>
+                <a:schemeClr val="bg1">
+                  <a:lumMod val="95000"/>
+                </a:schemeClr>
+              </a:solidFill>
+            </a:endParaRPr>
+          </a:p>
+          <a:p>
+            <a:pPr algn="r"/>
+            <a:endParaRPr lang="en-US" sz="1200" dirty="0">
+              <a:solidFill>
+                <a:schemeClr val="bg1">
+                  <a:lumMod val="95000"/>
+                </a:schemeClr>
+              </a:solidFill>
+            </a:endParaRPr>
+          </a:p>
+          <a:p>
+            <a:pPr algn="r"/>
+            <a:endParaRPr lang="en-US" sz="1200" b="1" dirty="0">
+              <a:solidFill>
+                <a:schemeClr val="bg1"/>
+              </a:solidFill>
+            </a:endParaRPr>
+          </a:p>
+        </p:txBody>
+      </p:sp>
+      <p:sp>
+        <p:nvSpPr>
+          <p:cNvPr id="47" name="Rectangle: Rounded Corners 5">
+            <a:extLst>
+              <a:ext uri="{FF2B5EF4-FFF2-40B4-BE49-F238E27FC236}">
+                <a16:creationId xmlns:a16="http://schemas.microsoft.com/office/drawing/2014/main" id="{682EAE92-D6DF-494B-9CC1-FF2B7145CC2C}"/>
+              </a:ext>
+            </a:extLst>
+          </p:cNvPr>
+          <p:cNvSpPr/>
+          <p:nvPr/>
+        </p:nvSpPr>
+        <p:spPr>
+          <a:xfrm>
+            <a:off x="323528" y="605860"/>
+            <a:ext cx="8496944" cy="504056"/>
+          </a:xfrm>
+          <a:prstGeom prst="roundRect">
+            <a:avLst/>
+          </a:prstGeom>
+          <a:solidFill>
+            <a:srgbClr val="127994"/>
+          </a:solidFill>
+          <a:ln>
+            <a:noFill/>
+          </a:ln>
+          <a:effectLst>
+            <a:outerShdw blurRad="50800" dist="38100" dir="5400000" algn="t" rotWithShape="0">
+              <a:prstClr val="black">
+                <a:alpha val="40000"/>
+              </a:prstClr>
+            </a:outerShdw>
+          </a:effectLst>
+        </p:spPr>
+        <p:style>
+          <a:lnRef idx="2">
+            <a:schemeClr val="accent1">
+              <a:shade val="50000"/>
+            </a:schemeClr>
+          </a:lnRef>
+          <a:fillRef idx="1">
+            <a:schemeClr val="accent1"/>
+          </a:fillRef>
+          <a:effectRef idx="0">
+            <a:schemeClr val="accent1"/>
+          </a:effectRef>
+          <a:fontRef idx="minor">
+            <a:schemeClr val="lt1"/>
+          </a:fontRef>
+        </p:style>
+        <p:txBody>
+          <a:bodyPr rtlCol="0" anchor="ctr"/>
+          <a:lstStyle/>
+          <a:p>
+            <a:pPr algn="ctr"/>
+            <a:r>
+              <a:rPr lang="en-US" dirty="0"/>
+              <a:t>@font-face and font-family</a:t>
+            </a:r>
+            <a:endParaRPr lang="bg-BG" dirty="0"/>
+          </a:p>
+        </p:txBody>
+      </p:sp>
+      <p:sp>
+        <p:nvSpPr>
+          <p:cNvPr id="3" name="TextBox 2"/>
+          <p:cNvSpPr txBox="1"/>
+          <p:nvPr/>
+        </p:nvSpPr>
+        <p:spPr>
+          <a:xfrm>
+            <a:off x="323529" y="1489348"/>
+            <a:ext cx="8496944" cy="338554"/>
+          </a:xfrm>
+          <a:prstGeom prst="rect">
+            <a:avLst/>
+          </a:prstGeom>
+          <a:noFill/>
+        </p:spPr>
+        <p:txBody>
+          <a:bodyPr wrap="square" rtlCol="0">
+            <a:spAutoFit/>
+          </a:bodyPr>
+          <a:lstStyle/>
+          <a:p>
+            <a:pPr lvl="0"/>
+            <a:endParaRPr lang="en-US" sz="1600" dirty="0"/>
+          </a:p>
+        </p:txBody>
+      </p:sp>
+      <p:pic>
+        <p:nvPicPr>
+          <p:cNvPr id="2" name="Picture 1">
+            <a:extLst>
+              <a:ext uri="{FF2B5EF4-FFF2-40B4-BE49-F238E27FC236}">
+                <a16:creationId xmlns:a16="http://schemas.microsoft.com/office/drawing/2014/main" id="{2671C021-C7B6-49C8-BFB7-D7D2364BC1B6}"/>
+              </a:ext>
+            </a:extLst>
+          </p:cNvPr>
+          <p:cNvPicPr>
+            <a:picLocks noChangeAspect="1"/>
+          </p:cNvPicPr>
+          <p:nvPr/>
+        </p:nvPicPr>
+        <p:blipFill>
+          <a:blip r:embed="rId4"/>
+          <a:stretch>
+            <a:fillRect/>
+          </a:stretch>
+        </p:blipFill>
+        <p:spPr>
+          <a:xfrm>
+            <a:off x="1458106" y="1489348"/>
+            <a:ext cx="6227787" cy="3330738"/>
+          </a:xfrm>
+          <a:prstGeom prst="rect">
+            <a:avLst/>
+          </a:prstGeom>
+        </p:spPr>
+      </p:pic>
+    </p:spTree>
+    <p:extLst>
+      <p:ext uri="{BB962C8B-B14F-4D97-AF65-F5344CB8AC3E}">
+        <p14:creationId xmlns:p14="http://schemas.microsoft.com/office/powerpoint/2010/main" val="3110977940"/>
+      </p:ext>
+    </p:extLst>
+  </p:cSld>
+  <p:clrMapOvr>
+    <a:masterClrMapping/>
+  </p:clrMapOvr>
+</p:sld>
+</file>
+
+<file path=ppt/slides/slide6.xml><?xml version="1.0" encoding="utf-8"?>
+<p:sld xmlns:a="http://schemas.openxmlformats.org/drawingml/2006/main" xmlns:r="http://schemas.openxmlformats.org/officeDocument/2006/relationships" xmlns:p="http://schemas.openxmlformats.org/presentationml/2006/main">
+  <p:cSld>
+    <p:bg>
+      <p:bgPr>
+        <a:blipFill dpi="0" rotWithShape="1">
+          <a:blip r:embed="rId3">
+            <a:lum/>
+          </a:blip>
+          <a:srcRect/>
+          <a:stretch>
+            <a:fillRect/>
+          </a:stretch>
+        </a:blipFill>
+        <a:effectLst/>
+      </p:bgPr>
+    </p:bg>
+    <p:spTree>
+      <p:nvGrpSpPr>
+        <p:cNvPr id="1" name=""/>
+        <p:cNvGrpSpPr/>
+        <p:nvPr/>
+      </p:nvGrpSpPr>
+      <p:grpSpPr>
+        <a:xfrm>
+          <a:off x="0" y="0"/>
+          <a:ext cx="0" cy="0"/>
+          <a:chOff x="0" y="0"/>
+          <a:chExt cx="0" cy="0"/>
+        </a:xfrm>
+      </p:grpSpPr>
+      <p:sp>
+        <p:nvSpPr>
+          <p:cNvPr id="39" name="Rectangle 38">
+            <a:extLst>
+              <a:ext uri="{FF2B5EF4-FFF2-40B4-BE49-F238E27FC236}">
+                <a16:creationId xmlns:a16="http://schemas.microsoft.com/office/drawing/2014/main" id="{C1C163D1-85A2-4643-BA3C-22035ECBF6E9}"/>
+              </a:ext>
+            </a:extLst>
+          </p:cNvPr>
+          <p:cNvSpPr/>
+          <p:nvPr/>
+        </p:nvSpPr>
+        <p:spPr>
+          <a:xfrm>
+            <a:off x="7210970" y="0"/>
+            <a:ext cx="1933031" cy="356965"/>
+          </a:xfrm>
+          <a:prstGeom prst="rect">
+            <a:avLst/>
+          </a:prstGeom>
+          <a:solidFill>
+            <a:srgbClr val="0F7792">
+              <a:alpha val="50196"/>
+            </a:srgbClr>
+          </a:solidFill>
+          <a:ln>
+            <a:noFill/>
+          </a:ln>
+        </p:spPr>
+        <p:style>
+          <a:lnRef idx="2">
+            <a:schemeClr val="accent1">
+              <a:shade val="50000"/>
+            </a:schemeClr>
+          </a:lnRef>
+          <a:fillRef idx="1">
+            <a:schemeClr val="accent1"/>
+          </a:fillRef>
+          <a:effectRef idx="0">
+            <a:schemeClr val="accent1"/>
+          </a:effectRef>
+          <a:fontRef idx="minor">
+            <a:schemeClr val="lt1"/>
+          </a:fontRef>
+        </p:style>
+        <p:txBody>
+          <a:bodyPr rtlCol="0" anchor="ctr"/>
+          <a:lstStyle/>
+          <a:p>
+            <a:pPr algn="ctr"/>
+            <a:r>
+              <a:rPr lang="en-US" sz="1400" dirty="0"/>
+              <a:t>Font-styles</a:t>
+            </a:r>
+          </a:p>
+        </p:txBody>
+      </p:sp>
+      <p:sp>
+        <p:nvSpPr>
+          <p:cNvPr id="5" name="Rectangle 4">
+            <a:extLst>
+              <a:ext uri="{FF2B5EF4-FFF2-40B4-BE49-F238E27FC236}">
+                <a16:creationId xmlns:a16="http://schemas.microsoft.com/office/drawing/2014/main" id="{12131ED0-4950-475C-B7DC-450FBBF3C54A}"/>
+              </a:ext>
+            </a:extLst>
+          </p:cNvPr>
+          <p:cNvSpPr/>
+          <p:nvPr/>
+        </p:nvSpPr>
+        <p:spPr>
+          <a:xfrm>
+            <a:off x="0" y="0"/>
+            <a:ext cx="4283968" cy="356965"/>
+          </a:xfrm>
+          <a:prstGeom prst="rect">
+            <a:avLst/>
+          </a:prstGeom>
+          <a:solidFill>
+            <a:srgbClr val="0F7792"/>
+          </a:solidFill>
+          <a:ln>
+            <a:noFill/>
+          </a:ln>
+        </p:spPr>
+        <p:style>
+          <a:lnRef idx="2">
+            <a:schemeClr val="accent1">
+              <a:shade val="50000"/>
+            </a:schemeClr>
+          </a:lnRef>
+          <a:fillRef idx="1">
+            <a:schemeClr val="accent1"/>
+          </a:fillRef>
+          <a:effectRef idx="0">
+            <a:schemeClr val="accent1"/>
+          </a:effectRef>
+          <a:fontRef idx="minor">
+            <a:schemeClr val="lt1"/>
+          </a:fontRef>
+        </p:style>
+        <p:txBody>
+          <a:bodyPr rtlCol="0" anchor="ctr"/>
+          <a:lstStyle/>
+          <a:p>
+            <a:pPr algn="ctr"/>
+            <a:endParaRPr lang="en-US"/>
+          </a:p>
+        </p:txBody>
+      </p:sp>
+      <p:sp>
+        <p:nvSpPr>
+          <p:cNvPr id="4" name="TextBox 3">
+            <a:extLst>
+              <a:ext uri="{FF2B5EF4-FFF2-40B4-BE49-F238E27FC236}">
+                <a16:creationId xmlns:a16="http://schemas.microsoft.com/office/drawing/2014/main" id="{DB2A6D78-D3DF-4739-BCDE-EE78ED59B04D}"/>
+              </a:ext>
+            </a:extLst>
+          </p:cNvPr>
+          <p:cNvSpPr txBox="1"/>
+          <p:nvPr/>
+        </p:nvSpPr>
+        <p:spPr>
+          <a:xfrm>
+            <a:off x="89756" y="24634"/>
+            <a:ext cx="4122204" cy="276999"/>
+          </a:xfrm>
+          <a:prstGeom prst="rect">
+            <a:avLst/>
+          </a:prstGeom>
+          <a:noFill/>
+        </p:spPr>
+        <p:txBody>
+          <a:bodyPr wrap="square" rtlCol="0">
+            <a:spAutoFit/>
+          </a:bodyPr>
+          <a:lstStyle/>
+          <a:p>
+            <a:r>
+              <a:rPr lang="en-US" sz="1200" dirty="0">
+                <a:solidFill>
+                  <a:schemeClr val="bg1"/>
+                </a:solidFill>
+                <a:latin typeface="Verdana" panose="020B0604030504040204" pitchFamily="34" charset="0"/>
+                <a:ea typeface="Verdana" panose="020B0604030504040204" pitchFamily="34" charset="0"/>
+                <a:cs typeface="Verdana" panose="020B0604030504040204" pitchFamily="34" charset="0"/>
+              </a:rPr>
+              <a:t>11. Fonts, SVGs and images</a:t>
+            </a:r>
+            <a:endParaRPr lang="bg-BG" sz="1200" dirty="0">
+              <a:solidFill>
+                <a:schemeClr val="bg1"/>
+              </a:solidFill>
+              <a:latin typeface="Verdana" panose="020B0604030504040204" pitchFamily="34" charset="0"/>
+              <a:ea typeface="Verdana" panose="020B0604030504040204" pitchFamily="34" charset="0"/>
+              <a:cs typeface="Verdana" panose="020B0604030504040204" pitchFamily="34" charset="0"/>
+            </a:endParaRPr>
+          </a:p>
+        </p:txBody>
+      </p:sp>
+      <p:sp>
+        <p:nvSpPr>
+          <p:cNvPr id="8" name="TextBox 7">
+            <a:extLst>
+              <a:ext uri="{FF2B5EF4-FFF2-40B4-BE49-F238E27FC236}">
+                <a16:creationId xmlns:a16="http://schemas.microsoft.com/office/drawing/2014/main" id="{2374E9AE-8D65-4C85-A4AC-BBB9AA519202}"/>
+              </a:ext>
+            </a:extLst>
+          </p:cNvPr>
+          <p:cNvSpPr txBox="1"/>
+          <p:nvPr/>
+        </p:nvSpPr>
+        <p:spPr>
+          <a:xfrm>
+            <a:off x="8959271" y="43105"/>
+            <a:ext cx="184730" cy="646331"/>
+          </a:xfrm>
+          <a:prstGeom prst="rect">
+            <a:avLst/>
+          </a:prstGeom>
+          <a:noFill/>
+        </p:spPr>
+        <p:txBody>
+          <a:bodyPr wrap="none" rtlCol="0">
+            <a:spAutoFit/>
+          </a:bodyPr>
+          <a:lstStyle/>
+          <a:p>
+            <a:pPr algn="r"/>
+            <a:endParaRPr lang="bg-BG" sz="1200" dirty="0">
+              <a:solidFill>
+                <a:schemeClr val="bg1">
+                  <a:lumMod val="95000"/>
+                </a:schemeClr>
+              </a:solidFill>
+            </a:endParaRPr>
+          </a:p>
+          <a:p>
+            <a:pPr algn="r"/>
+            <a:endParaRPr lang="en-US" sz="1200" dirty="0">
+              <a:solidFill>
+                <a:schemeClr val="bg1">
+                  <a:lumMod val="95000"/>
+                </a:schemeClr>
+              </a:solidFill>
+            </a:endParaRPr>
+          </a:p>
+          <a:p>
+            <a:pPr algn="r"/>
+            <a:endParaRPr lang="en-US" sz="1200" b="1" dirty="0">
+              <a:solidFill>
+                <a:schemeClr val="bg1"/>
+              </a:solidFill>
+            </a:endParaRPr>
+          </a:p>
+        </p:txBody>
+      </p:sp>
+      <p:sp>
+        <p:nvSpPr>
+          <p:cNvPr id="47" name="Rectangle: Rounded Corners 5">
+            <a:extLst>
+              <a:ext uri="{FF2B5EF4-FFF2-40B4-BE49-F238E27FC236}">
+                <a16:creationId xmlns:a16="http://schemas.microsoft.com/office/drawing/2014/main" id="{682EAE92-D6DF-494B-9CC1-FF2B7145CC2C}"/>
+              </a:ext>
+            </a:extLst>
+          </p:cNvPr>
+          <p:cNvSpPr/>
+          <p:nvPr/>
+        </p:nvSpPr>
+        <p:spPr>
+          <a:xfrm>
+            <a:off x="323528" y="605860"/>
+            <a:ext cx="8496944" cy="504056"/>
+          </a:xfrm>
+          <a:prstGeom prst="roundRect">
+            <a:avLst/>
+          </a:prstGeom>
+          <a:solidFill>
+            <a:srgbClr val="127994"/>
+          </a:solidFill>
+          <a:ln>
+            <a:noFill/>
+          </a:ln>
+          <a:effectLst>
+            <a:outerShdw blurRad="50800" dist="38100" dir="5400000" algn="t" rotWithShape="0">
+              <a:prstClr val="black">
+                <a:alpha val="40000"/>
+              </a:prstClr>
+            </a:outerShdw>
+          </a:effectLst>
+        </p:spPr>
+        <p:style>
+          <a:lnRef idx="2">
+            <a:schemeClr val="accent1">
+              <a:shade val="50000"/>
+            </a:schemeClr>
+          </a:lnRef>
+          <a:fillRef idx="1">
+            <a:schemeClr val="accent1"/>
+          </a:fillRef>
+          <a:effectRef idx="0">
+            <a:schemeClr val="accent1"/>
+          </a:effectRef>
+          <a:fontRef idx="minor">
+            <a:schemeClr val="lt1"/>
+          </a:fontRef>
+        </p:style>
+        <p:txBody>
+          <a:bodyPr rtlCol="0" anchor="ctr"/>
+          <a:lstStyle/>
+          <a:p>
+            <a:pPr algn="ctr"/>
+            <a:r>
+              <a:rPr lang="en-US" dirty="0"/>
+              <a:t>@import</a:t>
+            </a:r>
+            <a:endParaRPr lang="bg-BG" dirty="0"/>
+          </a:p>
+        </p:txBody>
+      </p:sp>
+      <p:sp>
+        <p:nvSpPr>
+          <p:cNvPr id="3" name="TextBox 2"/>
+          <p:cNvSpPr txBox="1"/>
+          <p:nvPr/>
+        </p:nvSpPr>
+        <p:spPr>
+          <a:xfrm>
+            <a:off x="323529" y="1489348"/>
+            <a:ext cx="8496944" cy="338554"/>
+          </a:xfrm>
+          <a:prstGeom prst="rect">
+            <a:avLst/>
+          </a:prstGeom>
+          <a:noFill/>
+        </p:spPr>
+        <p:txBody>
+          <a:bodyPr wrap="square" rtlCol="0">
+            <a:spAutoFit/>
+          </a:bodyPr>
+          <a:lstStyle/>
+          <a:p>
+            <a:pPr lvl="0"/>
+            <a:endParaRPr lang="en-US" sz="1600" dirty="0"/>
+          </a:p>
+        </p:txBody>
+      </p:sp>
+      <p:pic>
+        <p:nvPicPr>
+          <p:cNvPr id="6" name="Picture 5">
+            <a:extLst>
+              <a:ext uri="{FF2B5EF4-FFF2-40B4-BE49-F238E27FC236}">
+                <a16:creationId xmlns:a16="http://schemas.microsoft.com/office/drawing/2014/main" id="{5A209A50-8DBF-4D9D-A550-00F20210B987}"/>
+              </a:ext>
+            </a:extLst>
+          </p:cNvPr>
+          <p:cNvPicPr>
+            <a:picLocks noChangeAspect="1"/>
+          </p:cNvPicPr>
+          <p:nvPr/>
+        </p:nvPicPr>
+        <p:blipFill>
+          <a:blip r:embed="rId4"/>
+          <a:stretch>
+            <a:fillRect/>
+          </a:stretch>
+        </p:blipFill>
+        <p:spPr>
+          <a:xfrm>
+            <a:off x="1917276" y="1658625"/>
+            <a:ext cx="5267325" cy="1695450"/>
+          </a:xfrm>
+          <a:prstGeom prst="rect">
+            <a:avLst/>
+          </a:prstGeom>
+        </p:spPr>
+      </p:pic>
+    </p:spTree>
+    <p:extLst>
+      <p:ext uri="{BB962C8B-B14F-4D97-AF65-F5344CB8AC3E}">
+        <p14:creationId xmlns:p14="http://schemas.microsoft.com/office/powerpoint/2010/main" val="823622782"/>
+      </p:ext>
+    </p:extLst>
+  </p:cSld>
+  <p:clrMapOvr>
+    <a:masterClrMapping/>
+  </p:clrMapOvr>
+</p:sld>
+</file>
+
+<file path=ppt/slides/slide7.xml><?xml version="1.0" encoding="utf-8"?>
+<p:sld xmlns:a="http://schemas.openxmlformats.org/drawingml/2006/main" xmlns:r="http://schemas.openxmlformats.org/officeDocument/2006/relationships" xmlns:p="http://schemas.openxmlformats.org/presentationml/2006/main">
+  <p:cSld>
+    <p:bg>
+      <p:bgPr>
+        <a:blipFill dpi="0" rotWithShape="1">
+          <a:blip r:embed="rId3">
+            <a:lum/>
+          </a:blip>
+          <a:srcRect/>
+          <a:stretch>
+            <a:fillRect/>
+          </a:stretch>
+        </a:blipFill>
+        <a:effectLst/>
+      </p:bgPr>
+    </p:bg>
+    <p:spTree>
+      <p:nvGrpSpPr>
+        <p:cNvPr id="1" name=""/>
+        <p:cNvGrpSpPr/>
+        <p:nvPr/>
+      </p:nvGrpSpPr>
+      <p:grpSpPr>
+        <a:xfrm>
+          <a:off x="0" y="0"/>
+          <a:ext cx="0" cy="0"/>
+          <a:chOff x="0" y="0"/>
+          <a:chExt cx="0" cy="0"/>
+        </a:xfrm>
+      </p:grpSpPr>
+      <p:sp>
+        <p:nvSpPr>
+          <p:cNvPr id="39" name="Rectangle 38">
+            <a:extLst>
+              <a:ext uri="{FF2B5EF4-FFF2-40B4-BE49-F238E27FC236}">
+                <a16:creationId xmlns:a16="http://schemas.microsoft.com/office/drawing/2014/main" id="{C1C163D1-85A2-4643-BA3C-22035ECBF6E9}"/>
+              </a:ext>
+            </a:extLst>
+          </p:cNvPr>
+          <p:cNvSpPr/>
+          <p:nvPr/>
+        </p:nvSpPr>
+        <p:spPr>
+          <a:xfrm>
+            <a:off x="7210970" y="0"/>
+            <a:ext cx="1933031" cy="356965"/>
+          </a:xfrm>
+          <a:prstGeom prst="rect">
+            <a:avLst/>
+          </a:prstGeom>
+          <a:solidFill>
+            <a:srgbClr val="0F7792">
+              <a:alpha val="50196"/>
+            </a:srgbClr>
+          </a:solidFill>
+          <a:ln>
+            <a:noFill/>
+          </a:ln>
+        </p:spPr>
+        <p:style>
+          <a:lnRef idx="2">
+            <a:schemeClr val="accent1">
+              <a:shade val="50000"/>
+            </a:schemeClr>
+          </a:lnRef>
+          <a:fillRef idx="1">
+            <a:schemeClr val="accent1"/>
+          </a:fillRef>
+          <a:effectRef idx="0">
+            <a:schemeClr val="accent1"/>
+          </a:effectRef>
+          <a:fontRef idx="minor">
+            <a:schemeClr val="lt1"/>
+          </a:fontRef>
+        </p:style>
+        <p:txBody>
+          <a:bodyPr rtlCol="0" anchor="ctr"/>
+          <a:lstStyle/>
+          <a:p>
+            <a:pPr algn="ctr"/>
+            <a:r>
+              <a:rPr lang="en-US" sz="1400" dirty="0"/>
+              <a:t>Font-styles</a:t>
+            </a:r>
+          </a:p>
+        </p:txBody>
+      </p:sp>
+      <p:sp>
+        <p:nvSpPr>
+          <p:cNvPr id="5" name="Rectangle 4">
+            <a:extLst>
+              <a:ext uri="{FF2B5EF4-FFF2-40B4-BE49-F238E27FC236}">
+                <a16:creationId xmlns:a16="http://schemas.microsoft.com/office/drawing/2014/main" id="{12131ED0-4950-475C-B7DC-450FBBF3C54A}"/>
+              </a:ext>
+            </a:extLst>
+          </p:cNvPr>
+          <p:cNvSpPr/>
+          <p:nvPr/>
+        </p:nvSpPr>
+        <p:spPr>
+          <a:xfrm>
+            <a:off x="0" y="0"/>
+            <a:ext cx="4283968" cy="356965"/>
+          </a:xfrm>
+          <a:prstGeom prst="rect">
+            <a:avLst/>
+          </a:prstGeom>
+          <a:solidFill>
+            <a:srgbClr val="0F7792"/>
+          </a:solidFill>
+          <a:ln>
+            <a:noFill/>
+          </a:ln>
+        </p:spPr>
+        <p:style>
+          <a:lnRef idx="2">
+            <a:schemeClr val="accent1">
+              <a:shade val="50000"/>
+            </a:schemeClr>
+          </a:lnRef>
+          <a:fillRef idx="1">
+            <a:schemeClr val="accent1"/>
+          </a:fillRef>
+          <a:effectRef idx="0">
+            <a:schemeClr val="accent1"/>
+          </a:effectRef>
+          <a:fontRef idx="minor">
+            <a:schemeClr val="lt1"/>
+          </a:fontRef>
+        </p:style>
+        <p:txBody>
+          <a:bodyPr rtlCol="0" anchor="ctr"/>
+          <a:lstStyle/>
+          <a:p>
+            <a:pPr algn="ctr"/>
+            <a:endParaRPr lang="en-US"/>
+          </a:p>
+        </p:txBody>
+      </p:sp>
+      <p:sp>
+        <p:nvSpPr>
+          <p:cNvPr id="4" name="TextBox 3">
+            <a:extLst>
+              <a:ext uri="{FF2B5EF4-FFF2-40B4-BE49-F238E27FC236}">
+                <a16:creationId xmlns:a16="http://schemas.microsoft.com/office/drawing/2014/main" id="{DB2A6D78-D3DF-4739-BCDE-EE78ED59B04D}"/>
+              </a:ext>
+            </a:extLst>
+          </p:cNvPr>
+          <p:cNvSpPr txBox="1"/>
+          <p:nvPr/>
+        </p:nvSpPr>
+        <p:spPr>
+          <a:xfrm>
+            <a:off x="89756" y="24634"/>
+            <a:ext cx="4122204" cy="276999"/>
+          </a:xfrm>
+          <a:prstGeom prst="rect">
+            <a:avLst/>
+          </a:prstGeom>
+          <a:noFill/>
+        </p:spPr>
+        <p:txBody>
+          <a:bodyPr wrap="square" rtlCol="0">
+            <a:spAutoFit/>
+          </a:bodyPr>
+          <a:lstStyle/>
+          <a:p>
+            <a:r>
+              <a:rPr lang="en-US" sz="1200" dirty="0">
+                <a:solidFill>
+                  <a:schemeClr val="bg1"/>
+                </a:solidFill>
+                <a:latin typeface="Verdana" panose="020B0604030504040204" pitchFamily="34" charset="0"/>
+                <a:ea typeface="Verdana" panose="020B0604030504040204" pitchFamily="34" charset="0"/>
+                <a:cs typeface="Verdana" panose="020B0604030504040204" pitchFamily="34" charset="0"/>
+              </a:rPr>
+              <a:t>11. Fonts, SVGs and images</a:t>
+            </a:r>
+            <a:endParaRPr lang="bg-BG" sz="1200" dirty="0">
+              <a:solidFill>
+                <a:schemeClr val="bg1"/>
+              </a:solidFill>
+              <a:latin typeface="Verdana" panose="020B0604030504040204" pitchFamily="34" charset="0"/>
+              <a:ea typeface="Verdana" panose="020B0604030504040204" pitchFamily="34" charset="0"/>
+              <a:cs typeface="Verdana" panose="020B0604030504040204" pitchFamily="34" charset="0"/>
+            </a:endParaRPr>
+          </a:p>
+        </p:txBody>
+      </p:sp>
+      <p:sp>
+        <p:nvSpPr>
+          <p:cNvPr id="8" name="TextBox 7">
+            <a:extLst>
+              <a:ext uri="{FF2B5EF4-FFF2-40B4-BE49-F238E27FC236}">
+                <a16:creationId xmlns:a16="http://schemas.microsoft.com/office/drawing/2014/main" id="{2374E9AE-8D65-4C85-A4AC-BBB9AA519202}"/>
+              </a:ext>
+            </a:extLst>
+          </p:cNvPr>
+          <p:cNvSpPr txBox="1"/>
+          <p:nvPr/>
+        </p:nvSpPr>
+        <p:spPr>
+          <a:xfrm>
+            <a:off x="8959271" y="43105"/>
+            <a:ext cx="184730" cy="646331"/>
+          </a:xfrm>
+          <a:prstGeom prst="rect">
+            <a:avLst/>
+          </a:prstGeom>
+          <a:noFill/>
+        </p:spPr>
+        <p:txBody>
+          <a:bodyPr wrap="none" rtlCol="0">
+            <a:spAutoFit/>
+          </a:bodyPr>
+          <a:lstStyle/>
+          <a:p>
+            <a:pPr algn="r"/>
+            <a:endParaRPr lang="bg-BG" sz="1200" dirty="0">
+              <a:solidFill>
+                <a:schemeClr val="bg1">
+                  <a:lumMod val="95000"/>
+                </a:schemeClr>
+              </a:solidFill>
+            </a:endParaRPr>
+          </a:p>
+          <a:p>
+            <a:pPr algn="r"/>
+            <a:endParaRPr lang="en-US" sz="1200" dirty="0">
+              <a:solidFill>
+                <a:schemeClr val="bg1">
+                  <a:lumMod val="95000"/>
+                </a:schemeClr>
+              </a:solidFill>
+            </a:endParaRPr>
+          </a:p>
+          <a:p>
+            <a:pPr algn="r"/>
+            <a:endParaRPr lang="en-US" sz="1200" b="1" dirty="0">
+              <a:solidFill>
+                <a:schemeClr val="bg1"/>
+              </a:solidFill>
+            </a:endParaRPr>
+          </a:p>
+        </p:txBody>
+      </p:sp>
+      <p:sp>
+        <p:nvSpPr>
+          <p:cNvPr id="47" name="Rectangle: Rounded Corners 5">
+            <a:extLst>
+              <a:ext uri="{FF2B5EF4-FFF2-40B4-BE49-F238E27FC236}">
+                <a16:creationId xmlns:a16="http://schemas.microsoft.com/office/drawing/2014/main" id="{682EAE92-D6DF-494B-9CC1-FF2B7145CC2C}"/>
+              </a:ext>
+            </a:extLst>
+          </p:cNvPr>
+          <p:cNvSpPr/>
+          <p:nvPr/>
+        </p:nvSpPr>
+        <p:spPr>
+          <a:xfrm>
+            <a:off x="323528" y="605860"/>
+            <a:ext cx="8496944" cy="504056"/>
+          </a:xfrm>
+          <a:prstGeom prst="roundRect">
+            <a:avLst/>
+          </a:prstGeom>
+          <a:solidFill>
+            <a:srgbClr val="127994"/>
+          </a:solidFill>
+          <a:ln>
+            <a:noFill/>
+          </a:ln>
+          <a:effectLst>
+            <a:outerShdw blurRad="50800" dist="38100" dir="5400000" algn="t" rotWithShape="0">
+              <a:prstClr val="black">
+                <a:alpha val="40000"/>
+              </a:prstClr>
+            </a:outerShdw>
+          </a:effectLst>
+        </p:spPr>
+        <p:style>
+          <a:lnRef idx="2">
+            <a:schemeClr val="accent1">
+              <a:shade val="50000"/>
+            </a:schemeClr>
+          </a:lnRef>
+          <a:fillRef idx="1">
+            <a:schemeClr val="accent1"/>
+          </a:fillRef>
+          <a:effectRef idx="0">
+            <a:schemeClr val="accent1"/>
+          </a:effectRef>
+          <a:fontRef idx="minor">
+            <a:schemeClr val="lt1"/>
+          </a:fontRef>
+        </p:style>
+        <p:txBody>
+          <a:bodyPr rtlCol="0" anchor="ctr"/>
+          <a:lstStyle/>
+          <a:p>
+            <a:pPr algn="ctr"/>
+            <a:r>
+              <a:rPr lang="en-US" dirty="0"/>
+              <a:t>&lt;link&gt;</a:t>
+            </a:r>
+            <a:r>
+              <a:rPr lang="en-US" dirty="0" err="1"/>
+              <a:t>ing</a:t>
+            </a:r>
+            <a:r>
+              <a:rPr lang="en-US" dirty="0"/>
+              <a:t> a stylesheet</a:t>
+            </a:r>
+            <a:endParaRPr lang="bg-BG" dirty="0"/>
+          </a:p>
+        </p:txBody>
+      </p:sp>
+      <p:sp>
+        <p:nvSpPr>
+          <p:cNvPr id="3" name="TextBox 2"/>
+          <p:cNvSpPr txBox="1"/>
+          <p:nvPr/>
+        </p:nvSpPr>
+        <p:spPr>
+          <a:xfrm>
+            <a:off x="323529" y="1489348"/>
+            <a:ext cx="8496944" cy="338554"/>
+          </a:xfrm>
+          <a:prstGeom prst="rect">
+            <a:avLst/>
+          </a:prstGeom>
+          <a:noFill/>
+        </p:spPr>
+        <p:txBody>
+          <a:bodyPr wrap="square" rtlCol="0">
+            <a:spAutoFit/>
+          </a:bodyPr>
+          <a:lstStyle/>
+          <a:p>
+            <a:pPr lvl="0"/>
+            <a:endParaRPr lang="en-US" sz="1600" dirty="0"/>
+          </a:p>
+        </p:txBody>
+      </p:sp>
+      <p:pic>
+        <p:nvPicPr>
+          <p:cNvPr id="2" name="Picture 1">
+            <a:extLst>
+              <a:ext uri="{FF2B5EF4-FFF2-40B4-BE49-F238E27FC236}">
+                <a16:creationId xmlns:a16="http://schemas.microsoft.com/office/drawing/2014/main" id="{0CFC7417-00F6-405F-B97B-0AC84FCA512A}"/>
+              </a:ext>
+            </a:extLst>
+          </p:cNvPr>
+          <p:cNvPicPr>
+            <a:picLocks noChangeAspect="1"/>
+          </p:cNvPicPr>
+          <p:nvPr/>
+        </p:nvPicPr>
+        <p:blipFill>
+          <a:blip r:embed="rId4"/>
+          <a:stretch>
+            <a:fillRect/>
+          </a:stretch>
+        </p:blipFill>
+        <p:spPr>
+          <a:xfrm>
+            <a:off x="742950" y="2185987"/>
+            <a:ext cx="7658100" cy="1343025"/>
+          </a:xfrm>
+          <a:prstGeom prst="rect">
+            <a:avLst/>
+          </a:prstGeom>
+        </p:spPr>
+      </p:pic>
+    </p:spTree>
+    <p:extLst>
+      <p:ext uri="{BB962C8B-B14F-4D97-AF65-F5344CB8AC3E}">
+        <p14:creationId xmlns:p14="http://schemas.microsoft.com/office/powerpoint/2010/main" val="2741599314"/>
+      </p:ext>
+    </p:extLst>
+  </p:cSld>
+  <p:clrMapOvr>
+    <a:masterClrMapping/>
+  </p:clrMapOvr>
+</p:sld>
+</file>
+
+<file path=ppt/slides/slide8.xml><?xml version="1.0" encoding="utf-8"?>
+<p:sld xmlns:a="http://schemas.openxmlformats.org/drawingml/2006/main" xmlns:r="http://schemas.openxmlformats.org/officeDocument/2006/relationships" xmlns:p="http://schemas.openxmlformats.org/presentationml/2006/main">
+  <p:cSld>
+    <p:bg>
+      <p:bgPr>
+        <a:blipFill dpi="0" rotWithShape="1">
+          <a:blip r:embed="rId3">
+            <a:lum/>
+          </a:blip>
+          <a:srcRect/>
+          <a:stretch>
+            <a:fillRect/>
+          </a:stretch>
+        </a:blipFill>
+        <a:effectLst/>
+      </p:bgPr>
+    </p:bg>
+    <p:spTree>
+      <p:nvGrpSpPr>
+        <p:cNvPr id="1" name=""/>
+        <p:cNvGrpSpPr/>
+        <p:nvPr/>
+      </p:nvGrpSpPr>
+      <p:grpSpPr>
+        <a:xfrm>
+          <a:off x="0" y="0"/>
+          <a:ext cx="0" cy="0"/>
+          <a:chOff x="0" y="0"/>
+          <a:chExt cx="0" cy="0"/>
+        </a:xfrm>
+      </p:grpSpPr>
+      <p:sp>
+        <p:nvSpPr>
+          <p:cNvPr id="39" name="Rectangle 38">
+            <a:extLst>
+              <a:ext uri="{FF2B5EF4-FFF2-40B4-BE49-F238E27FC236}">
+                <a16:creationId xmlns:a16="http://schemas.microsoft.com/office/drawing/2014/main" id="{C1C163D1-85A2-4643-BA3C-22035ECBF6E9}"/>
+              </a:ext>
+            </a:extLst>
+          </p:cNvPr>
+          <p:cNvSpPr/>
+          <p:nvPr/>
+        </p:nvSpPr>
+        <p:spPr>
+          <a:xfrm>
+            <a:off x="7210970" y="0"/>
+            <a:ext cx="1933031" cy="356965"/>
+          </a:xfrm>
+          <a:prstGeom prst="rect">
+            <a:avLst/>
+          </a:prstGeom>
+          <a:solidFill>
+            <a:srgbClr val="0F7792">
+              <a:alpha val="50196"/>
+            </a:srgbClr>
+          </a:solidFill>
+          <a:ln>
+            <a:noFill/>
+          </a:ln>
+        </p:spPr>
+        <p:style>
+          <a:lnRef idx="2">
+            <a:schemeClr val="accent1">
+              <a:shade val="50000"/>
+            </a:schemeClr>
+          </a:lnRef>
+          <a:fillRef idx="1">
+            <a:schemeClr val="accent1"/>
+          </a:fillRef>
+          <a:effectRef idx="0">
+            <a:schemeClr val="accent1"/>
+          </a:effectRef>
+          <a:fontRef idx="minor">
+            <a:schemeClr val="lt1"/>
+          </a:fontRef>
+        </p:style>
+        <p:txBody>
+          <a:bodyPr rtlCol="0" anchor="ctr"/>
+          <a:lstStyle/>
+          <a:p>
+            <a:pPr algn="ctr"/>
+            <a:r>
+              <a:rPr lang="en-US" sz="1400" dirty="0"/>
+              <a:t>Font-styles</a:t>
+            </a:r>
+          </a:p>
+        </p:txBody>
+      </p:sp>
+      <p:sp>
+        <p:nvSpPr>
+          <p:cNvPr id="5" name="Rectangle 4">
+            <a:extLst>
+              <a:ext uri="{FF2B5EF4-FFF2-40B4-BE49-F238E27FC236}">
+                <a16:creationId xmlns:a16="http://schemas.microsoft.com/office/drawing/2014/main" id="{12131ED0-4950-475C-B7DC-450FBBF3C54A}"/>
+              </a:ext>
+            </a:extLst>
+          </p:cNvPr>
+          <p:cNvSpPr/>
+          <p:nvPr/>
+        </p:nvSpPr>
+        <p:spPr>
+          <a:xfrm>
+            <a:off x="0" y="0"/>
+            <a:ext cx="4283968" cy="356965"/>
+          </a:xfrm>
+          <a:prstGeom prst="rect">
+            <a:avLst/>
+          </a:prstGeom>
+          <a:solidFill>
+            <a:srgbClr val="0F7792"/>
+          </a:solidFill>
+          <a:ln>
+            <a:noFill/>
+          </a:ln>
+        </p:spPr>
+        <p:style>
+          <a:lnRef idx="2">
+            <a:schemeClr val="accent1">
+              <a:shade val="50000"/>
+            </a:schemeClr>
+          </a:lnRef>
+          <a:fillRef idx="1">
+            <a:schemeClr val="accent1"/>
+          </a:fillRef>
+          <a:effectRef idx="0">
+            <a:schemeClr val="accent1"/>
+          </a:effectRef>
+          <a:fontRef idx="minor">
+            <a:schemeClr val="lt1"/>
+          </a:fontRef>
+        </p:style>
+        <p:txBody>
+          <a:bodyPr rtlCol="0" anchor="ctr"/>
+          <a:lstStyle/>
+          <a:p>
+            <a:pPr algn="ctr"/>
+            <a:endParaRPr lang="en-US"/>
+          </a:p>
+        </p:txBody>
+      </p:sp>
+      <p:sp>
+        <p:nvSpPr>
+          <p:cNvPr id="4" name="TextBox 3">
+            <a:extLst>
+              <a:ext uri="{FF2B5EF4-FFF2-40B4-BE49-F238E27FC236}">
+                <a16:creationId xmlns:a16="http://schemas.microsoft.com/office/drawing/2014/main" id="{DB2A6D78-D3DF-4739-BCDE-EE78ED59B04D}"/>
+              </a:ext>
+            </a:extLst>
+          </p:cNvPr>
+          <p:cNvSpPr txBox="1"/>
+          <p:nvPr/>
+        </p:nvSpPr>
+        <p:spPr>
+          <a:xfrm>
+            <a:off x="89756" y="24634"/>
+            <a:ext cx="4122204" cy="276999"/>
+          </a:xfrm>
+          <a:prstGeom prst="rect">
+            <a:avLst/>
+          </a:prstGeom>
+          <a:noFill/>
+        </p:spPr>
+        <p:txBody>
+          <a:bodyPr wrap="square" rtlCol="0">
+            <a:spAutoFit/>
+          </a:bodyPr>
+          <a:lstStyle/>
+          <a:p>
+            <a:r>
+              <a:rPr lang="en-US" sz="1200" dirty="0">
+                <a:solidFill>
+                  <a:schemeClr val="bg1"/>
+                </a:solidFill>
+                <a:latin typeface="Verdana" panose="020B0604030504040204" pitchFamily="34" charset="0"/>
+                <a:ea typeface="Verdana" panose="020B0604030504040204" pitchFamily="34" charset="0"/>
+                <a:cs typeface="Verdana" panose="020B0604030504040204" pitchFamily="34" charset="0"/>
+              </a:rPr>
+              <a:t>11. Fonts, SVGs and images</a:t>
+            </a:r>
+            <a:endParaRPr lang="bg-BG" sz="1200" dirty="0">
+              <a:solidFill>
+                <a:schemeClr val="bg1"/>
+              </a:solidFill>
+              <a:latin typeface="Verdana" panose="020B0604030504040204" pitchFamily="34" charset="0"/>
+              <a:ea typeface="Verdana" panose="020B0604030504040204" pitchFamily="34" charset="0"/>
+              <a:cs typeface="Verdana" panose="020B0604030504040204" pitchFamily="34" charset="0"/>
+            </a:endParaRPr>
+          </a:p>
+        </p:txBody>
+      </p:sp>
+      <p:sp>
+        <p:nvSpPr>
+          <p:cNvPr id="8" name="TextBox 7">
+            <a:extLst>
+              <a:ext uri="{FF2B5EF4-FFF2-40B4-BE49-F238E27FC236}">
+                <a16:creationId xmlns:a16="http://schemas.microsoft.com/office/drawing/2014/main" id="{2374E9AE-8D65-4C85-A4AC-BBB9AA519202}"/>
+              </a:ext>
+            </a:extLst>
+          </p:cNvPr>
+          <p:cNvSpPr txBox="1"/>
+          <p:nvPr/>
+        </p:nvSpPr>
+        <p:spPr>
+          <a:xfrm>
+            <a:off x="8959271" y="43105"/>
+            <a:ext cx="184730" cy="646331"/>
+          </a:xfrm>
+          <a:prstGeom prst="rect">
+            <a:avLst/>
+          </a:prstGeom>
+          <a:noFill/>
+        </p:spPr>
+        <p:txBody>
+          <a:bodyPr wrap="none" rtlCol="0">
+            <a:spAutoFit/>
+          </a:bodyPr>
+          <a:lstStyle/>
+          <a:p>
+            <a:pPr algn="r"/>
+            <a:endParaRPr lang="bg-BG" sz="1200" dirty="0">
+              <a:solidFill>
+                <a:schemeClr val="bg1">
+                  <a:lumMod val="95000"/>
+                </a:schemeClr>
+              </a:solidFill>
+            </a:endParaRPr>
+          </a:p>
+          <a:p>
+            <a:pPr algn="r"/>
+            <a:endParaRPr lang="en-US" sz="1200" dirty="0">
+              <a:solidFill>
+                <a:schemeClr val="bg1">
+                  <a:lumMod val="95000"/>
+                </a:schemeClr>
+              </a:solidFill>
+            </a:endParaRPr>
+          </a:p>
+          <a:p>
+            <a:pPr algn="r"/>
+            <a:endParaRPr lang="en-US" sz="1200" b="1" dirty="0">
+              <a:solidFill>
+                <a:schemeClr val="bg1"/>
+              </a:solidFill>
+            </a:endParaRPr>
+          </a:p>
+        </p:txBody>
+      </p:sp>
+      <p:sp>
+        <p:nvSpPr>
+          <p:cNvPr id="47" name="Rectangle: Rounded Corners 5">
+            <a:extLst>
+              <a:ext uri="{FF2B5EF4-FFF2-40B4-BE49-F238E27FC236}">
+                <a16:creationId xmlns:a16="http://schemas.microsoft.com/office/drawing/2014/main" id="{682EAE92-D6DF-494B-9CC1-FF2B7145CC2C}"/>
+              </a:ext>
+            </a:extLst>
+          </p:cNvPr>
+          <p:cNvSpPr/>
+          <p:nvPr/>
+        </p:nvSpPr>
+        <p:spPr>
+          <a:xfrm>
+            <a:off x="323528" y="605860"/>
+            <a:ext cx="8496944" cy="504056"/>
+          </a:xfrm>
+          <a:prstGeom prst="roundRect">
+            <a:avLst/>
+          </a:prstGeom>
+          <a:solidFill>
+            <a:srgbClr val="127994"/>
+          </a:solidFill>
+          <a:ln>
+            <a:noFill/>
+          </a:ln>
+          <a:effectLst>
+            <a:outerShdw blurRad="50800" dist="38100" dir="5400000" algn="t" rotWithShape="0">
+              <a:prstClr val="black">
+                <a:alpha val="40000"/>
+              </a:prstClr>
+            </a:outerShdw>
+          </a:effectLst>
+        </p:spPr>
+        <p:style>
+          <a:lnRef idx="2">
+            <a:schemeClr val="accent1">
+              <a:shade val="50000"/>
+            </a:schemeClr>
+          </a:lnRef>
+          <a:fillRef idx="1">
+            <a:schemeClr val="accent1"/>
+          </a:fillRef>
+          <a:effectRef idx="0">
+            <a:schemeClr val="accent1"/>
+          </a:effectRef>
+          <a:fontRef idx="minor">
+            <a:schemeClr val="lt1"/>
+          </a:fontRef>
+        </p:style>
+        <p:txBody>
+          <a:bodyPr rtlCol="0" anchor="ctr"/>
+          <a:lstStyle/>
+          <a:p>
+            <a:pPr algn="ctr"/>
+            <a:r>
+              <a:rPr lang="en-US" dirty="0"/>
+              <a:t>Serif &amp; Sans-serif</a:t>
+            </a:r>
+            <a:endParaRPr lang="bg-BG" dirty="0"/>
+          </a:p>
+        </p:txBody>
+      </p:sp>
+      <p:sp>
+        <p:nvSpPr>
+          <p:cNvPr id="7" name="TextBox 6">
+            <a:extLst>
+              <a:ext uri="{FF2B5EF4-FFF2-40B4-BE49-F238E27FC236}">
+                <a16:creationId xmlns:a16="http://schemas.microsoft.com/office/drawing/2014/main" id="{7AF72468-919C-4184-B207-7B8877AA2381}"/>
+              </a:ext>
+            </a:extLst>
+          </p:cNvPr>
+          <p:cNvSpPr txBox="1"/>
+          <p:nvPr/>
+        </p:nvSpPr>
+        <p:spPr>
+          <a:xfrm>
+            <a:off x="323528" y="1417340"/>
+            <a:ext cx="8747138" cy="3416320"/>
+          </a:xfrm>
+          <a:prstGeom prst="rect">
+            <a:avLst/>
+          </a:prstGeom>
+          <a:noFill/>
+        </p:spPr>
+        <p:txBody>
+          <a:bodyPr wrap="none" rtlCol="0">
+            <a:spAutoFit/>
+          </a:bodyPr>
+          <a:lstStyle/>
+          <a:p>
+            <a:r>
+              <a:rPr lang="bg-BG" dirty="0"/>
+              <a:t>Малките детайли завършващи буквите са известни като </a:t>
+            </a:r>
+            <a:r>
+              <a:rPr lang="en-US" dirty="0"/>
+              <a:t>“serifs”.</a:t>
+            </a:r>
+          </a:p>
+          <a:p>
+            <a:endParaRPr lang="en-US" dirty="0"/>
+          </a:p>
+          <a:p>
+            <a:r>
+              <a:rPr lang="bg-BG" dirty="0"/>
+              <a:t>Кога и защо да използваме </a:t>
+            </a:r>
+            <a:r>
+              <a:rPr lang="en-US" dirty="0"/>
+              <a:t>serif/sans serif </a:t>
+            </a:r>
+            <a:r>
+              <a:rPr lang="bg-BG" dirty="0"/>
+              <a:t>шрифтове?</a:t>
+            </a:r>
+            <a:endParaRPr lang="en-US" dirty="0"/>
+          </a:p>
+          <a:p>
+            <a:endParaRPr lang="en-US" dirty="0"/>
+          </a:p>
+          <a:p>
+            <a:r>
+              <a:rPr lang="bg-BG" i="1" dirty="0"/>
+              <a:t>Най-добрият избор на шрифтове е този, който не се забелязва от потребителя : )</a:t>
+            </a:r>
+          </a:p>
+          <a:p>
+            <a:endParaRPr lang="bg-BG" i="1" dirty="0"/>
+          </a:p>
+          <a:p>
+            <a:r>
+              <a:rPr lang="bg-BG" dirty="0"/>
+              <a:t>Серифните букви заради детайлите си са по-различими и лесни за разпознаване. </a:t>
+            </a:r>
+          </a:p>
+          <a:p>
+            <a:r>
+              <a:rPr lang="bg-BG" dirty="0"/>
+              <a:t>Използват се най-често в лога и хедъри. В големи блокове от текст обаче те действат</a:t>
+            </a:r>
+          </a:p>
+          <a:p>
+            <a:r>
+              <a:rPr lang="bg-BG" dirty="0"/>
+              <a:t>заблуждаващо за нашия мозък и четенето е по-трудно.</a:t>
+            </a:r>
+          </a:p>
+          <a:p>
+            <a:endParaRPr lang="bg-BG" dirty="0"/>
+          </a:p>
+          <a:p>
+            <a:r>
+              <a:rPr lang="bg-BG" dirty="0"/>
+              <a:t>Шрифтовете без серифи са подходящи за </a:t>
+            </a:r>
+            <a:r>
+              <a:rPr lang="en-US" dirty="0"/>
+              <a:t>web </a:t>
+            </a:r>
+            <a:r>
+              <a:rPr lang="bg-BG" dirty="0"/>
+              <a:t>и по специално за големи блокове от </a:t>
+            </a:r>
+          </a:p>
+          <a:p>
+            <a:r>
+              <a:rPr lang="bg-BG" dirty="0"/>
+              <a:t>ситен текст.</a:t>
+            </a:r>
+          </a:p>
+        </p:txBody>
+      </p:sp>
+    </p:spTree>
+    <p:extLst>
+      <p:ext uri="{BB962C8B-B14F-4D97-AF65-F5344CB8AC3E}">
+        <p14:creationId xmlns:p14="http://schemas.microsoft.com/office/powerpoint/2010/main" val="4113195255"/>
+      </p:ext>
+    </p:extLst>
+  </p:cSld>
+  <p:clrMapOvr>
+    <a:masterClrMapping/>
+  </p:clrMapOvr>
+</p:sld>
+</file>
+
+<file path=ppt/slides/slide9.xml><?xml version="1.0" encoding="utf-8"?>
+<p:sld xmlns:a="http://schemas.openxmlformats.org/drawingml/2006/main" xmlns:r="http://schemas.openxmlformats.org/officeDocument/2006/relationships" xmlns:p="http://schemas.openxmlformats.org/presentationml/2006/main">
+  <p:cSld>
+    <p:bg>
+      <p:bgPr>
+        <a:blipFill dpi="0" rotWithShape="1">
+          <a:blip r:embed="rId3">
+            <a:lum/>
+          </a:blip>
+          <a:srcRect/>
+          <a:stretch>
+            <a:fillRect/>
+          </a:stretch>
+        </a:blipFill>
+        <a:effectLst/>
+      </p:bgPr>
+    </p:bg>
+    <p:spTree>
+      <p:nvGrpSpPr>
+        <p:cNvPr id="1" name=""/>
+        <p:cNvGrpSpPr/>
+        <p:nvPr/>
+      </p:nvGrpSpPr>
+      <p:grpSpPr>
+        <a:xfrm>
+          <a:off x="0" y="0"/>
+          <a:ext cx="0" cy="0"/>
+          <a:chOff x="0" y="0"/>
+          <a:chExt cx="0" cy="0"/>
+        </a:xfrm>
+      </p:grpSpPr>
+      <p:sp>
+        <p:nvSpPr>
+          <p:cNvPr id="39" name="Rectangle 38">
+            <a:extLst>
+              <a:ext uri="{FF2B5EF4-FFF2-40B4-BE49-F238E27FC236}">
+                <a16:creationId xmlns:a16="http://schemas.microsoft.com/office/drawing/2014/main" id="{C1C163D1-85A2-4643-BA3C-22035ECBF6E9}"/>
+              </a:ext>
+            </a:extLst>
+          </p:cNvPr>
+          <p:cNvSpPr/>
+          <p:nvPr/>
+        </p:nvSpPr>
+        <p:spPr>
+          <a:xfrm>
+            <a:off x="7210970" y="0"/>
+            <a:ext cx="1933031" cy="356965"/>
+          </a:xfrm>
+          <a:prstGeom prst="rect">
+            <a:avLst/>
+          </a:prstGeom>
+          <a:solidFill>
+            <a:srgbClr val="0F7792">
+              <a:alpha val="50196"/>
+            </a:srgbClr>
+          </a:solidFill>
+          <a:ln>
+            <a:noFill/>
+          </a:ln>
+        </p:spPr>
+        <p:style>
+          <a:lnRef idx="2">
+            <a:schemeClr val="accent1">
+              <a:shade val="50000"/>
+            </a:schemeClr>
+          </a:lnRef>
+          <a:fillRef idx="1">
+            <a:schemeClr val="accent1"/>
+          </a:fillRef>
+          <a:effectRef idx="0">
+            <a:schemeClr val="accent1"/>
+          </a:effectRef>
+          <a:fontRef idx="minor">
+            <a:schemeClr val="lt1"/>
+          </a:fontRef>
+        </p:style>
+        <p:txBody>
+          <a:bodyPr rtlCol="0" anchor="ctr"/>
+          <a:lstStyle/>
+          <a:p>
+            <a:pPr algn="ctr"/>
+            <a:r>
+              <a:rPr lang="en-US" sz="1400" dirty="0"/>
+              <a:t>Font-styles</a:t>
+            </a:r>
+          </a:p>
+        </p:txBody>
+      </p:sp>
+      <p:sp>
+        <p:nvSpPr>
+          <p:cNvPr id="5" name="Rectangle 4">
+            <a:extLst>
+              <a:ext uri="{FF2B5EF4-FFF2-40B4-BE49-F238E27FC236}">
+                <a16:creationId xmlns:a16="http://schemas.microsoft.com/office/drawing/2014/main" id="{12131ED0-4950-475C-B7DC-450FBBF3C54A}"/>
+              </a:ext>
+            </a:extLst>
+          </p:cNvPr>
+          <p:cNvSpPr/>
+          <p:nvPr/>
+        </p:nvSpPr>
+        <p:spPr>
+          <a:xfrm>
+            <a:off x="0" y="0"/>
+            <a:ext cx="4283968" cy="356965"/>
+          </a:xfrm>
+          <a:prstGeom prst="rect">
+            <a:avLst/>
+          </a:prstGeom>
+          <a:solidFill>
+            <a:srgbClr val="0F7792"/>
+          </a:solidFill>
+          <a:ln>
+            <a:noFill/>
+          </a:ln>
+        </p:spPr>
+        <p:style>
+          <a:lnRef idx="2">
+            <a:schemeClr val="accent1">
+              <a:shade val="50000"/>
+            </a:schemeClr>
+          </a:lnRef>
+          <a:fillRef idx="1">
+            <a:schemeClr val="accent1"/>
+          </a:fillRef>
+          <a:effectRef idx="0">
+            <a:schemeClr val="accent1"/>
+          </a:effectRef>
+          <a:fontRef idx="minor">
+            <a:schemeClr val="lt1"/>
+          </a:fontRef>
+        </p:style>
+        <p:txBody>
+          <a:bodyPr rtlCol="0" anchor="ctr"/>
+          <a:lstStyle/>
+          <a:p>
+            <a:pPr algn="ctr"/>
+            <a:endParaRPr lang="en-US"/>
+          </a:p>
+        </p:txBody>
+      </p:sp>
+      <p:sp>
+        <p:nvSpPr>
+          <p:cNvPr id="4" name="TextBox 3">
+            <a:extLst>
+              <a:ext uri="{FF2B5EF4-FFF2-40B4-BE49-F238E27FC236}">
+                <a16:creationId xmlns:a16="http://schemas.microsoft.com/office/drawing/2014/main" id="{DB2A6D78-D3DF-4739-BCDE-EE78ED59B04D}"/>
+              </a:ext>
+            </a:extLst>
+          </p:cNvPr>
+          <p:cNvSpPr txBox="1"/>
+          <p:nvPr/>
+        </p:nvSpPr>
+        <p:spPr>
+          <a:xfrm>
+            <a:off x="89756" y="24634"/>
+            <a:ext cx="4122204" cy="276999"/>
+          </a:xfrm>
+          <a:prstGeom prst="rect">
+            <a:avLst/>
+          </a:prstGeom>
+          <a:noFill/>
+        </p:spPr>
+        <p:txBody>
+          <a:bodyPr wrap="square" rtlCol="0">
+            <a:spAutoFit/>
+          </a:bodyPr>
+          <a:lstStyle/>
+          <a:p>
+            <a:r>
+              <a:rPr lang="en-US" sz="1200" dirty="0">
+                <a:solidFill>
+                  <a:schemeClr val="bg1"/>
+                </a:solidFill>
+                <a:latin typeface="Verdana" panose="020B0604030504040204" pitchFamily="34" charset="0"/>
+                <a:ea typeface="Verdana" panose="020B0604030504040204" pitchFamily="34" charset="0"/>
+                <a:cs typeface="Verdana" panose="020B0604030504040204" pitchFamily="34" charset="0"/>
+              </a:rPr>
+              <a:t>11. Fonts, SVGs and images</a:t>
+            </a:r>
+            <a:endParaRPr lang="bg-BG" sz="1200" dirty="0">
+              <a:solidFill>
+                <a:schemeClr val="bg1"/>
+              </a:solidFill>
+              <a:latin typeface="Verdana" panose="020B0604030504040204" pitchFamily="34" charset="0"/>
+              <a:ea typeface="Verdana" panose="020B0604030504040204" pitchFamily="34" charset="0"/>
+              <a:cs typeface="Verdana" panose="020B0604030504040204" pitchFamily="34" charset="0"/>
+            </a:endParaRPr>
+          </a:p>
+        </p:txBody>
+      </p:sp>
+      <p:sp>
+        <p:nvSpPr>
+          <p:cNvPr id="8" name="TextBox 7">
+            <a:extLst>
+              <a:ext uri="{FF2B5EF4-FFF2-40B4-BE49-F238E27FC236}">
+                <a16:creationId xmlns:a16="http://schemas.microsoft.com/office/drawing/2014/main" id="{2374E9AE-8D65-4C85-A4AC-BBB9AA519202}"/>
+              </a:ext>
+            </a:extLst>
+          </p:cNvPr>
+          <p:cNvSpPr txBox="1"/>
+          <p:nvPr/>
+        </p:nvSpPr>
+        <p:spPr>
+          <a:xfrm>
+            <a:off x="8959271" y="43105"/>
+            <a:ext cx="184730" cy="646331"/>
+          </a:xfrm>
+          <a:prstGeom prst="rect">
+            <a:avLst/>
+          </a:prstGeom>
+          <a:noFill/>
+        </p:spPr>
+        <p:txBody>
+          <a:bodyPr wrap="none" rtlCol="0">
+            <a:spAutoFit/>
+          </a:bodyPr>
+          <a:lstStyle/>
+          <a:p>
+            <a:pPr algn="r"/>
+            <a:endParaRPr lang="bg-BG" sz="1200" dirty="0">
+              <a:solidFill>
+                <a:schemeClr val="bg1">
+                  <a:lumMod val="95000"/>
+                </a:schemeClr>
+              </a:solidFill>
+            </a:endParaRPr>
+          </a:p>
+          <a:p>
+            <a:pPr algn="r"/>
+            <a:endParaRPr lang="en-US" sz="1200" dirty="0">
+              <a:solidFill>
+                <a:schemeClr val="bg1">
+                  <a:lumMod val="95000"/>
+                </a:schemeClr>
+              </a:solidFill>
+            </a:endParaRPr>
+          </a:p>
+          <a:p>
+            <a:pPr algn="r"/>
+            <a:endParaRPr lang="en-US" sz="1200" b="1" dirty="0">
+              <a:solidFill>
+                <a:schemeClr val="bg1"/>
+              </a:solidFill>
+            </a:endParaRPr>
+          </a:p>
+        </p:txBody>
+      </p:sp>
+      <p:sp>
+        <p:nvSpPr>
+          <p:cNvPr id="47" name="Rectangle: Rounded Corners 5">
+            <a:extLst>
+              <a:ext uri="{FF2B5EF4-FFF2-40B4-BE49-F238E27FC236}">
+                <a16:creationId xmlns:a16="http://schemas.microsoft.com/office/drawing/2014/main" id="{682EAE92-D6DF-494B-9CC1-FF2B7145CC2C}"/>
+              </a:ext>
+            </a:extLst>
+          </p:cNvPr>
+          <p:cNvSpPr/>
+          <p:nvPr/>
+        </p:nvSpPr>
+        <p:spPr>
+          <a:xfrm>
+            <a:off x="323528" y="605860"/>
+            <a:ext cx="8496944" cy="504056"/>
+          </a:xfrm>
+          <a:prstGeom prst="roundRect">
+            <a:avLst/>
+          </a:prstGeom>
+          <a:solidFill>
+            <a:srgbClr val="127994"/>
+          </a:solidFill>
+          <a:ln>
+            <a:noFill/>
+          </a:ln>
+          <a:effectLst>
+            <a:outerShdw blurRad="50800" dist="38100" dir="5400000" algn="t" rotWithShape="0">
+              <a:prstClr val="black">
+                <a:alpha val="40000"/>
+              </a:prstClr>
+            </a:outerShdw>
+          </a:effectLst>
+        </p:spPr>
+        <p:style>
+          <a:lnRef idx="2">
+            <a:schemeClr val="accent1">
+              <a:shade val="50000"/>
+            </a:schemeClr>
+          </a:lnRef>
+          <a:fillRef idx="1">
+            <a:schemeClr val="accent1"/>
+          </a:fillRef>
+          <a:effectRef idx="0">
+            <a:schemeClr val="accent1"/>
+          </a:effectRef>
+          <a:fontRef idx="minor">
+            <a:schemeClr val="lt1"/>
+          </a:fontRef>
+        </p:style>
+        <p:txBody>
+          <a:bodyPr rtlCol="0" anchor="ctr"/>
+          <a:lstStyle/>
+          <a:p>
+            <a:pPr algn="ctr"/>
+            <a:r>
+              <a:rPr lang="en-US" dirty="0"/>
+              <a:t>Serif &amp; Sans-serif</a:t>
+            </a:r>
+            <a:endParaRPr lang="bg-BG" dirty="0"/>
+          </a:p>
+        </p:txBody>
+      </p:sp>
+      <p:pic>
+        <p:nvPicPr>
+          <p:cNvPr id="6" name="Picture 5">
+            <a:extLst>
+              <a:ext uri="{FF2B5EF4-FFF2-40B4-BE49-F238E27FC236}">
+                <a16:creationId xmlns:a16="http://schemas.microsoft.com/office/drawing/2014/main" id="{D7862685-A834-4C9F-88F3-E6560946C568}"/>
+              </a:ext>
+            </a:extLst>
+          </p:cNvPr>
+          <p:cNvPicPr>
+            <a:picLocks noChangeAspect="1"/>
+          </p:cNvPicPr>
+          <p:nvPr/>
+        </p:nvPicPr>
+        <p:blipFill>
+          <a:blip r:embed="rId4">
+            <a:extLst>
+              <a:ext uri="{28A0092B-C50C-407E-A947-70E740481C1C}">
+                <a14:useLocalDpi xmlns:a14="http://schemas.microsoft.com/office/drawing/2010/main" val="0"/>
+              </a:ext>
+            </a:extLst>
+          </a:blip>
+          <a:stretch>
+            <a:fillRect/>
+          </a:stretch>
+        </p:blipFill>
+        <p:spPr>
+          <a:xfrm>
+            <a:off x="611560" y="1358811"/>
+            <a:ext cx="7812360" cy="3124944"/>
+          </a:xfrm>
+          <a:prstGeom prst="rect">
+            <a:avLst/>
+          </a:prstGeom>
+        </p:spPr>
+      </p:pic>
+    </p:spTree>
+    <p:extLst>
+      <p:ext uri="{BB962C8B-B14F-4D97-AF65-F5344CB8AC3E}">
+        <p14:creationId xmlns:p14="http://schemas.microsoft.com/office/powerpoint/2010/main" val="57485694"/>
       </p:ext>
     </p:extLst>
   </p:cSld>
